--- a/Einfuerung/ChallengeCart-Einfuerung.pptx
+++ b/Einfuerung/ChallengeCart-Einfuerung.pptx
@@ -1988,7 +1988,7 @@
           <a:p>
             <a:fld id="{DD7A25D8-F173-4133-85F8-CB962D678EB5}" type="datetimeFigureOut">
               <a:rPr lang="de-DE" smtClean="0"/>
-              <a:t>21.01.2019</a:t>
+              <a:t>06.12.2019</a:t>
             </a:fld>
             <a:endParaRPr lang="de-DE"/>
           </a:p>
@@ -2052,38 +2052,37 @@
           <a:p>
             <a:pPr lvl="0"/>
             <a:r>
-              <a:rPr lang="de-DE" smtClean="0"/>
+              <a:rPr lang="de-DE"/>
               <a:t>Formatvorlagen des Textmasters bearbeiten</a:t>
             </a:r>
           </a:p>
           <a:p>
             <a:pPr lvl="1"/>
             <a:r>
-              <a:rPr lang="de-DE" smtClean="0"/>
+              <a:rPr lang="de-DE"/>
               <a:t>Zweite Ebene</a:t>
             </a:r>
           </a:p>
           <a:p>
             <a:pPr lvl="2"/>
             <a:r>
-              <a:rPr lang="de-DE" smtClean="0"/>
+              <a:rPr lang="de-DE"/>
               <a:t>Dritte Ebene</a:t>
             </a:r>
           </a:p>
           <a:p>
             <a:pPr lvl="3"/>
             <a:r>
-              <a:rPr lang="de-DE" smtClean="0"/>
+              <a:rPr lang="de-DE"/>
               <a:t>Vierte Ebene</a:t>
             </a:r>
           </a:p>
           <a:p>
             <a:pPr lvl="4"/>
             <a:r>
-              <a:rPr lang="de-DE" smtClean="0"/>
+              <a:rPr lang="de-DE"/>
               <a:t>Fünfte Ebene</a:t>
             </a:r>
-            <a:endParaRPr lang="de-DE"/>
           </a:p>
         </p:txBody>
       </p:sp>
@@ -2298,7 +2297,7 @@
           </a:lstStyle>
           <a:p>
             <a:r>
-              <a:rPr lang="de-DE" smtClean="0"/>
+              <a:rPr lang="de-DE"/>
               <a:t>Titelmasterformat durch Klicken bearbeiten</a:t>
             </a:r>
             <a:endParaRPr lang="en-US" dirty="0"/>
@@ -2363,7 +2362,7 @@
           </a:lstStyle>
           <a:p>
             <a:r>
-              <a:rPr lang="de-DE" smtClean="0"/>
+              <a:rPr lang="de-DE"/>
               <a:t>Formatvorlage des Untertitelmasters durch Klicken bearbeiten</a:t>
             </a:r>
             <a:endParaRPr lang="en-US" dirty="0"/>
@@ -2387,7 +2386,7 @@
           <a:p>
             <a:fld id="{FC9269F9-6F79-4414-A84E-D81C6C443C37}" type="datetimeFigureOut">
               <a:rPr lang="de-DE" smtClean="0"/>
-              <a:t>21.01.2019</a:t>
+              <a:t>06.12.2019</a:t>
             </a:fld>
             <a:endParaRPr lang="de-DE"/>
           </a:p>
@@ -2445,13 +2444,6 @@
   <p:clrMapOvr>
     <a:masterClrMapping/>
   </p:clrMapOvr>
-  <p:timing>
-    <p:tnLst>
-      <p:par>
-        <p:cTn id="1" dur="indefinite" restart="never" nodeType="tmRoot"/>
-      </p:par>
-    </p:tnLst>
-  </p:timing>
 </p:sldLayout>
 </file>
 
@@ -2594,7 +2586,7 @@
           </a:lstStyle>
           <a:p>
             <a:r>
-              <a:rPr lang="de-DE" dirty="0" smtClean="0"/>
+              <a:rPr lang="de-DE" dirty="0"/>
               <a:t>Titelmasterformat durch Klicken bearbeiten</a:t>
             </a:r>
             <a:endParaRPr lang="en-US" dirty="0"/>
@@ -2808,10 +2800,9 @@
           <a:p>
             <a:pPr lvl="0"/>
             <a:r>
-              <a:rPr lang="de-DE" dirty="0" smtClean="0"/>
+              <a:rPr lang="de-DE" dirty="0"/>
               <a:t>Aufgabentext</a:t>
             </a:r>
-            <a:endParaRPr lang="de-DE" dirty="0"/>
           </a:p>
         </p:txBody>
       </p:sp>
@@ -2838,10 +2829,9 @@
           <a:lstStyle/>
           <a:p>
             <a:r>
-              <a:rPr lang="de-DE" b="1" dirty="0" smtClean="0"/>
+              <a:rPr lang="de-DE" b="1" dirty="0"/>
               <a:t>Challenge</a:t>
             </a:r>
-            <a:endParaRPr lang="de-DE" b="1" dirty="0"/>
           </a:p>
         </p:txBody>
       </p:sp>
@@ -2878,10 +2868,9 @@
           <a:p>
             <a:pPr lvl="0"/>
             <a:r>
-              <a:rPr lang="de-DE" dirty="0" smtClean="0"/>
+              <a:rPr lang="de-DE" dirty="0"/>
               <a:t>Schwierigkeitsgrad</a:t>
             </a:r>
-            <a:endParaRPr lang="de-DE" dirty="0"/>
           </a:p>
         </p:txBody>
       </p:sp>
@@ -2918,7 +2907,7 @@
           <a:p>
             <a:pPr lvl="0"/>
             <a:r>
-              <a:rPr lang="de-DE" sz="3200" dirty="0" smtClean="0"/>
+              <a:rPr lang="de-DE" sz="3200" dirty="0"/>
               <a:t>N</a:t>
             </a:r>
             <a:endParaRPr lang="de-DE" dirty="0"/>
@@ -3046,13 +3035,6 @@
   <p:clrMapOvr>
     <a:masterClrMapping/>
   </p:clrMapOvr>
-  <p:timing>
-    <p:tnLst>
-      <p:par>
-        <p:cTn id="1" dur="indefinite" restart="never" nodeType="tmRoot"/>
-      </p:par>
-    </p:tnLst>
-  </p:timing>
 </p:sldLayout>
 </file>
 
@@ -3195,7 +3177,7 @@
           </a:lstStyle>
           <a:p>
             <a:r>
-              <a:rPr lang="de-DE" dirty="0" smtClean="0"/>
+              <a:rPr lang="de-DE" dirty="0"/>
               <a:t>Titelmasterformat durch Klicken bearbeiten</a:t>
             </a:r>
             <a:endParaRPr lang="en-US" dirty="0"/>
@@ -3445,6 +3427,42 @@
           </a:prstGeom>
         </p:spPr>
       </p:pic>
+      <p:pic>
+        <p:nvPicPr>
+          <p:cNvPr id="20" name="Grafik 19">
+            <a:extLst>
+              <a:ext uri="{FF2B5EF4-FFF2-40B4-BE49-F238E27FC236}">
+                <a16:creationId xmlns:a16="http://schemas.microsoft.com/office/drawing/2014/main" id="{A160E4B6-B610-455F-9523-5FD44830C293}"/>
+              </a:ext>
+            </a:extLst>
+          </p:cNvPr>
+          <p:cNvPicPr>
+            <a:picLocks noChangeAspect="1"/>
+          </p:cNvPicPr>
+          <p:nvPr userDrawn="1"/>
+        </p:nvPicPr>
+        <p:blipFill>
+          <a:blip r:embed="rId4" cstate="print">
+            <a:extLst>
+              <a:ext uri="{28A0092B-C50C-407E-A947-70E740481C1C}">
+                <a14:useLocalDpi xmlns:a14="http://schemas.microsoft.com/office/drawing/2010/main" val="0"/>
+              </a:ext>
+            </a:extLst>
+          </a:blip>
+          <a:stretch>
+            <a:fillRect/>
+          </a:stretch>
+        </p:blipFill>
+        <p:spPr>
+          <a:xfrm>
+            <a:off x="2075532" y="9137300"/>
+            <a:ext cx="381000" cy="571500"/>
+          </a:xfrm>
+          <a:prstGeom prst="rect">
+            <a:avLst/>
+          </a:prstGeom>
+        </p:spPr>
+      </p:pic>
     </p:spTree>
     <p:extLst>
       <p:ext uri="{BB962C8B-B14F-4D97-AF65-F5344CB8AC3E}">
@@ -3455,13 +3473,6 @@
   <p:clrMapOvr>
     <a:masterClrMapping/>
   </p:clrMapOvr>
-  <p:timing>
-    <p:tnLst>
-      <p:par>
-        <p:cTn id="1" dur="indefinite" restart="never" nodeType="tmRoot"/>
-      </p:par>
-    </p:tnLst>
-  </p:timing>
 </p:sldLayout>
 </file>
 
@@ -3511,10 +3522,9 @@
           </a:lstStyle>
           <a:p>
             <a:r>
-              <a:rPr lang="de-DE" dirty="0" smtClean="0"/>
+              <a:rPr lang="de-DE" dirty="0"/>
               <a:t>Aufgabe</a:t>
             </a:r>
-            <a:endParaRPr lang="de-DE" dirty="0"/>
           </a:p>
         </p:txBody>
       </p:sp>
@@ -3535,7 +3545,7 @@
           <a:p>
             <a:fld id="{FC9269F9-6F79-4414-A84E-D81C6C443C37}" type="datetimeFigureOut">
               <a:rPr lang="de-DE" smtClean="0"/>
-              <a:t>21.01.2019</a:t>
+              <a:t>06.12.2019</a:t>
             </a:fld>
             <a:endParaRPr lang="de-DE"/>
           </a:p>
@@ -3587,14 +3597,11 @@
           <a:lstStyle/>
           <a:p>
             <a:r>
-              <a:rPr lang="de-DE" sz="3600" b="1" dirty="0" smtClean="0">
+              <a:rPr lang="de-DE" sz="3600" b="1" dirty="0">
                 <a:latin typeface="+mn-lt"/>
               </a:rPr>
               <a:t>Lösung</a:t>
             </a:r>
-            <a:endParaRPr lang="de-DE" sz="3600" b="1" dirty="0">
-              <a:latin typeface="+mn-lt"/>
-            </a:endParaRPr>
           </a:p>
         </p:txBody>
       </p:sp>
@@ -3657,10 +3664,9 @@
           <a:lstStyle/>
           <a:p>
             <a:r>
-              <a:rPr lang="de-DE" sz="1200" dirty="0" smtClean="0"/>
+              <a:rPr lang="de-DE" sz="1200" dirty="0"/>
               <a:t>Verwendete Befehlsgruppen</a:t>
             </a:r>
-            <a:endParaRPr lang="de-DE" sz="1200" dirty="0"/>
           </a:p>
         </p:txBody>
       </p:sp>
@@ -3747,10 +3753,9 @@
           <a:lstStyle/>
           <a:p>
             <a:r>
-              <a:rPr lang="de-DE" sz="1600" b="1" dirty="0" smtClean="0"/>
+              <a:rPr lang="de-DE" sz="1600" b="1" dirty="0"/>
               <a:t>Code</a:t>
             </a:r>
-            <a:endParaRPr lang="de-DE" sz="1600" b="1" dirty="0"/>
           </a:p>
         </p:txBody>
       </p:sp>
@@ -3786,38 +3791,37 @@
           <a:p>
             <a:pPr lvl="0"/>
             <a:r>
-              <a:rPr lang="de-DE" dirty="0" smtClean="0"/>
+              <a:rPr lang="de-DE" dirty="0"/>
               <a:t>Formatvorlagen des Textmasters bearbeiten</a:t>
             </a:r>
           </a:p>
           <a:p>
             <a:pPr lvl="1"/>
             <a:r>
-              <a:rPr lang="de-DE" dirty="0" smtClean="0"/>
+              <a:rPr lang="de-DE" dirty="0"/>
               <a:t>Zweite Ebene</a:t>
             </a:r>
           </a:p>
           <a:p>
             <a:pPr lvl="2"/>
             <a:r>
-              <a:rPr lang="de-DE" dirty="0" smtClean="0"/>
+              <a:rPr lang="de-DE" dirty="0"/>
               <a:t>Dritte Ebene</a:t>
             </a:r>
           </a:p>
           <a:p>
             <a:pPr lvl="3"/>
             <a:r>
-              <a:rPr lang="de-DE" dirty="0" smtClean="0"/>
+              <a:rPr lang="de-DE" dirty="0"/>
               <a:t>Vierte Ebene</a:t>
             </a:r>
           </a:p>
           <a:p>
             <a:pPr lvl="4"/>
             <a:r>
-              <a:rPr lang="de-DE" dirty="0" smtClean="0"/>
+              <a:rPr lang="de-DE" dirty="0"/>
               <a:t>Fünfte Ebene</a:t>
             </a:r>
-            <a:endParaRPr lang="de-DE" dirty="0"/>
           </a:p>
         </p:txBody>
       </p:sp>
@@ -3893,12 +3897,12 @@
           <a:p>
             <a:pPr algn="ctr"/>
             <a:r>
-              <a:rPr lang="de-DE" sz="1100" dirty="0" smtClean="0">
+              <a:rPr lang="de-DE" sz="1100" dirty="0">
                 <a:hlinkClick r:id="rId2"/>
               </a:rPr>
               <a:t>https://www.htw-dresden.de/kiss-mint</a:t>
             </a:r>
-            <a:endParaRPr lang="de-DE" sz="1100" dirty="0" smtClean="0"/>
+            <a:endParaRPr lang="de-DE" sz="1100" dirty="0"/>
           </a:p>
         </p:txBody>
       </p:sp>
@@ -3912,13 +3916,6 @@
   <p:clrMapOvr>
     <a:masterClrMapping/>
   </p:clrMapOvr>
-  <p:timing>
-    <p:tnLst>
-      <p:par>
-        <p:cTn id="1" dur="indefinite" restart="never" nodeType="tmRoot"/>
-      </p:par>
-    </p:tnLst>
-  </p:timing>
 </p:sldLayout>
 </file>
 
@@ -3966,10 +3963,9 @@
           </a:lstStyle>
           <a:p>
             <a:r>
-              <a:rPr lang="de-DE" dirty="0" smtClean="0"/>
+              <a:rPr lang="de-DE" dirty="0"/>
               <a:t>Titelmasterformat durch Klicken bearbeiten</a:t>
             </a:r>
-            <a:endParaRPr lang="de-DE" dirty="0"/>
           </a:p>
         </p:txBody>
       </p:sp>
@@ -3990,7 +3986,7 @@
           <a:p>
             <a:fld id="{FC9269F9-6F79-4414-A84E-D81C6C443C37}" type="datetimeFigureOut">
               <a:rPr lang="de-DE" smtClean="0"/>
-              <a:t>21.01.2019</a:t>
+              <a:t>06.12.2019</a:t>
             </a:fld>
             <a:endParaRPr lang="de-DE"/>
           </a:p>
@@ -4048,7 +4044,7 @@
           <a:p>
             <a:pPr lvl="0"/>
             <a:r>
-              <a:rPr lang="de-DE" b="1" dirty="0" smtClean="0"/>
+              <a:rPr lang="de-DE" b="1" dirty="0"/>
               <a:t>Rubrik</a:t>
             </a:r>
             <a:endParaRPr lang="de-DE" dirty="0"/>
@@ -4103,10 +4099,9 @@
           <a:p>
             <a:pPr lvl="0"/>
             <a:r>
-              <a:rPr lang="de-DE" dirty="0" smtClean="0"/>
+              <a:rPr lang="de-DE" dirty="0"/>
               <a:t>Formatvorlagen des Textmasters bearbeiten</a:t>
             </a:r>
-            <a:endParaRPr lang="de-DE" dirty="0"/>
           </a:p>
         </p:txBody>
       </p:sp>
@@ -4134,12 +4129,12 @@
           <a:p>
             <a:pPr algn="ctr"/>
             <a:r>
-              <a:rPr lang="de-DE" sz="1100" dirty="0" smtClean="0">
+              <a:rPr lang="de-DE" sz="1100" dirty="0">
                 <a:hlinkClick r:id="rId2"/>
               </a:rPr>
               <a:t>https://www.htw-dresden.de/kiss-mint</a:t>
             </a:r>
-            <a:endParaRPr lang="de-DE" sz="1100" dirty="0" smtClean="0"/>
+            <a:endParaRPr lang="de-DE" sz="1100" dirty="0"/>
           </a:p>
         </p:txBody>
       </p:sp>
@@ -4153,13 +4148,6 @@
   <p:clrMapOvr>
     <a:masterClrMapping/>
   </p:clrMapOvr>
-  <p:timing>
-    <p:tnLst>
-      <p:par>
-        <p:cTn id="1" dur="indefinite" restart="never" nodeType="tmRoot"/>
-      </p:par>
-    </p:tnLst>
-  </p:timing>
 </p:sldLayout>
 </file>
 
@@ -4447,34 +4435,34 @@
           <a:p>
             <a:pPr algn="ctr"/>
             <a:r>
-              <a:rPr lang="de-DE" b="1" dirty="0" smtClean="0"/>
+              <a:rPr lang="de-DE" b="1" dirty="0"/>
               <a:t>Veröffentlicht</a:t>
             </a:r>
             <a:r>
-              <a:rPr lang="de-DE" b="1" baseline="0" dirty="0" smtClean="0"/>
+              <a:rPr lang="de-DE" b="1" baseline="0" dirty="0"/>
               <a:t> unter CC BY SA</a:t>
             </a:r>
           </a:p>
           <a:p>
             <a:pPr algn="ctr"/>
-            <a:endParaRPr lang="de-DE" b="0" baseline="0" dirty="0" smtClean="0"/>
+            <a:endParaRPr lang="de-DE" b="0" baseline="0" dirty="0"/>
           </a:p>
           <a:p>
             <a:pPr algn="ctr"/>
             <a:r>
-              <a:rPr lang="de-DE" b="0" dirty="0" smtClean="0"/>
+              <a:rPr lang="de-DE" b="0" dirty="0"/>
               <a:t>Dieses Werk ist unter einer Creative </a:t>
             </a:r>
             <a:r>
-              <a:rPr lang="de-DE" b="0" dirty="0" err="1" smtClean="0"/>
+              <a:rPr lang="de-DE" b="0" dirty="0" err="1"/>
               <a:t>Commons</a:t>
             </a:r>
             <a:r>
-              <a:rPr lang="de-DE" b="0" dirty="0" smtClean="0"/>
+              <a:rPr lang="de-DE" b="0" dirty="0"/>
               <a:t> Lizenz vom Typ Namensnennung - Weitergabe unter gleichen Bedingungen 4.0 International zugänglich. Um eine Kopie dieser Lizenz einzusehen, konsultieren </a:t>
             </a:r>
             <a:r>
-              <a:rPr lang="de-DE" b="0" dirty="0" smtClean="0">
+              <a:rPr lang="de-DE" b="0" dirty="0">
                 <a:solidFill>
                   <a:schemeClr val="bg1"/>
                 </a:solidFill>
@@ -4482,18 +4470,17 @@
               <a:t>Sie http://creativecommons.org/licenses/by-sa/4.0/ oder </a:t>
             </a:r>
             <a:r>
-              <a:rPr lang="de-DE" b="0" dirty="0" smtClean="0"/>
+              <a:rPr lang="de-DE" b="0" dirty="0"/>
               <a:t>wenden Sie sich brieflich an Creative </a:t>
             </a:r>
             <a:r>
-              <a:rPr lang="de-DE" b="0" dirty="0" err="1" smtClean="0"/>
+              <a:rPr lang="de-DE" b="0" dirty="0" err="1"/>
               <a:t>Commons</a:t>
             </a:r>
             <a:r>
-              <a:rPr lang="de-DE" b="0" dirty="0" smtClean="0"/>
+              <a:rPr lang="de-DE" b="0" dirty="0"/>
               <a:t>, Postfach 1866, Mountain View, California, 94042, USA.</a:t>
             </a:r>
-            <a:endParaRPr lang="de-DE" b="0" dirty="0"/>
           </a:p>
         </p:txBody>
       </p:sp>
@@ -4652,38 +4639,37 @@
           <a:p>
             <a:pPr lvl="0"/>
             <a:r>
-              <a:rPr lang="de-DE" dirty="0" smtClean="0"/>
+              <a:rPr lang="de-DE" dirty="0"/>
               <a:t>Formatvorlagen des Textmasters bearbeiten</a:t>
             </a:r>
           </a:p>
           <a:p>
             <a:pPr lvl="1"/>
             <a:r>
-              <a:rPr lang="de-DE" dirty="0" smtClean="0"/>
+              <a:rPr lang="de-DE" dirty="0"/>
               <a:t>Zweite Ebene</a:t>
             </a:r>
           </a:p>
           <a:p>
             <a:pPr lvl="2"/>
             <a:r>
-              <a:rPr lang="de-DE" dirty="0" smtClean="0"/>
+              <a:rPr lang="de-DE" dirty="0"/>
               <a:t>Dritte Ebene</a:t>
             </a:r>
           </a:p>
           <a:p>
             <a:pPr lvl="3"/>
             <a:r>
-              <a:rPr lang="de-DE" dirty="0" smtClean="0"/>
+              <a:rPr lang="de-DE" dirty="0"/>
               <a:t>Vierte Ebene</a:t>
             </a:r>
           </a:p>
           <a:p>
             <a:pPr lvl="4"/>
             <a:r>
-              <a:rPr lang="de-DE" dirty="0" smtClean="0"/>
+              <a:rPr lang="de-DE" dirty="0"/>
               <a:t>Fünfte Ebene</a:t>
             </a:r>
-            <a:endParaRPr lang="de-DE" dirty="0"/>
           </a:p>
         </p:txBody>
       </p:sp>
@@ -4716,6 +4702,42 @@
           </a:prstGeom>
         </p:spPr>
       </p:pic>
+      <p:pic>
+        <p:nvPicPr>
+          <p:cNvPr id="15" name="Grafik 14">
+            <a:extLst>
+              <a:ext uri="{FF2B5EF4-FFF2-40B4-BE49-F238E27FC236}">
+                <a16:creationId xmlns:a16="http://schemas.microsoft.com/office/drawing/2014/main" id="{E0D88E05-4044-4CD3-857D-D6FBB5E34C94}"/>
+              </a:ext>
+            </a:extLst>
+          </p:cNvPr>
+          <p:cNvPicPr>
+            <a:picLocks noChangeAspect="1"/>
+          </p:cNvPicPr>
+          <p:nvPr userDrawn="1"/>
+        </p:nvPicPr>
+        <p:blipFill>
+          <a:blip r:embed="rId7" cstate="print">
+            <a:extLst>
+              <a:ext uri="{28A0092B-C50C-407E-A947-70E740481C1C}">
+                <a14:useLocalDpi xmlns:a14="http://schemas.microsoft.com/office/drawing/2010/main" val="0"/>
+              </a:ext>
+            </a:extLst>
+          </a:blip>
+          <a:stretch>
+            <a:fillRect/>
+          </a:stretch>
+        </p:blipFill>
+        <p:spPr>
+          <a:xfrm>
+            <a:off x="2085603" y="9106248"/>
+            <a:ext cx="381000" cy="571500"/>
+          </a:xfrm>
+          <a:prstGeom prst="rect">
+            <a:avLst/>
+          </a:prstGeom>
+        </p:spPr>
+      </p:pic>
     </p:spTree>
     <p:extLst>
       <p:ext uri="{BB962C8B-B14F-4D97-AF65-F5344CB8AC3E}">
@@ -4726,13 +4748,6 @@
   <p:clrMapOvr>
     <a:masterClrMapping/>
   </p:clrMapOvr>
-  <p:timing>
-    <p:tnLst>
-      <p:par>
-        <p:cTn id="1" dur="indefinite" restart="never" nodeType="tmRoot"/>
-      </p:par>
-    </p:tnLst>
-  </p:timing>
 </p:sldLayout>
 </file>
 
@@ -4780,10 +4795,9 @@
           </a:lstStyle>
           <a:p>
             <a:r>
-              <a:rPr lang="de-DE" dirty="0" smtClean="0"/>
+              <a:rPr lang="de-DE" dirty="0"/>
               <a:t>Titelmasterformat durch Klicken bearbeiten</a:t>
             </a:r>
-            <a:endParaRPr lang="de-DE" dirty="0"/>
           </a:p>
         </p:txBody>
       </p:sp>
@@ -4804,7 +4818,7 @@
           <a:p>
             <a:fld id="{FC9269F9-6F79-4414-A84E-D81C6C443C37}" type="datetimeFigureOut">
               <a:rPr lang="de-DE" smtClean="0"/>
-              <a:t>21.01.2019</a:t>
+              <a:t>06.12.2019</a:t>
             </a:fld>
             <a:endParaRPr lang="de-DE"/>
           </a:p>
@@ -4881,7 +4895,7 @@
           <a:p>
             <a:pPr lvl="0"/>
             <a:r>
-              <a:rPr lang="de-DE" b="1" dirty="0" smtClean="0"/>
+              <a:rPr lang="de-DE" b="1" dirty="0"/>
               <a:t>Rubrik</a:t>
             </a:r>
             <a:endParaRPr lang="de-DE" dirty="0"/>
@@ -4940,10 +4954,9 @@
           <a:p>
             <a:pPr lvl="0"/>
             <a:r>
-              <a:rPr lang="de-DE" dirty="0" smtClean="0"/>
+              <a:rPr lang="de-DE" dirty="0"/>
               <a:t>Formatvorlagen des Textmasters bearbeiten</a:t>
             </a:r>
-            <a:endParaRPr lang="de-DE" dirty="0"/>
           </a:p>
         </p:txBody>
       </p:sp>
@@ -4975,10 +4988,9 @@
           <a:p>
             <a:pPr lvl="0"/>
             <a:r>
-              <a:rPr lang="de-DE" dirty="0" smtClean="0"/>
+              <a:rPr lang="de-DE" dirty="0"/>
               <a:t>Legende</a:t>
             </a:r>
-            <a:endParaRPr lang="de-DE" dirty="0"/>
           </a:p>
         </p:txBody>
       </p:sp>
@@ -4992,13 +5004,6 @@
   <p:clrMapOvr>
     <a:masterClrMapping/>
   </p:clrMapOvr>
-  <p:timing>
-    <p:tnLst>
-      <p:par>
-        <p:cTn id="1" dur="indefinite" restart="never" nodeType="tmRoot"/>
-      </p:par>
-    </p:tnLst>
-  </p:timing>
 </p:sldLayout>
 </file>
 
@@ -5036,7 +5041,7 @@
           <a:p>
             <a:fld id="{FC9269F9-6F79-4414-A84E-D81C6C443C37}" type="datetimeFigureOut">
               <a:rPr lang="de-DE" smtClean="0"/>
-              <a:t>21.01.2019</a:t>
+              <a:t>06.12.2019</a:t>
             </a:fld>
             <a:endParaRPr lang="de-DE"/>
           </a:p>
@@ -5094,13 +5099,6 @@
   <p:clrMapOvr>
     <a:masterClrMapping/>
   </p:clrMapOvr>
-  <p:timing>
-    <p:tnLst>
-      <p:par>
-        <p:cTn id="1" dur="indefinite" restart="never" nodeType="tmRoot"/>
-      </p:par>
-    </p:tnLst>
-  </p:timing>
 </p:sldLayout>
 </file>
 
@@ -5152,7 +5150,7 @@
           <a:lstStyle/>
           <a:p>
             <a:r>
-              <a:rPr lang="de-DE" smtClean="0"/>
+              <a:rPr lang="de-DE"/>
               <a:t>Titelmasterformat durch Klicken bearbeiten</a:t>
             </a:r>
             <a:endParaRPr lang="en-US" dirty="0"/>
@@ -5186,35 +5184,35 @@
           <a:p>
             <a:pPr lvl="0"/>
             <a:r>
-              <a:rPr lang="de-DE" smtClean="0"/>
+              <a:rPr lang="de-DE"/>
               <a:t>Formatvorlagen des Textmasters bearbeiten</a:t>
             </a:r>
           </a:p>
           <a:p>
             <a:pPr lvl="1"/>
             <a:r>
-              <a:rPr lang="de-DE" smtClean="0"/>
+              <a:rPr lang="de-DE"/>
               <a:t>Zweite Ebene</a:t>
             </a:r>
           </a:p>
           <a:p>
             <a:pPr lvl="2"/>
             <a:r>
-              <a:rPr lang="de-DE" smtClean="0"/>
+              <a:rPr lang="de-DE"/>
               <a:t>Dritte Ebene</a:t>
             </a:r>
           </a:p>
           <a:p>
             <a:pPr lvl="3"/>
             <a:r>
-              <a:rPr lang="de-DE" smtClean="0"/>
+              <a:rPr lang="de-DE"/>
               <a:t>Vierte Ebene</a:t>
             </a:r>
           </a:p>
           <a:p>
             <a:pPr lvl="4"/>
             <a:r>
-              <a:rPr lang="de-DE" smtClean="0"/>
+              <a:rPr lang="de-DE"/>
               <a:t>Fünfte Ebene</a:t>
             </a:r>
             <a:endParaRPr lang="en-US" dirty="0"/>
@@ -5256,7 +5254,7 @@
           <a:p>
             <a:fld id="{FC9269F9-6F79-4414-A84E-D81C6C443C37}" type="datetimeFigureOut">
               <a:rPr lang="de-DE" smtClean="0"/>
-              <a:t>21.01.2019</a:t>
+              <a:t>06.12.2019</a:t>
             </a:fld>
             <a:endParaRPr lang="de-DE"/>
           </a:p>
@@ -5359,13 +5357,6 @@
     <p:sldLayoutId id="2147483674" r:id="rId7"/>
     <p:sldLayoutId id="2147483676" r:id="rId8"/>
   </p:sldLayoutIdLst>
-  <p:timing>
-    <p:tnLst>
-      <p:par>
-        <p:cTn id="1" dur="indefinite" restart="never" nodeType="tmRoot"/>
-      </p:par>
-    </p:tnLst>
-  </p:timing>
   <p:txStyles>
     <p:titleStyle>
       <a:lvl1pPr algn="l" defTabSz="685800" rtl="0" eaLnBrk="1" latinLnBrk="0" hangingPunct="1">
@@ -5685,25 +5676,16 @@
           <a:p>
             <a:pPr algn="ctr"/>
             <a:r>
-              <a:rPr lang="de-DE" dirty="0" smtClean="0"/>
+              <a:rPr lang="de-DE" dirty="0"/>
               <a:t>Aufgaben für </a:t>
             </a:r>
             <a:br>
-              <a:rPr lang="de-DE" dirty="0" smtClean="0"/>
+              <a:rPr lang="de-DE" dirty="0"/>
             </a:br>
             <a:r>
-              <a:rPr lang="de-DE" dirty="0" smtClean="0"/>
-              <a:t>Messen </a:t>
-            </a:r>
-            <a:r>
               <a:rPr lang="de-DE" dirty="0"/>
-              <a:t>– </a:t>
-            </a:r>
-            <a:r>
-              <a:rPr lang="de-DE" dirty="0" smtClean="0"/>
-              <a:t>Steuern – Regeln </a:t>
-            </a:r>
-            <a:endParaRPr lang="de-DE" dirty="0"/>
+              <a:t>Messen – Steuern – Regeln </a:t>
+            </a:r>
           </a:p>
         </p:txBody>
       </p:sp>
@@ -5750,13 +5732,6 @@
   <p:clrMapOvr>
     <a:masterClrMapping/>
   </p:clrMapOvr>
-  <p:timing>
-    <p:tnLst>
-      <p:par>
-        <p:cTn id="1" dur="indefinite" restart="never" nodeType="tmRoot"/>
-      </p:par>
-    </p:tnLst>
-  </p:timing>
 </p:sld>
 </file>
 
@@ -5804,15 +5779,7 @@
             </a:r>
             <a:r>
               <a:rPr lang="de-DE" dirty="0"/>
-              <a:t> </a:t>
-            </a:r>
-            <a:r>
-              <a:rPr lang="de-DE" dirty="0" smtClean="0"/>
-              <a:t>schreiben</a:t>
-            </a:r>
-            <a:r>
-              <a:rPr lang="de-DE" dirty="0"/>
-              <a:t/>
+              <a:t> schreiben</a:t>
             </a:r>
             <a:br>
               <a:rPr lang="de-DE" dirty="0"/>
@@ -5837,10 +5804,9 @@
           <a:lstStyle/>
           <a:p>
             <a:r>
-              <a:rPr lang="de-DE" dirty="0" smtClean="0"/>
+              <a:rPr lang="de-DE" dirty="0"/>
               <a:t>Grundlagen</a:t>
             </a:r>
-            <a:endParaRPr lang="de-DE" dirty="0"/>
           </a:p>
         </p:txBody>
       </p:sp>
@@ -5869,7 +5835,7 @@
               <a:buAutoNum type="arabicPeriod"/>
             </a:pPr>
             <a:r>
-              <a:rPr lang="de-DE" sz="1400" dirty="0" smtClean="0"/>
+              <a:rPr lang="de-DE" sz="1400" dirty="0"/>
               <a:t>Jedes Projekt startet mit einem Beispiel-Code im Arbeitsbereich. Diesen löst man, indem man den (umfassenden) Block anklickt und mit gedrückter Maustaste auf den Blockbereich schiebt.</a:t>
             </a:r>
           </a:p>
@@ -5886,7 +5852,7 @@
               <a:buAutoNum type="arabicPeriod"/>
             </a:pPr>
             <a:r>
-              <a:rPr lang="de-DE" sz="1400" dirty="0" smtClean="0"/>
+              <a:rPr lang="de-DE" sz="1400" dirty="0"/>
               <a:t>Nun können wir mit unserem Programm beginnen. Hierfür öffnen wir im Blockbereich den Bereich „Eingabe“ und ziehe den Block „wenn Knopf A gedrückt“ auf den Arbeitsbereich</a:t>
             </a:r>
           </a:p>
@@ -5903,10 +5869,9 @@
               <a:buAutoNum type="arabicPeriod"/>
             </a:pPr>
             <a:r>
-              <a:rPr lang="de-DE" sz="1400" dirty="0" smtClean="0"/>
+              <a:rPr lang="de-DE" sz="1400" dirty="0"/>
               <a:t>Anschließend wiederholen wir das gleiche noch einmal mit dem Block „zeige Zeichenfolge“ aus dem Bereich „Grundlagen“</a:t>
             </a:r>
-            <a:endParaRPr lang="de-DE" sz="1400" dirty="0"/>
           </a:p>
           <a:p>
             <a:pPr marL="228600" indent="-228600">
@@ -5957,13 +5922,6 @@
   <p:clrMapOvr>
     <a:masterClrMapping/>
   </p:clrMapOvr>
-  <p:timing>
-    <p:tnLst>
-      <p:par>
-        <p:cTn id="1" dur="indefinite" restart="never" nodeType="tmRoot"/>
-      </p:par>
-    </p:tnLst>
-  </p:timing>
 </p:sld>
 </file>
 
@@ -6011,15 +5969,7 @@
             </a:r>
             <a:r>
               <a:rPr lang="de-DE" dirty="0"/>
-              <a:t> </a:t>
-            </a:r>
-            <a:r>
-              <a:rPr lang="de-DE" dirty="0" smtClean="0"/>
-              <a:t>schreiben</a:t>
-            </a:r>
-            <a:r>
-              <a:rPr lang="de-DE" dirty="0"/>
-              <a:t/>
+              <a:t> schreiben</a:t>
             </a:r>
             <a:br>
               <a:rPr lang="de-DE" dirty="0"/>
@@ -6044,10 +5994,9 @@
           <a:lstStyle/>
           <a:p>
             <a:r>
-              <a:rPr lang="de-DE" dirty="0" smtClean="0"/>
+              <a:rPr lang="de-DE" dirty="0"/>
               <a:t>Grundlagen</a:t>
             </a:r>
-            <a:endParaRPr lang="de-DE" dirty="0"/>
           </a:p>
         </p:txBody>
       </p:sp>
@@ -6076,7 +6025,7 @@
               <a:buAutoNum type="arabicPeriod"/>
             </a:pPr>
             <a:r>
-              <a:rPr lang="de-DE" sz="1400" dirty="0" smtClean="0"/>
+              <a:rPr lang="de-DE" sz="1400" dirty="0"/>
               <a:t>Füge nun den Block „zeige Zeichenfolge“ in den Block „Wenn Knopf A gedrückt“ ein</a:t>
             </a:r>
           </a:p>
@@ -6093,15 +6042,15 @@
               <a:buAutoNum type="arabicPeriod"/>
             </a:pPr>
             <a:r>
-              <a:rPr lang="de-DE" sz="1400" dirty="0" smtClean="0"/>
+              <a:rPr lang="de-DE" sz="1400" dirty="0"/>
               <a:t>Schreibe in den Textbereich des Blockes „zeige Zeichenfolge“ folgenden Text: „</a:t>
             </a:r>
             <a:r>
-              <a:rPr lang="de-DE" sz="1400" dirty="0" err="1" smtClean="0"/>
+              <a:rPr lang="de-DE" sz="1400" dirty="0" err="1"/>
               <a:t>Hello</a:t>
             </a:r>
             <a:r>
-              <a:rPr lang="de-DE" sz="1400" dirty="0" smtClean="0"/>
+              <a:rPr lang="de-DE" sz="1400" dirty="0"/>
               <a:t> World!“</a:t>
             </a:r>
           </a:p>
@@ -6118,10 +6067,9 @@
               <a:buAutoNum type="arabicPeriod"/>
             </a:pPr>
             <a:r>
-              <a:rPr lang="de-DE" sz="1400" dirty="0" smtClean="0"/>
+              <a:rPr lang="de-DE" sz="1400" dirty="0"/>
               <a:t>Das Programm ist fertig und kann im „Vorschau &amp; Simulationsbereich“ auf der linken Seite angeschaut werden. Durch einen Klick auf den Knopf A wird die Laufschrift aktiviert.</a:t>
             </a:r>
-            <a:endParaRPr lang="de-DE" sz="1400" dirty="0"/>
           </a:p>
           <a:p>
             <a:pPr marL="228600" indent="-228600">
@@ -6172,13 +6120,6 @@
   <p:clrMapOvr>
     <a:masterClrMapping/>
   </p:clrMapOvr>
-  <p:timing>
-    <p:tnLst>
-      <p:par>
-        <p:cTn id="1" dur="indefinite" restart="never" nodeType="tmRoot"/>
-      </p:par>
-    </p:tnLst>
-  </p:timing>
 </p:sld>
 </file>
 
@@ -6249,10 +6190,9 @@
           <a:lstStyle/>
           <a:p>
             <a:r>
-              <a:rPr lang="de-DE" dirty="0" smtClean="0"/>
+              <a:rPr lang="de-DE" dirty="0"/>
               <a:t>Grundlagen</a:t>
             </a:r>
-            <a:endParaRPr lang="de-DE" dirty="0"/>
           </a:p>
         </p:txBody>
       </p:sp>
@@ -6292,15 +6232,11 @@
               <a:rPr lang="de-DE" sz="1400" dirty="0"/>
               <a:t>in </a:t>
             </a:r>
-            <a:r>
-              <a:rPr lang="de-DE" sz="1400" dirty="0" smtClean="0"/>
-              <a:t/>
-            </a:r>
             <a:br>
-              <a:rPr lang="de-DE" sz="1400" dirty="0" smtClean="0"/>
+              <a:rPr lang="de-DE" sz="1400" dirty="0"/>
             </a:br>
             <a:r>
-              <a:rPr lang="de-DE" sz="1400" dirty="0" smtClean="0"/>
+              <a:rPr lang="de-DE" sz="1400" dirty="0"/>
               <a:t>Web-Browser.</a:t>
             </a:r>
           </a:p>
@@ -6317,22 +6253,22 @@
               <a:buAutoNum type="arabicPeriod"/>
             </a:pPr>
             <a:r>
-              <a:rPr lang="de-DE" sz="1400" dirty="0" smtClean="0"/>
+              <a:rPr lang="de-DE" sz="1400" dirty="0"/>
               <a:t>Die Erstellung des Beispielcodes </a:t>
             </a:r>
             <a:br>
-              <a:rPr lang="de-DE" sz="1400" dirty="0" smtClean="0"/>
+              <a:rPr lang="de-DE" sz="1400" dirty="0"/>
             </a:br>
             <a:r>
-              <a:rPr lang="de-DE" sz="1400" dirty="0" smtClean="0"/>
+              <a:rPr lang="de-DE" sz="1400" dirty="0"/>
               <a:t>„</a:t>
             </a:r>
             <a:r>
-              <a:rPr lang="de-DE" sz="1400" dirty="0" err="1" smtClean="0"/>
+              <a:rPr lang="de-DE" sz="1400" dirty="0" err="1"/>
               <a:t>Hello</a:t>
             </a:r>
             <a:r>
-              <a:rPr lang="de-DE" sz="1400" dirty="0" smtClean="0"/>
+              <a:rPr lang="de-DE" sz="1400" dirty="0"/>
               <a:t> World“ haben wir im vorherigen Kapitel behandelt.</a:t>
             </a:r>
           </a:p>
@@ -6350,15 +6286,7 @@
             </a:pPr>
             <a:r>
               <a:rPr lang="de-DE" sz="1400" dirty="0"/>
-              <a:t>Wähle </a:t>
-            </a:r>
-            <a:r>
-              <a:rPr lang="de-DE" sz="1400" dirty="0" smtClean="0"/>
-              <a:t>nun einen </a:t>
-            </a:r>
-            <a:r>
-              <a:rPr lang="de-DE" sz="1400" dirty="0"/>
-              <a:t>Namen für das Programm, z.B. «</a:t>
+              <a:t>Wähle nun einen Namen für das Programm, z.B. «</a:t>
             </a:r>
             <a:r>
               <a:rPr lang="de-DE" sz="1400" dirty="0" err="1"/>
@@ -6390,7 +6318,7 @@
               <a:t>mein_Code.hex</a:t>
             </a:r>
             <a:r>
-              <a:rPr lang="de-DE" sz="1400" dirty="0" smtClean="0"/>
+              <a:rPr lang="de-DE" sz="1400" dirty="0"/>
               <a:t>».</a:t>
             </a:r>
           </a:p>
@@ -6399,7 +6327,7 @@
               <a:buFont typeface="+mj-lt"/>
               <a:buAutoNum type="arabicPeriod"/>
             </a:pPr>
-            <a:endParaRPr lang="de-DE" sz="1400" dirty="0" smtClean="0"/>
+            <a:endParaRPr lang="de-DE" sz="1400" dirty="0"/>
           </a:p>
           <a:p>
             <a:pPr marL="228600" indent="-228600">
@@ -6407,12 +6335,8 @@
               <a:buAutoNum type="arabicPeriod"/>
             </a:pPr>
             <a:r>
-              <a:rPr lang="de-DE" sz="1400" dirty="0" smtClean="0"/>
-              <a:t>Schließe </a:t>
-            </a:r>
-            <a:r>
               <a:rPr lang="de-DE" sz="1400" dirty="0"/>
-              <a:t>den </a:t>
+              <a:t>Schließe den </a:t>
             </a:r>
             <a:r>
               <a:rPr lang="de-DE" sz="1400" dirty="0" err="1"/>
@@ -6770,13 +6694,6 @@
   <p:clrMapOvr>
     <a:masterClrMapping/>
   </p:clrMapOvr>
-  <p:timing>
-    <p:tnLst>
-      <p:par>
-        <p:cTn id="1" dur="indefinite" restart="never" nodeType="tmRoot"/>
-      </p:par>
-    </p:tnLst>
-  </p:timing>
 </p:sld>
 </file>
 
@@ -6813,15 +6730,15 @@
           <a:lstStyle/>
           <a:p>
             <a:r>
-              <a:rPr lang="de-DE" dirty="0" err="1" smtClean="0"/>
+              <a:rPr lang="de-DE" dirty="0" err="1"/>
               <a:t>Calliope</a:t>
             </a:r>
             <a:r>
-              <a:rPr lang="de-DE" dirty="0" smtClean="0"/>
+              <a:rPr lang="de-DE" dirty="0"/>
               <a:t> </a:t>
             </a:r>
             <a:r>
-              <a:rPr lang="de-DE" dirty="0" err="1" smtClean="0"/>
+              <a:rPr lang="de-DE" dirty="0" err="1"/>
               <a:t>Unboxing</a:t>
             </a:r>
             <a:endParaRPr lang="de-DE" dirty="0"/>
@@ -6868,7 +6785,7 @@
           <a:lstStyle/>
           <a:p>
             <a:r>
-              <a:rPr lang="de-DE" dirty="0" smtClean="0"/>
+              <a:rPr lang="de-DE" dirty="0"/>
               <a:t>Stückliste:</a:t>
             </a:r>
           </a:p>
@@ -6878,11 +6795,11 @@
               <a:buChar char="•"/>
             </a:pPr>
             <a:r>
-              <a:rPr lang="de-DE" dirty="0" err="1" smtClean="0"/>
+              <a:rPr lang="de-DE" dirty="0" err="1"/>
               <a:t>Calliope</a:t>
             </a:r>
             <a:r>
-              <a:rPr lang="de-DE" dirty="0" smtClean="0"/>
+              <a:rPr lang="de-DE" dirty="0"/>
               <a:t> (in Hülle)</a:t>
             </a:r>
           </a:p>
@@ -6892,7 +6809,7 @@
               <a:buChar char="•"/>
             </a:pPr>
             <a:r>
-              <a:rPr lang="de-DE" dirty="0" smtClean="0"/>
+              <a:rPr lang="de-DE" dirty="0"/>
               <a:t>USB-Kabel</a:t>
             </a:r>
           </a:p>
@@ -6902,7 +6819,7 @@
               <a:buChar char="•"/>
             </a:pPr>
             <a:r>
-              <a:rPr lang="de-DE" dirty="0" smtClean="0"/>
+              <a:rPr lang="de-DE" dirty="0"/>
               <a:t>Batteriepack mit 2 AAA Batterien</a:t>
             </a:r>
           </a:p>
@@ -6912,7 +6829,7 @@
               <a:buChar char="•"/>
             </a:pPr>
             <a:r>
-              <a:rPr lang="de-DE" dirty="0" smtClean="0"/>
+              <a:rPr lang="de-DE" dirty="0"/>
               <a:t>Bedienungsanleitung</a:t>
             </a:r>
           </a:p>
@@ -6922,10 +6839,9 @@
               <a:buChar char="•"/>
             </a:pPr>
             <a:r>
-              <a:rPr lang="de-DE" dirty="0" smtClean="0"/>
+              <a:rPr lang="de-DE" dirty="0"/>
               <a:t>Box </a:t>
             </a:r>
-            <a:endParaRPr lang="de-DE" dirty="0"/>
           </a:p>
         </p:txBody>
       </p:sp>
@@ -7155,10 +7071,9 @@
           <a:lstStyle/>
           <a:p>
             <a:r>
-              <a:rPr lang="de-DE" dirty="0" smtClean="0"/>
+              <a:rPr lang="de-DE" dirty="0"/>
               <a:t>Kurzanleitungen Standardbefehle</a:t>
             </a:r>
-            <a:endParaRPr lang="de-DE" dirty="0"/>
           </a:p>
         </p:txBody>
       </p:sp>
@@ -7233,7 +7148,7 @@
           <a:lstStyle/>
           <a:p>
             <a:r>
-              <a:rPr lang="de-DE" sz="2000" dirty="0" smtClean="0"/>
+              <a:rPr lang="de-DE" sz="2000" dirty="0"/>
               <a:t>Grundlagen:</a:t>
             </a:r>
           </a:p>
@@ -7243,14 +7158,14 @@
               <a:buChar char="•"/>
             </a:pPr>
             <a:r>
-              <a:rPr lang="de-DE" sz="1600" dirty="0" smtClean="0"/>
+              <a:rPr lang="de-DE" sz="1600" dirty="0"/>
               <a:t>LED-Matrix</a:t>
             </a:r>
             <a:br>
-              <a:rPr lang="de-DE" sz="1600" dirty="0" smtClean="0"/>
+              <a:rPr lang="de-DE" sz="1600" dirty="0"/>
             </a:br>
             <a:r>
-              <a:rPr lang="de-DE" sz="1600" dirty="0" smtClean="0"/>
+              <a:rPr lang="de-DE" sz="1600" dirty="0"/>
               <a:t>(Lauftext, Symbole, Zahlen)</a:t>
             </a:r>
           </a:p>
@@ -7260,7 +7175,7 @@
               <a:buChar char="•"/>
             </a:pPr>
             <a:r>
-              <a:rPr lang="de-DE" sz="1600" dirty="0" smtClean="0"/>
+              <a:rPr lang="de-DE" sz="1600" dirty="0"/>
               <a:t>RGB-LED</a:t>
             </a:r>
           </a:p>
@@ -7270,7 +7185,7 @@
               <a:buChar char="•"/>
             </a:pPr>
             <a:r>
-              <a:rPr lang="de-DE" sz="1600" dirty="0" smtClean="0"/>
+              <a:rPr lang="de-DE" sz="1600" dirty="0"/>
               <a:t>Pause</a:t>
             </a:r>
           </a:p>
@@ -7280,13 +7195,13 @@
               <a:buChar char="•"/>
             </a:pPr>
             <a:r>
-              <a:rPr lang="de-DE" sz="1600" dirty="0" smtClean="0"/>
+              <a:rPr lang="de-DE" sz="1600" dirty="0"/>
               <a:t>Dauerhaft</a:t>
             </a:r>
           </a:p>
           <a:p>
             <a:r>
-              <a:rPr lang="de-DE" sz="2000" dirty="0" smtClean="0"/>
+              <a:rPr lang="de-DE" sz="2000" dirty="0"/>
               <a:t>Eingabe:</a:t>
             </a:r>
           </a:p>
@@ -7296,7 +7211,7 @@
               <a:buChar char="•"/>
             </a:pPr>
             <a:r>
-              <a:rPr lang="de-DE" sz="1600" dirty="0" smtClean="0"/>
+              <a:rPr lang="de-DE" sz="1600" dirty="0"/>
               <a:t>Event-Handler</a:t>
             </a:r>
           </a:p>
@@ -7306,14 +7221,14 @@
               <a:buChar char="•"/>
             </a:pPr>
             <a:r>
-              <a:rPr lang="de-DE" sz="1600" dirty="0" err="1" smtClean="0"/>
+              <a:rPr lang="de-DE" sz="1600" dirty="0" err="1"/>
               <a:t>Sensorenwerte</a:t>
             </a:r>
-            <a:endParaRPr lang="de-DE" sz="1600" dirty="0" smtClean="0"/>
-          </a:p>
-          <a:p>
-            <a:r>
-              <a:rPr lang="de-DE" sz="2000" dirty="0" smtClean="0"/>
+            <a:endParaRPr lang="de-DE" sz="1600" dirty="0"/>
+          </a:p>
+          <a:p>
+            <a:r>
+              <a:rPr lang="de-DE" sz="2000" dirty="0"/>
               <a:t>Musik:</a:t>
             </a:r>
           </a:p>
@@ -7323,7 +7238,7 @@
               <a:buChar char="•"/>
             </a:pPr>
             <a:r>
-              <a:rPr lang="de-DE" sz="1600" dirty="0" smtClean="0"/>
+              <a:rPr lang="de-DE" sz="1600" dirty="0"/>
               <a:t>Noten</a:t>
             </a:r>
           </a:p>
@@ -7333,7 +7248,7 @@
               <a:buChar char="•"/>
             </a:pPr>
             <a:r>
-              <a:rPr lang="de-DE" sz="1600" dirty="0" smtClean="0"/>
+              <a:rPr lang="de-DE" sz="1600" dirty="0"/>
               <a:t>Beatgeschwindigkeit</a:t>
             </a:r>
           </a:p>
@@ -7350,13 +7265,8 @@
             </a:pPr>
             <a:r>
               <a:rPr lang="de-DE" sz="1600" dirty="0"/>
-              <a:t>Sonderfunktionen </a:t>
-            </a:r>
-            <a:r>
-              <a:rPr lang="de-DE" sz="1600" dirty="0" smtClean="0"/>
-              <a:t>LED-Matrix</a:t>
-            </a:r>
-            <a:endParaRPr lang="de-DE" sz="1600" dirty="0"/>
+              <a:t>Sonderfunktionen LED-Matrix</a:t>
+            </a:r>
           </a:p>
         </p:txBody>
       </p:sp>
@@ -7383,7 +7293,7 @@
           <a:lstStyle/>
           <a:p>
             <a:r>
-              <a:rPr lang="de-DE" sz="2000" dirty="0" smtClean="0"/>
+              <a:rPr lang="de-DE" sz="2000" dirty="0"/>
               <a:t>Schleifen:</a:t>
             </a:r>
           </a:p>
@@ -7393,13 +7303,13 @@
               <a:buChar char="•"/>
             </a:pPr>
             <a:r>
-              <a:rPr lang="de-DE" sz="1600" dirty="0" smtClean="0"/>
+              <a:rPr lang="de-DE" sz="1600" dirty="0"/>
               <a:t>Wiederholung von Programmteilen</a:t>
             </a:r>
           </a:p>
           <a:p>
             <a:r>
-              <a:rPr lang="de-DE" sz="2000" dirty="0" smtClean="0"/>
+              <a:rPr lang="de-DE" sz="2000" dirty="0"/>
               <a:t>Logik:</a:t>
             </a:r>
           </a:p>
@@ -7409,7 +7319,7 @@
               <a:buChar char="•"/>
             </a:pPr>
             <a:r>
-              <a:rPr lang="de-DE" sz="1600" dirty="0" smtClean="0"/>
+              <a:rPr lang="de-DE" sz="1600" dirty="0"/>
               <a:t>Vergleiche und andere Wahrheitsüberprüfungen</a:t>
             </a:r>
           </a:p>
@@ -7419,13 +7329,13 @@
               <a:buChar char="•"/>
             </a:pPr>
             <a:r>
-              <a:rPr lang="de-DE" sz="1600" dirty="0" smtClean="0"/>
+              <a:rPr lang="de-DE" sz="1600" dirty="0"/>
               <a:t>Wenn-Dann-Funktionen</a:t>
             </a:r>
           </a:p>
           <a:p>
             <a:r>
-              <a:rPr lang="de-DE" sz="2000" dirty="0" smtClean="0"/>
+              <a:rPr lang="de-DE" sz="2000" dirty="0"/>
               <a:t>Variablen</a:t>
             </a:r>
           </a:p>
@@ -7435,13 +7345,13 @@
               <a:buChar char="•"/>
             </a:pPr>
             <a:r>
-              <a:rPr lang="de-DE" sz="1600" dirty="0" smtClean="0"/>
+              <a:rPr lang="de-DE" sz="1600" dirty="0"/>
               <a:t>Funktionen rund um Platzhalter/Parameter</a:t>
             </a:r>
           </a:p>
           <a:p>
             <a:r>
-              <a:rPr lang="de-DE" sz="2000" dirty="0" smtClean="0"/>
+              <a:rPr lang="de-DE" sz="2000" dirty="0"/>
               <a:t>Mathematik:</a:t>
             </a:r>
           </a:p>
@@ -7451,13 +7361,13 @@
               <a:buChar char="•"/>
             </a:pPr>
             <a:r>
-              <a:rPr lang="de-DE" sz="1600" dirty="0" smtClean="0"/>
+              <a:rPr lang="de-DE" sz="1600" dirty="0"/>
               <a:t>Rechenfunktionen</a:t>
             </a:r>
           </a:p>
           <a:p>
             <a:r>
-              <a:rPr lang="de-DE" sz="2000" dirty="0" smtClean="0"/>
+              <a:rPr lang="de-DE" sz="2000" dirty="0"/>
               <a:t>Funk:</a:t>
             </a:r>
           </a:p>
@@ -7467,13 +7377,13 @@
               <a:buChar char="•"/>
             </a:pPr>
             <a:r>
-              <a:rPr lang="de-DE" sz="1600" dirty="0" smtClean="0"/>
+              <a:rPr lang="de-DE" sz="1600" dirty="0"/>
               <a:t>Bluetooth</a:t>
             </a:r>
           </a:p>
           <a:p>
             <a:r>
-              <a:rPr lang="de-DE" sz="2000" dirty="0" smtClean="0"/>
+              <a:rPr lang="de-DE" sz="2000" dirty="0"/>
               <a:t>Motoren:</a:t>
             </a:r>
           </a:p>
@@ -7483,7 +7393,7 @@
               <a:buChar char="•"/>
             </a:pPr>
             <a:r>
-              <a:rPr lang="de-DE" sz="1600" dirty="0" smtClean="0"/>
+              <a:rPr lang="de-DE" sz="1600" dirty="0"/>
               <a:t>Einstellung der Geschwindigkeit und Richtung der Antriebe</a:t>
             </a:r>
           </a:p>
@@ -7849,11 +7759,7 @@
             </a:pPr>
             <a:r>
               <a:rPr lang="de-DE" sz="1600" b="1" dirty="0"/>
-              <a:t>Ursprüngliche </a:t>
-            </a:r>
-            <a:r>
-              <a:rPr lang="de-DE" sz="1600" b="1" dirty="0" smtClean="0"/>
-              <a:t>Idee</a:t>
+              <a:t>Ursprüngliche Idee</a:t>
             </a:r>
           </a:p>
           <a:p>
@@ -7866,11 +7772,7 @@
             </a:r>
             <a:r>
               <a:rPr lang="de-DE" dirty="0"/>
-              <a:t> </a:t>
-            </a:r>
-            <a:r>
-              <a:rPr lang="de-DE" dirty="0" smtClean="0"/>
-              <a:t>mini Challenge-Cards</a:t>
+              <a:t> mini Challenge-Cards</a:t>
             </a:r>
           </a:p>
           <a:p>
@@ -7883,15 +7785,7 @@
             </a:r>
             <a:r>
               <a:rPr lang="de-DE" dirty="0"/>
-              <a:t> Computing </a:t>
-            </a:r>
-            <a:r>
-              <a:rPr lang="de-DE" dirty="0" smtClean="0"/>
-              <a:t>–Meistere </a:t>
-            </a:r>
-            <a:r>
-              <a:rPr lang="de-DE" dirty="0"/>
-              <a:t>die </a:t>
+              <a:t> Computing –Meistere die </a:t>
             </a:r>
             <a:r>
               <a:rPr lang="de-DE" dirty="0" err="1"/>
@@ -7899,15 +7793,7 @@
             </a:r>
             <a:r>
               <a:rPr lang="de-DE" dirty="0"/>
-              <a:t> und erlebe, wie man die </a:t>
-            </a:r>
-            <a:r>
-              <a:rPr lang="de-DE" dirty="0" smtClean="0"/>
-              <a:t>physische und </a:t>
-            </a:r>
-            <a:r>
-              <a:rPr lang="de-DE" dirty="0"/>
-              <a:t>virtuelle Welt verbindet.</a:t>
+              <a:t> und erlebe, wie man die physische und virtuelle Welt verbindet.</a:t>
             </a:r>
           </a:p>
           <a:p>
@@ -7915,13 +7801,13 @@
               <a:buNone/>
             </a:pPr>
             <a:r>
-              <a:rPr lang="de-DE" dirty="0" smtClean="0"/>
+              <a:rPr lang="de-DE" dirty="0"/>
               <a:t>Pädagogische Hochschule Zürich</a:t>
             </a:r>
             <a:br>
-              <a:rPr lang="de-DE" dirty="0" smtClean="0"/>
+              <a:rPr lang="de-DE" dirty="0"/>
             </a:br>
-            <a:endParaRPr lang="de-DE" dirty="0" smtClean="0"/>
+            <a:endParaRPr lang="de-DE" dirty="0"/>
           </a:p>
           <a:p>
             <a:pPr marL="0" indent="0">
@@ -7931,19 +7817,12 @@
               <a:rPr lang="de-DE" sz="1600" dirty="0">
                 <a:hlinkClick r:id="rId2"/>
               </a:rPr>
-              <a:t>https://</a:t>
-            </a:r>
-            <a:r>
-              <a:rPr lang="de-DE" sz="1600" dirty="0" smtClean="0">
-                <a:hlinkClick r:id="rId2"/>
-              </a:rPr>
-              <a:t>phzh.ch/globalassets/phzh.ch/medienbildung/dokumente/kurs-highlights_calliope-karten.pdf</a:t>
-            </a:r>
-            <a:r>
-              <a:rPr lang="de-DE" sz="1600" dirty="0" smtClean="0"/>
+              <a:t>https://phzh.ch/globalassets/phzh.ch/medienbildung/dokumente/kurs-highlights_calliope-karten.pdf</a:t>
+            </a:r>
+            <a:r>
+              <a:rPr lang="de-DE" sz="1600" dirty="0"/>
               <a:t> </a:t>
             </a:r>
-            <a:endParaRPr lang="de-DE" sz="1600" dirty="0"/>
           </a:p>
         </p:txBody>
       </p:sp>
@@ -8000,10 +7879,9 @@
           <a:lstStyle/>
           <a:p>
             <a:r>
-              <a:rPr lang="de-DE" b="1" dirty="0" smtClean="0"/>
+              <a:rPr lang="de-DE" b="1" dirty="0"/>
               <a:t>Inhalt</a:t>
             </a:r>
-            <a:endParaRPr lang="de-DE" b="1" dirty="0"/>
           </a:p>
         </p:txBody>
       </p:sp>
@@ -8030,7 +7908,7 @@
           <a:lstStyle/>
           <a:p>
             <a:r>
-              <a:rPr lang="de-DE" sz="1400" b="1" dirty="0" smtClean="0"/>
+              <a:rPr lang="de-DE" sz="1400" b="1" dirty="0"/>
               <a:t>Grundlagen</a:t>
             </a:r>
           </a:p>
@@ -8043,14 +7921,14 @@
               <a:buChar char="-"/>
             </a:pPr>
             <a:r>
-              <a:rPr lang="de-DE" sz="1400" dirty="0" smtClean="0"/>
+              <a:rPr lang="de-DE" sz="1400" dirty="0"/>
               <a:t>Der </a:t>
             </a:r>
             <a:r>
-              <a:rPr lang="de-DE" sz="1400" dirty="0" err="1" smtClean="0"/>
+              <a:rPr lang="de-DE" sz="1400" dirty="0" err="1"/>
               <a:t>Calliope</a:t>
             </a:r>
-            <a:endParaRPr lang="de-DE" sz="1400" dirty="0" smtClean="0"/>
+            <a:endParaRPr lang="de-DE" sz="1400" dirty="0"/>
           </a:p>
           <a:p>
             <a:pPr marL="285750" indent="-285750">
@@ -8058,7 +7936,7 @@
               <a:buChar char="-"/>
             </a:pPr>
             <a:r>
-              <a:rPr lang="de-DE" sz="1400" dirty="0" smtClean="0"/>
+              <a:rPr lang="de-DE" sz="1400" dirty="0"/>
               <a:t>Ausstattung</a:t>
             </a:r>
           </a:p>
@@ -8068,7 +7946,7 @@
               <a:buChar char="-"/>
             </a:pPr>
             <a:r>
-              <a:rPr lang="de-DE" sz="1400" dirty="0" smtClean="0"/>
+              <a:rPr lang="de-DE" sz="1400" dirty="0"/>
               <a:t>Eingangs- und Ausgangssignale</a:t>
             </a:r>
           </a:p>
@@ -8078,7 +7956,7 @@
               <a:buChar char="-"/>
             </a:pPr>
             <a:r>
-              <a:rPr lang="de-DE" sz="1400" dirty="0" smtClean="0"/>
+              <a:rPr lang="de-DE" sz="1400" dirty="0"/>
               <a:t>Analoger/Digitaler Input und Output</a:t>
             </a:r>
           </a:p>
@@ -8088,7 +7966,7 @@
               <a:buChar char="-"/>
             </a:pPr>
             <a:r>
-              <a:rPr lang="de-DE" sz="1400" dirty="0" smtClean="0"/>
+              <a:rPr lang="de-DE" sz="1400" dirty="0"/>
               <a:t>Zubehör</a:t>
             </a:r>
           </a:p>
@@ -8098,15 +7976,15 @@
               <a:buChar char="-"/>
             </a:pPr>
             <a:r>
-              <a:rPr lang="de-DE" sz="1400" dirty="0" smtClean="0"/>
+              <a:rPr lang="de-DE" sz="1400" dirty="0"/>
               <a:t>Ein Programm für den </a:t>
             </a:r>
             <a:r>
-              <a:rPr lang="de-DE" sz="1400" dirty="0" err="1" smtClean="0"/>
+              <a:rPr lang="de-DE" sz="1400" dirty="0" err="1"/>
               <a:t>Calliope</a:t>
             </a:r>
             <a:r>
-              <a:rPr lang="de-DE" sz="1400" dirty="0" smtClean="0"/>
+              <a:rPr lang="de-DE" sz="1400" dirty="0"/>
               <a:t> schreiben</a:t>
             </a:r>
           </a:p>
@@ -8116,15 +7994,15 @@
               <a:buChar char="-"/>
             </a:pPr>
             <a:r>
-              <a:rPr lang="de-DE" sz="1400" dirty="0" smtClean="0"/>
+              <a:rPr lang="de-DE" sz="1400" dirty="0"/>
               <a:t>Ein Programm auf den </a:t>
             </a:r>
             <a:r>
-              <a:rPr lang="de-DE" sz="1400" dirty="0" err="1" smtClean="0"/>
+              <a:rPr lang="de-DE" sz="1400" dirty="0" err="1"/>
               <a:t>Calliope</a:t>
             </a:r>
             <a:r>
-              <a:rPr lang="de-DE" sz="1400" dirty="0" smtClean="0"/>
+              <a:rPr lang="de-DE" sz="1400" dirty="0"/>
               <a:t> hochladen</a:t>
             </a:r>
           </a:p>
@@ -8136,17 +8014,17 @@
             <a:endParaRPr lang="de-DE" sz="1400" dirty="0"/>
           </a:p>
           <a:p>
-            <a:endParaRPr lang="de-DE" sz="1400" dirty="0" smtClean="0"/>
-          </a:p>
-          <a:p>
-            <a:endParaRPr lang="de-DE" sz="1400" dirty="0" smtClean="0"/>
-          </a:p>
-          <a:p>
-            <a:r>
-              <a:rPr lang="de-DE" sz="1400" b="1" dirty="0" err="1" smtClean="0"/>
+            <a:endParaRPr lang="de-DE" sz="1400" dirty="0"/>
+          </a:p>
+          <a:p>
+            <a:endParaRPr lang="de-DE" sz="1400" dirty="0"/>
+          </a:p>
+          <a:p>
+            <a:r>
+              <a:rPr lang="de-DE" sz="1400" b="1" dirty="0" err="1"/>
               <a:t>Challenges</a:t>
             </a:r>
-            <a:endParaRPr lang="de-DE" sz="1400" b="1" dirty="0" smtClean="0"/>
+            <a:endParaRPr lang="de-DE" sz="1400" b="1" dirty="0"/>
           </a:p>
           <a:p>
             <a:endParaRPr lang="de-DE" sz="1400" dirty="0"/>
@@ -8160,11 +8038,11 @@
               <a:buAutoNum type="arabicPeriod"/>
             </a:pPr>
             <a:r>
-              <a:rPr lang="de-DE" sz="1400" dirty="0" err="1" smtClean="0"/>
+              <a:rPr lang="de-DE" sz="1400" dirty="0" err="1"/>
               <a:t>Hello</a:t>
             </a:r>
             <a:r>
-              <a:rPr lang="de-DE" sz="1400" dirty="0" smtClean="0"/>
+              <a:rPr lang="de-DE" sz="1400" dirty="0"/>
               <a:t> World!</a:t>
             </a:r>
           </a:p>
@@ -8177,7 +8055,7 @@
               <a:buAutoNum type="arabicPeriod"/>
             </a:pPr>
             <a:r>
-              <a:rPr lang="de-DE" sz="1400" dirty="0" smtClean="0"/>
+              <a:rPr lang="de-DE" sz="1400" dirty="0"/>
               <a:t>Tasten und RGB-LED</a:t>
             </a:r>
           </a:p>
@@ -8190,7 +8068,7 @@
               <a:buAutoNum type="arabicPeriod"/>
             </a:pPr>
             <a:r>
-              <a:rPr lang="de-DE" sz="1400" dirty="0" smtClean="0"/>
+              <a:rPr lang="de-DE" sz="1400" dirty="0"/>
               <a:t>Ventilator</a:t>
             </a:r>
           </a:p>
@@ -8203,10 +8081,10 @@
               <a:buAutoNum type="arabicPeriod"/>
             </a:pPr>
             <a:r>
-              <a:rPr lang="de-DE" sz="1400" dirty="0" err="1" smtClean="0"/>
+              <a:rPr lang="de-DE" sz="1400" dirty="0" err="1"/>
               <a:t>Terimin</a:t>
             </a:r>
-            <a:endParaRPr lang="de-DE" sz="1400" dirty="0" smtClean="0"/>
+            <a:endParaRPr lang="de-DE" sz="1400" dirty="0"/>
           </a:p>
           <a:p>
             <a:pPr marL="342900" indent="-342900">
@@ -8217,7 +8095,7 @@
               <a:buAutoNum type="arabicPeriod"/>
             </a:pPr>
             <a:r>
-              <a:rPr lang="de-DE" sz="1400" dirty="0" smtClean="0"/>
+              <a:rPr lang="de-DE" sz="1400" dirty="0"/>
               <a:t>Klickzähler</a:t>
             </a:r>
           </a:p>
@@ -8230,7 +8108,7 @@
               <a:buAutoNum type="arabicPeriod"/>
             </a:pPr>
             <a:r>
-              <a:rPr lang="de-DE" sz="1400" dirty="0" smtClean="0"/>
+              <a:rPr lang="de-DE" sz="1400" dirty="0"/>
               <a:t>Stoppuhr</a:t>
             </a:r>
           </a:p>
@@ -8243,7 +8121,7 @@
               <a:buAutoNum type="arabicPeriod"/>
             </a:pPr>
             <a:r>
-              <a:rPr lang="de-DE" sz="1400" dirty="0" smtClean="0"/>
+              <a:rPr lang="de-DE" sz="1400" dirty="0"/>
               <a:t>Kleines 1x1</a:t>
             </a:r>
           </a:p>
@@ -8256,7 +8134,7 @@
               <a:buAutoNum type="arabicPeriod"/>
             </a:pPr>
             <a:r>
-              <a:rPr lang="de-DE" sz="1400" dirty="0" smtClean="0"/>
+              <a:rPr lang="de-DE" sz="1400" dirty="0"/>
               <a:t>Entfernungsmesser</a:t>
             </a:r>
           </a:p>
@@ -8269,7 +8147,7 @@
               <a:buAutoNum type="arabicPeriod"/>
             </a:pPr>
             <a:r>
-              <a:rPr lang="de-DE" sz="1400" dirty="0" smtClean="0"/>
+              <a:rPr lang="de-DE" sz="1400" dirty="0"/>
               <a:t>Radar</a:t>
             </a:r>
           </a:p>
@@ -8282,13 +8160,12 @@
               <a:buAutoNum type="arabicPeriod"/>
             </a:pPr>
             <a:r>
-              <a:rPr lang="de-DE" sz="1400" dirty="0" smtClean="0"/>
+              <a:rPr lang="de-DE" sz="1400" dirty="0"/>
               <a:t>Fliegender Ball</a:t>
             </a:r>
+          </a:p>
+          <a:p>
             <a:endParaRPr lang="de-DE" sz="1400" dirty="0"/>
-          </a:p>
-          <a:p>
-            <a:endParaRPr lang="de-DE" sz="1400" dirty="0" smtClean="0"/>
           </a:p>
         </p:txBody>
       </p:sp>
@@ -8335,13 +8212,6 @@
   <p:clrMapOvr>
     <a:masterClrMapping/>
   </p:clrMapOvr>
-  <p:timing>
-    <p:tnLst>
-      <p:par>
-        <p:cTn id="1" dur="indefinite" restart="never" nodeType="tmRoot"/>
-      </p:par>
-    </p:tnLst>
-  </p:timing>
 </p:sld>
 </file>
 
@@ -8378,18 +8248,17 @@
           <a:lstStyle/>
           <a:p>
             <a:r>
-              <a:rPr lang="de-DE" dirty="0" smtClean="0"/>
+              <a:rPr lang="de-DE" dirty="0"/>
               <a:t>Der </a:t>
             </a:r>
             <a:r>
-              <a:rPr lang="de-DE" dirty="0" err="1" smtClean="0"/>
+              <a:rPr lang="de-DE" dirty="0" err="1"/>
               <a:t>Calliope</a:t>
             </a:r>
             <a:r>
-              <a:rPr lang="de-DE" dirty="0" smtClean="0"/>
+              <a:rPr lang="de-DE" dirty="0"/>
               <a:t> Mini</a:t>
             </a:r>
-            <a:endParaRPr lang="de-DE" dirty="0"/>
           </a:p>
         </p:txBody>
       </p:sp>
@@ -8409,10 +8278,9 @@
           <a:lstStyle/>
           <a:p>
             <a:r>
-              <a:rPr lang="de-DE" dirty="0" smtClean="0"/>
+              <a:rPr lang="de-DE" dirty="0"/>
               <a:t>Grundlagen</a:t>
             </a:r>
-            <a:endParaRPr lang="de-DE" dirty="0"/>
           </a:p>
         </p:txBody>
       </p:sp>
@@ -8441,29 +8309,13 @@
             </a:r>
             <a:r>
               <a:rPr lang="de-DE" dirty="0"/>
-              <a:t> Mini ist ein kleiner Computer. Er wurde von einem Team in Berlin entwickelt. Das Ziel ist: alle Schülerinnen und Schüler sollen einen Zugang zur digitalen Welt bekommen und die Techniken </a:t>
-            </a:r>
-            <a:r>
-              <a:rPr lang="de-DE" dirty="0" smtClean="0"/>
-              <a:t>erleben, </a:t>
-            </a:r>
+              <a:t> Mini ist ein kleiner Computer. Er wurde von einem Team in Berlin entwickelt. Das Ziel ist: alle Schülerinnen und Schüler sollen einen Zugang zur digitalen Welt bekommen und die Techniken erleben, die dahinterstecken. Sie sollen die ersten Schritte im Programmieren lernen und Technologien kreativ nutzen.</a:t>
+            </a:r>
+          </a:p>
+          <a:p>
             <a:r>
               <a:rPr lang="de-DE" dirty="0"/>
-              <a:t>die dahinterstecken. Sie sollen die ersten Schritte im Programmieren lernen und Technologien kreativ nutzen.</a:t>
-            </a:r>
-          </a:p>
-          <a:p>
-            <a:r>
-              <a:rPr lang="de-DE" dirty="0"/>
-              <a:t>Um diese zu </a:t>
-            </a:r>
-            <a:r>
-              <a:rPr lang="de-DE" dirty="0" smtClean="0"/>
-              <a:t>ermöglichen, </a:t>
-            </a:r>
-            <a:r>
-              <a:rPr lang="de-DE" dirty="0"/>
-              <a:t>besitzt der </a:t>
+              <a:t>Um diese zu ermöglichen, besitzt der </a:t>
             </a:r>
             <a:r>
               <a:rPr lang="de-DE" dirty="0" err="1"/>
@@ -8471,15 +8323,7 @@
             </a:r>
             <a:r>
               <a:rPr lang="de-DE" dirty="0"/>
-              <a:t> Mini schon einiges an </a:t>
-            </a:r>
-            <a:r>
-              <a:rPr lang="de-DE" dirty="0" smtClean="0"/>
-              <a:t>Ausstattung, </a:t>
-            </a:r>
-            <a:r>
-              <a:rPr lang="de-DE" dirty="0"/>
-              <a:t>um Eingangssignale zu verarbeiten und Ausgangssignale zu erzeugen. Dabei werden die Eingangssignale mithilfe von Sensoren in eine für den </a:t>
+              <a:t> Mini schon einiges an Ausstattung, um Eingangssignale zu verarbeiten und Ausgangssignale zu erzeugen. Dabei werden die Eingangssignale mithilfe von Sensoren in eine für den </a:t>
             </a:r>
             <a:r>
               <a:rPr lang="de-DE" dirty="0" err="1"/>
@@ -9189,13 +9033,6 @@
   <p:clrMapOvr>
     <a:masterClrMapping/>
   </p:clrMapOvr>
-  <p:timing>
-    <p:tnLst>
-      <p:par>
-        <p:cTn id="1" dur="indefinite" restart="never" nodeType="tmRoot"/>
-      </p:par>
-    </p:tnLst>
-  </p:timing>
 </p:sld>
 </file>
 
@@ -9232,18 +9069,17 @@
           <a:lstStyle/>
           <a:p>
             <a:r>
-              <a:rPr lang="de-DE" dirty="0" smtClean="0"/>
+              <a:rPr lang="de-DE" dirty="0"/>
               <a:t>Der </a:t>
             </a:r>
             <a:r>
-              <a:rPr lang="de-DE" dirty="0" err="1" smtClean="0"/>
+              <a:rPr lang="de-DE" dirty="0" err="1"/>
               <a:t>Calliope</a:t>
             </a:r>
             <a:r>
-              <a:rPr lang="de-DE" dirty="0" smtClean="0"/>
+              <a:rPr lang="de-DE" dirty="0"/>
               <a:t> Mini</a:t>
             </a:r>
-            <a:endParaRPr lang="de-DE" dirty="0"/>
           </a:p>
         </p:txBody>
       </p:sp>
@@ -9263,10 +9099,9 @@
           <a:lstStyle/>
           <a:p>
             <a:r>
-              <a:rPr lang="de-DE" dirty="0" smtClean="0"/>
+              <a:rPr lang="de-DE" dirty="0"/>
               <a:t>Grundlagen</a:t>
             </a:r>
-            <a:endParaRPr lang="de-DE" dirty="0"/>
           </a:p>
         </p:txBody>
       </p:sp>
@@ -9440,27 +9275,7 @@
                   </a:schemeClr>
                 </a:solidFill>
               </a:rPr>
-              <a:t>Sensoren </a:t>
-            </a:r>
-            <a:r>
-              <a:rPr lang="de-DE" b="1" dirty="0" smtClean="0">
-                <a:solidFill>
-                  <a:schemeClr val="accent1">
-                    <a:lumMod val="75000"/>
-                  </a:schemeClr>
-                </a:solidFill>
-              </a:rPr>
-              <a:t>(liefern Eingangssignale</a:t>
-            </a:r>
-            <a:r>
-              <a:rPr lang="de-DE" b="1" dirty="0">
-                <a:solidFill>
-                  <a:schemeClr val="accent1">
-                    <a:lumMod val="75000"/>
-                  </a:schemeClr>
-                </a:solidFill>
-              </a:rPr>
-              <a:t>)</a:t>
+              <a:t>Sensoren (liefern Eingangssignale)</a:t>
             </a:r>
           </a:p>
           <a:p>
@@ -9471,23 +9286,7 @@
                   <a:srgbClr val="FF0000"/>
                 </a:solidFill>
               </a:rPr>
-              <a:t>Aktoren </a:t>
-            </a:r>
-            <a:r>
-              <a:rPr lang="de-DE" b="1" dirty="0" smtClean="0">
-                <a:solidFill>
-                  <a:srgbClr val="FF0000"/>
-                </a:solidFill>
-              </a:rPr>
-              <a:t>(verarbeiten Ausgangssignale</a:t>
-            </a:r>
-            <a:r>
-              <a:rPr lang="de-DE" b="1" dirty="0">
-                <a:solidFill>
-                  <a:srgbClr val="FF0000"/>
-                </a:solidFill>
-              </a:rPr>
-              <a:t>)</a:t>
+              <a:t>Aktoren (verarbeiten Ausgangssignale)</a:t>
             </a:r>
           </a:p>
           <a:p>
@@ -9500,25 +9299,8 @@
                   </a:schemeClr>
                 </a:solidFill>
               </a:rPr>
-              <a:t>Sonstiges oder sowohl Sensor als auch </a:t>
-            </a:r>
-            <a:r>
-              <a:rPr lang="de-DE" b="1" dirty="0" smtClean="0">
-                <a:solidFill>
-                  <a:schemeClr val="accent6">
-                    <a:lumMod val="75000"/>
-                  </a:schemeClr>
-                </a:solidFill>
-              </a:rPr>
-              <a:t>Aktor</a:t>
-            </a:r>
-            <a:endParaRPr lang="de-DE" b="1" dirty="0">
-              <a:solidFill>
-                <a:schemeClr val="accent6">
-                  <a:lumMod val="75000"/>
-                </a:schemeClr>
-              </a:solidFill>
-            </a:endParaRPr>
+              <a:t>Sonstiges oder sowohl Sensor als auch Aktor</a:t>
+            </a:r>
           </a:p>
         </p:txBody>
       </p:sp>
@@ -9756,7 +9538,7 @@
               </a:spcAft>
             </a:pPr>
             <a:r>
-              <a:rPr lang="de-DE" sz="1400" b="1" dirty="0" smtClean="0">
+              <a:rPr lang="de-DE" sz="1400" b="1" dirty="0">
                 <a:solidFill>
                   <a:srgbClr val="2E74B5"/>
                 </a:solidFill>
@@ -10274,7 +10056,7 @@
               </a:spcAft>
             </a:pPr>
             <a:r>
-              <a:rPr lang="de-DE" sz="1400" b="1" dirty="0" smtClean="0">
+              <a:rPr lang="de-DE" sz="1400" b="1" dirty="0">
                 <a:solidFill>
                   <a:srgbClr val="538135"/>
                 </a:solidFill>
@@ -10302,13 +10084,6 @@
   <p:clrMapOvr>
     <a:masterClrMapping/>
   </p:clrMapOvr>
-  <p:timing>
-    <p:tnLst>
-      <p:par>
-        <p:cTn id="1" dur="indefinite" restart="never" nodeType="tmRoot"/>
-      </p:par>
-    </p:tnLst>
-  </p:timing>
 </p:sld>
 </file>
 
@@ -10345,18 +10120,17 @@
           <a:lstStyle/>
           <a:p>
             <a:r>
-              <a:rPr lang="de-DE" dirty="0" smtClean="0"/>
+              <a:rPr lang="de-DE" dirty="0"/>
               <a:t>Der </a:t>
             </a:r>
             <a:r>
-              <a:rPr lang="de-DE" dirty="0" err="1" smtClean="0"/>
+              <a:rPr lang="de-DE" dirty="0" err="1"/>
               <a:t>Calliope</a:t>
             </a:r>
             <a:r>
-              <a:rPr lang="de-DE" dirty="0" smtClean="0"/>
+              <a:rPr lang="de-DE" dirty="0"/>
               <a:t> Mini</a:t>
             </a:r>
-            <a:endParaRPr lang="de-DE" dirty="0"/>
           </a:p>
         </p:txBody>
       </p:sp>
@@ -10376,10 +10150,9 @@
           <a:lstStyle/>
           <a:p>
             <a:r>
-              <a:rPr lang="de-DE" dirty="0" smtClean="0"/>
+              <a:rPr lang="de-DE" dirty="0"/>
               <a:t>Grundlagen</a:t>
             </a:r>
-            <a:endParaRPr lang="de-DE" dirty="0"/>
           </a:p>
         </p:txBody>
       </p:sp>
@@ -10407,20 +10180,12 @@
               <a:rPr lang="de-DE" b="1" dirty="0"/>
               <a:t>Achtung:</a:t>
             </a:r>
-            <a:r>
-              <a:rPr lang="de-DE" dirty="0"/>
-              <a:t/>
-            </a:r>
             <a:br>
               <a:rPr lang="de-DE" dirty="0"/>
             </a:br>
             <a:r>
               <a:rPr lang="de-DE" dirty="0"/>
-              <a:t>VCC (+) und GND (-) nie direkt Verbinden (Kurzschluss</a:t>
-            </a:r>
-            <a:r>
-              <a:rPr lang="de-DE" dirty="0" smtClean="0"/>
-              <a:t>!)</a:t>
+              <a:t>VCC (+) und GND (-) nie direkt Verbinden (Kurzschluss!)</a:t>
             </a:r>
           </a:p>
           <a:p>
@@ -11450,13 +11215,6 @@
   <p:clrMapOvr>
     <a:masterClrMapping/>
   </p:clrMapOvr>
-  <p:timing>
-    <p:tnLst>
-      <p:par>
-        <p:cTn id="1" dur="indefinite" restart="never" nodeType="tmRoot"/>
-      </p:par>
-    </p:tnLst>
-  </p:timing>
 </p:sld>
 </file>
 
@@ -11519,10 +11277,9 @@
           <a:lstStyle/>
           <a:p>
             <a:r>
-              <a:rPr lang="de-DE" dirty="0" smtClean="0"/>
+              <a:rPr lang="de-DE" dirty="0"/>
               <a:t>Grundlagen</a:t>
             </a:r>
-            <a:endParaRPr lang="de-DE" dirty="0"/>
           </a:p>
         </p:txBody>
       </p:sp>
@@ -11543,7 +11300,7 @@
         </p:nvGraphicFramePr>
         <p:xfrm>
           <a:off x="469899" y="2651723"/>
-          <a:ext cx="5918201" cy="4533329"/>
+          <a:ext cx="5918201" cy="4459679"/>
         </p:xfrm>
         <a:graphic>
           <a:graphicData uri="http://schemas.openxmlformats.org/drawingml/2006/table">
@@ -11906,7 +11663,7 @@
                           <a:spcPts val="0"/>
                         </a:spcAft>
                       </a:pPr>
-                      <a:endParaRPr lang="de-DE" sz="1600" dirty="0" smtClean="0">
+                      <a:endParaRPr lang="de-DE" sz="1600" dirty="0">
                         <a:effectLst/>
                       </a:endParaRPr>
                     </a:p>
@@ -11919,7 +11676,7 @@
                           <a:spcPts val="0"/>
                         </a:spcAft>
                       </a:pPr>
-                      <a:endParaRPr lang="de-DE" sz="1600" dirty="0" smtClean="0">
+                      <a:endParaRPr lang="de-DE" sz="1600" dirty="0">
                         <a:effectLst/>
                       </a:endParaRPr>
                     </a:p>
@@ -12703,7 +12460,7 @@
               <a:t>Inputs</a:t>
             </a:r>
             <a:r>
-              <a:rPr lang="de-DE" sz="1200" dirty="0" smtClean="0"/>
+              <a:rPr lang="de-DE" sz="1200" dirty="0"/>
               <a:t>.</a:t>
             </a:r>
           </a:p>
@@ -12748,13 +12505,6 @@
   <p:clrMapOvr>
     <a:masterClrMapping/>
   </p:clrMapOvr>
-  <p:timing>
-    <p:tnLst>
-      <p:par>
-        <p:cTn id="1" dur="indefinite" restart="never" nodeType="tmRoot"/>
-      </p:par>
-    </p:tnLst>
-  </p:timing>
 </p:sld>
 </file>
 
@@ -12851,13 +12601,8 @@
           <a:p>
             <a:r>
               <a:rPr lang="de-DE" dirty="0"/>
-              <a:t>Analoger Input und </a:t>
-            </a:r>
-            <a:r>
-              <a:rPr lang="de-DE" dirty="0" smtClean="0"/>
-              <a:t>Output</a:t>
-            </a:r>
-            <a:endParaRPr lang="de-DE" dirty="0"/>
+              <a:t>Analoger Input und Output</a:t>
+            </a:r>
           </a:p>
         </p:txBody>
       </p:sp>
@@ -12877,10 +12622,9 @@
           <a:lstStyle/>
           <a:p>
             <a:r>
-              <a:rPr lang="de-DE" dirty="0" smtClean="0"/>
+              <a:rPr lang="de-DE" dirty="0"/>
               <a:t>Grundlagen</a:t>
             </a:r>
-            <a:endParaRPr lang="de-DE" dirty="0"/>
           </a:p>
         </p:txBody>
       </p:sp>
@@ -12907,37 +12651,33 @@
           </a:p>
           <a:p>
             <a:r>
-              <a:rPr lang="de-DE" dirty="0" smtClean="0"/>
-              <a:t>Bei </a:t>
-            </a:r>
-            <a:r>
               <a:rPr lang="de-DE" dirty="0"/>
-              <a:t>einem analogen Input liefert der Sensor Messdaten mit einem kontinuierlichen Wertebereich. Beim Kompass ist dies beispielsweise ein Wertebereich von 1° bis 360°. Ein analoger Input wie der Kompass kann also 360 verschiedene Werte messen. Ein analoger Output hat ebenfalls einen kontinuierlichen Wertebereich.</a:t>
-            </a:r>
-          </a:p>
-          <a:p>
-            <a:endParaRPr lang="de-DE" dirty="0" smtClean="0"/>
+              <a:t>Bei einem analogen Input liefert der Sensor Messdaten mit einem kontinuierlichen Wertebereich. Beim Kompass ist dies beispielsweise ein Wertebereich von 1° bis 360°. Ein analoger Input wie der Kompass kann also 360 verschiedene Werte messen. Ein analoger Output hat ebenfalls einen kontinuierlichen Wertebereich.</a:t>
+            </a:r>
           </a:p>
           <a:p>
             <a:endParaRPr lang="de-DE" dirty="0"/>
           </a:p>
           <a:p>
-            <a:endParaRPr lang="de-DE" dirty="0" smtClean="0"/>
-          </a:p>
-          <a:p>
             <a:endParaRPr lang="de-DE" dirty="0"/>
           </a:p>
           <a:p>
-            <a:endParaRPr lang="de-DE" dirty="0" smtClean="0"/>
-          </a:p>
-          <a:p>
             <a:endParaRPr lang="de-DE" dirty="0"/>
           </a:p>
           <a:p>
-            <a:endParaRPr lang="de-DE" dirty="0" smtClean="0"/>
-          </a:p>
-          <a:p>
-            <a:endParaRPr lang="de-DE" dirty="0" smtClean="0"/>
+            <a:endParaRPr lang="de-DE" dirty="0"/>
+          </a:p>
+          <a:p>
+            <a:endParaRPr lang="de-DE" dirty="0"/>
+          </a:p>
+          <a:p>
+            <a:endParaRPr lang="de-DE" dirty="0"/>
+          </a:p>
+          <a:p>
+            <a:endParaRPr lang="de-DE" dirty="0"/>
+          </a:p>
+          <a:p>
+            <a:endParaRPr lang="de-DE" dirty="0"/>
           </a:p>
           <a:p>
             <a:r>
@@ -12948,12 +12688,8 @@
           </a:p>
           <a:p>
             <a:r>
-              <a:rPr lang="de-DE" dirty="0" smtClean="0"/>
-              <a:t>Der </a:t>
-            </a:r>
-            <a:r>
               <a:rPr lang="de-DE" dirty="0"/>
-              <a:t>Wertebereich eines digitalen Inputs begrenzt sich auf die Zahlen 0 und 1, die zwei Zustände repräsentieren. Eine Taste ist ein gutes Beispiel für einen digitalen Input: Sie kann entweder im Zustand gedrückt oder nicht gedrückt sein. Einen Zustand dazwischen (halbgedrückt) gibt es nicht. Ob der gedrückte Zustand dem Wert «1» oder dem Wert «0» entspricht, hängt vom elektrischen Schaltkreis ab. Digitale </a:t>
+              <a:t>Der Wertebereich eines digitalen Inputs begrenzt sich auf die Zahlen 0 und 1, die zwei Zustände repräsentieren. Eine Taste ist ein gutes Beispiel für einen digitalen Input: Sie kann entweder im Zustand gedrückt oder nicht gedrückt sein. Einen Zustand dazwischen (halbgedrückt) gibt es nicht. Ob der gedrückte Zustand dem Wert «1» oder dem Wert «0» entspricht, hängt vom elektrischen Schaltkreis ab. Digitale </a:t>
             </a:r>
             <a:r>
               <a:rPr lang="de-DE" dirty="0" err="1"/>
@@ -13153,13 +12889,6 @@
   <p:clrMapOvr>
     <a:masterClrMapping/>
   </p:clrMapOvr>
-  <p:timing>
-    <p:tnLst>
-      <p:par>
-        <p:cTn id="1" dur="indefinite" restart="never" nodeType="tmRoot"/>
-      </p:par>
-    </p:tnLst>
-  </p:timing>
 </p:sld>
 </file>
 
@@ -13196,10 +12925,9 @@
           <a:lstStyle/>
           <a:p>
             <a:r>
-              <a:rPr lang="de-DE" dirty="0" smtClean="0"/>
+              <a:rPr lang="de-DE" dirty="0"/>
               <a:t>Zubehör</a:t>
             </a:r>
-            <a:endParaRPr lang="de-DE" dirty="0"/>
           </a:p>
         </p:txBody>
       </p:sp>
@@ -13219,10 +12947,9 @@
           <a:lstStyle/>
           <a:p>
             <a:r>
-              <a:rPr lang="de-DE" dirty="0" smtClean="0"/>
+              <a:rPr lang="de-DE" dirty="0"/>
               <a:t>Grundlagen</a:t>
             </a:r>
-            <a:endParaRPr lang="de-DE" dirty="0"/>
           </a:p>
         </p:txBody>
       </p:sp>
@@ -13452,10 +13179,9 @@
           <a:lstStyle/>
           <a:p>
             <a:r>
-              <a:rPr lang="de-DE" sz="1600" b="1" dirty="0" smtClean="0"/>
+              <a:rPr lang="de-DE" sz="1600" b="1" dirty="0"/>
               <a:t>USB-Kable</a:t>
             </a:r>
-            <a:endParaRPr lang="de-DE" sz="1600" b="1" dirty="0"/>
           </a:p>
         </p:txBody>
       </p:sp>
@@ -13483,10 +13209,9 @@
           <a:p>
             <a:pPr algn="ctr"/>
             <a:r>
-              <a:rPr lang="de-DE" sz="1600" b="1" dirty="0" smtClean="0"/>
+              <a:rPr lang="de-DE" sz="1600" b="1" dirty="0"/>
               <a:t>Ultraschall-Entfernungsmesser</a:t>
             </a:r>
-            <a:endParaRPr lang="de-DE" sz="1600" b="1" dirty="0"/>
           </a:p>
         </p:txBody>
       </p:sp>
@@ -13590,18 +13315,17 @@
           <a:lstStyle/>
           <a:p>
             <a:r>
-              <a:rPr lang="de-DE" sz="1600" b="1" dirty="0" smtClean="0"/>
+              <a:rPr lang="de-DE" sz="1600" b="1" dirty="0"/>
               <a:t>RC-</a:t>
             </a:r>
             <a:r>
-              <a:rPr lang="de-DE" sz="1600" b="1" dirty="0" err="1" smtClean="0"/>
+              <a:rPr lang="de-DE" sz="1600" b="1" dirty="0" err="1"/>
               <a:t>Servo</a:t>
             </a:r>
             <a:r>
-              <a:rPr lang="de-DE" sz="1600" b="1" dirty="0" smtClean="0"/>
+              <a:rPr lang="de-DE" sz="1600" b="1" dirty="0"/>
               <a:t>-Motor</a:t>
             </a:r>
-            <a:endParaRPr lang="de-DE" sz="1600" b="1" dirty="0"/>
           </a:p>
         </p:txBody>
       </p:sp>
@@ -13627,10 +13351,9 @@
           <a:lstStyle/>
           <a:p>
             <a:r>
-              <a:rPr lang="de-DE" sz="1600" b="1" dirty="0" smtClean="0"/>
+              <a:rPr lang="de-DE" sz="1600" b="1" dirty="0"/>
               <a:t>DC-Motor</a:t>
             </a:r>
-            <a:endParaRPr lang="de-DE" sz="1600" b="1" dirty="0"/>
           </a:p>
         </p:txBody>
       </p:sp>
@@ -13658,10 +13381,9 @@
           <a:p>
             <a:pPr algn="ctr"/>
             <a:r>
-              <a:rPr lang="de-DE" sz="1600" b="1" dirty="0" smtClean="0"/>
+              <a:rPr lang="de-DE" sz="1600" b="1" dirty="0"/>
               <a:t>Fliegender Ball</a:t>
             </a:r>
-            <a:endParaRPr lang="de-DE" sz="1600" b="1" dirty="0"/>
           </a:p>
         </p:txBody>
       </p:sp>
@@ -13675,13 +13397,6 @@
   <p:clrMapOvr>
     <a:masterClrMapping/>
   </p:clrMapOvr>
-  <p:timing>
-    <p:tnLst>
-      <p:par>
-        <p:cTn id="1" dur="indefinite" restart="never" nodeType="tmRoot"/>
-      </p:par>
-    </p:tnLst>
-  </p:timing>
 </p:sld>
 </file>
 
@@ -13729,15 +13444,7 @@
             </a:r>
             <a:r>
               <a:rPr lang="de-DE" dirty="0"/>
-              <a:t> </a:t>
-            </a:r>
-            <a:r>
-              <a:rPr lang="de-DE" dirty="0" smtClean="0"/>
-              <a:t>schreiben</a:t>
-            </a:r>
-            <a:r>
-              <a:rPr lang="de-DE" dirty="0"/>
-              <a:t/>
+              <a:t> schreiben</a:t>
             </a:r>
             <a:br>
               <a:rPr lang="de-DE" dirty="0"/>
@@ -13762,10 +13469,9 @@
           <a:lstStyle/>
           <a:p>
             <a:r>
-              <a:rPr lang="de-DE" dirty="0" smtClean="0"/>
+              <a:rPr lang="de-DE" dirty="0"/>
               <a:t>Grundlagen</a:t>
             </a:r>
-            <a:endParaRPr lang="de-DE" dirty="0"/>
           </a:p>
         </p:txBody>
       </p:sp>
@@ -13803,11 +13509,7 @@
             </a:r>
             <a:r>
               <a:rPr lang="de-DE" sz="1400" dirty="0"/>
-              <a:t>in </a:t>
-            </a:r>
-            <a:r>
-              <a:rPr lang="de-DE" sz="1400" dirty="0" smtClean="0"/>
-              <a:t>Web-Browser.</a:t>
+              <a:t>in Web-Browser.</a:t>
             </a:r>
           </a:p>
           <a:p>
@@ -13815,7 +13517,7 @@
               <a:buFont typeface="+mj-lt"/>
               <a:buAutoNum type="arabicPeriod"/>
             </a:pPr>
-            <a:endParaRPr lang="de-DE" sz="1400" dirty="0" smtClean="0"/>
+            <a:endParaRPr lang="de-DE" sz="1400" dirty="0"/>
           </a:p>
           <a:p>
             <a:pPr marL="228600" lvl="0" indent="-228600">
@@ -13823,7 +13525,7 @@
               <a:buAutoNum type="arabicPeriod"/>
             </a:pPr>
             <a:r>
-              <a:rPr lang="de-DE" sz="1400" dirty="0" smtClean="0"/>
+              <a:rPr lang="de-DE" sz="1400" dirty="0"/>
               <a:t>Der PXT-Editor teilt sich in 3 Bereiche </a:t>
             </a:r>
           </a:p>
@@ -13833,15 +13535,15 @@
               <a:buAutoNum type="romanUcPeriod"/>
             </a:pPr>
             <a:r>
-              <a:rPr lang="de-DE" sz="1400" dirty="0" smtClean="0"/>
+              <a:rPr lang="de-DE" sz="1400" dirty="0"/>
               <a:t>Voransicht &amp; Simulation (hier sieht man eine Simulation des Programmes ohne es vorher auf den </a:t>
             </a:r>
             <a:r>
-              <a:rPr lang="de-DE" sz="1400" dirty="0" err="1" smtClean="0"/>
+              <a:rPr lang="de-DE" sz="1400" dirty="0" err="1"/>
               <a:t>Calliope</a:t>
             </a:r>
             <a:r>
-              <a:rPr lang="de-DE" sz="1400" dirty="0" smtClean="0"/>
+              <a:rPr lang="de-DE" sz="1400" dirty="0"/>
               <a:t> Mini laden zu müssen)</a:t>
             </a:r>
           </a:p>
@@ -13851,7 +13553,7 @@
               <a:buAutoNum type="romanUcPeriod"/>
             </a:pPr>
             <a:r>
-              <a:rPr lang="de-DE" sz="1400" dirty="0" smtClean="0"/>
+              <a:rPr lang="de-DE" sz="1400" dirty="0"/>
               <a:t>Blockbereich (hier findet man die Programmblöcke mit denen man ein Programm schreiben kann)</a:t>
             </a:r>
           </a:p>
@@ -13861,10 +13563,9 @@
               <a:buAutoNum type="romanUcPeriod"/>
             </a:pPr>
             <a:r>
-              <a:rPr lang="de-DE" sz="1400" dirty="0" smtClean="0"/>
+              <a:rPr lang="de-DE" sz="1400" dirty="0"/>
               <a:t>Arbeitsbereich (hier schreibt man das Programm in dem man die Programmblöcke zusammenschiebt)</a:t>
             </a:r>
-            <a:endParaRPr lang="de-DE" sz="1400" dirty="0"/>
           </a:p>
           <a:p>
             <a:pPr marL="228600" indent="-228600">
@@ -13915,13 +13616,6 @@
   <p:clrMapOvr>
     <a:masterClrMapping/>
   </p:clrMapOvr>
-  <p:timing>
-    <p:tnLst>
-      <p:par>
-        <p:cTn id="1" dur="indefinite" restart="never" nodeType="tmRoot"/>
-      </p:par>
-    </p:tnLst>
-  </p:timing>
 </p:sld>
 </file>
 

--- a/Einfuerung/ChallengeCart-Einfuerung.pptx
+++ b/Einfuerung/ChallengeCart-Einfuerung.pptx
@@ -1988,7 +1988,7 @@
           <a:p>
             <a:fld id="{DD7A25D8-F173-4133-85F8-CB962D678EB5}" type="datetimeFigureOut">
               <a:rPr lang="de-DE" smtClean="0"/>
-              <a:t>06.12.2019</a:t>
+              <a:t>11.12.2019</a:t>
             </a:fld>
             <a:endParaRPr lang="de-DE"/>
           </a:p>
@@ -2386,7 +2386,7 @@
           <a:p>
             <a:fld id="{FC9269F9-6F79-4414-A84E-D81C6C443C37}" type="datetimeFigureOut">
               <a:rPr lang="de-DE" smtClean="0"/>
-              <a:t>06.12.2019</a:t>
+              <a:t>11.12.2019</a:t>
             </a:fld>
             <a:endParaRPr lang="de-DE"/>
           </a:p>
@@ -3370,7 +3370,13 @@
       </p:sp>
       <p:pic>
         <p:nvPicPr>
-          <p:cNvPr id="15" name="Grafik 14"/>
+          <p:cNvPr id="21" name="Grafik 20">
+            <a:extLst>
+              <a:ext uri="{FF2B5EF4-FFF2-40B4-BE49-F238E27FC236}">
+                <a16:creationId xmlns:a16="http://schemas.microsoft.com/office/drawing/2014/main" id="{201110CD-1943-45AE-BFE0-4A57F9A02029}"/>
+              </a:ext>
+            </a:extLst>
+          </p:cNvPr>
           <p:cNvPicPr>
             <a:picLocks noChangeAspect="1"/>
           </p:cNvPicPr>
@@ -3400,7 +3406,13 @@
       </p:pic>
       <p:pic>
         <p:nvPicPr>
-          <p:cNvPr id="18" name="Grafik 17"/>
+          <p:cNvPr id="22" name="Grafik 21">
+            <a:extLst>
+              <a:ext uri="{FF2B5EF4-FFF2-40B4-BE49-F238E27FC236}">
+                <a16:creationId xmlns:a16="http://schemas.microsoft.com/office/drawing/2014/main" id="{7C0DE73A-F1E0-490E-90B8-734A69ED2279}"/>
+              </a:ext>
+            </a:extLst>
+          </p:cNvPr>
           <p:cNvPicPr>
             <a:picLocks noChangeAspect="1"/>
           </p:cNvPicPr>
@@ -3429,10 +3441,10 @@
       </p:pic>
       <p:pic>
         <p:nvPicPr>
-          <p:cNvPr id="20" name="Grafik 19">
+          <p:cNvPr id="23" name="Grafik 22">
             <a:extLst>
               <a:ext uri="{FF2B5EF4-FFF2-40B4-BE49-F238E27FC236}">
-                <a16:creationId xmlns:a16="http://schemas.microsoft.com/office/drawing/2014/main" id="{A160E4B6-B610-455F-9523-5FD44830C293}"/>
+                <a16:creationId xmlns:a16="http://schemas.microsoft.com/office/drawing/2014/main" id="{45163052-819B-4190-9D29-E655ABF8ACBC}"/>
               </a:ext>
             </a:extLst>
           </p:cNvPr>
@@ -3455,8 +3467,44 @@
         </p:blipFill>
         <p:spPr>
           <a:xfrm>
-            <a:off x="2075532" y="9137300"/>
+            <a:off x="2074069" y="9099550"/>
             <a:ext cx="381000" cy="571500"/>
+          </a:xfrm>
+          <a:prstGeom prst="rect">
+            <a:avLst/>
+          </a:prstGeom>
+        </p:spPr>
+      </p:pic>
+      <p:pic>
+        <p:nvPicPr>
+          <p:cNvPr id="24" name="Grafik 23">
+            <a:extLst>
+              <a:ext uri="{FF2B5EF4-FFF2-40B4-BE49-F238E27FC236}">
+                <a16:creationId xmlns:a16="http://schemas.microsoft.com/office/drawing/2014/main" id="{A9FDA7D6-70C5-4287-936C-B5CF99A9D30B}"/>
+              </a:ext>
+            </a:extLst>
+          </p:cNvPr>
+          <p:cNvPicPr>
+            <a:picLocks noChangeAspect="1"/>
+          </p:cNvPicPr>
+          <p:nvPr userDrawn="1"/>
+        </p:nvPicPr>
+        <p:blipFill>
+          <a:blip r:embed="rId5" cstate="print">
+            <a:extLst>
+              <a:ext uri="{28A0092B-C50C-407E-A947-70E740481C1C}">
+                <a14:useLocalDpi xmlns:a14="http://schemas.microsoft.com/office/drawing/2010/main" val="0"/>
+              </a:ext>
+            </a:extLst>
+          </a:blip>
+          <a:stretch>
+            <a:fillRect/>
+          </a:stretch>
+        </p:blipFill>
+        <p:spPr>
+          <a:xfrm>
+            <a:off x="3590172" y="8960427"/>
+            <a:ext cx="911392" cy="911392"/>
           </a:xfrm>
           <a:prstGeom prst="rect">
             <a:avLst/>
@@ -3545,7 +3593,7 @@
           <a:p>
             <a:fld id="{FC9269F9-6F79-4414-A84E-D81C6C443C37}" type="datetimeFigureOut">
               <a:rPr lang="de-DE" smtClean="0"/>
-              <a:t>06.12.2019</a:t>
+              <a:t>11.12.2019</a:t>
             </a:fld>
             <a:endParaRPr lang="de-DE"/>
           </a:p>
@@ -3873,39 +3921,149 @@
           </a:p>
         </p:txBody>
       </p:sp>
-      <p:sp>
-        <p:nvSpPr>
-          <p:cNvPr id="15" name="Textfeld 14"/>
-          <p:cNvSpPr txBox="1"/>
+      <p:pic>
+        <p:nvPicPr>
+          <p:cNvPr id="17" name="Grafik 16">
+            <a:extLst>
+              <a:ext uri="{FF2B5EF4-FFF2-40B4-BE49-F238E27FC236}">
+                <a16:creationId xmlns:a16="http://schemas.microsoft.com/office/drawing/2014/main" id="{7D83F2C0-D465-445C-BA0C-7FAFCD99C649}"/>
+              </a:ext>
+            </a:extLst>
+          </p:cNvPr>
+          <p:cNvPicPr>
+            <a:picLocks noChangeAspect="1"/>
+          </p:cNvPicPr>
           <p:nvPr userDrawn="1"/>
-        </p:nvSpPr>
-        <p:spPr>
-          <a:xfrm>
-            <a:off x="2033534" y="9314293"/>
-            <a:ext cx="2449033" cy="261610"/>
+        </p:nvPicPr>
+        <p:blipFill>
+          <a:blip r:embed="rId2" cstate="print">
+            <a:extLst>
+              <a:ext uri="{28A0092B-C50C-407E-A947-70E740481C1C}">
+                <a14:useLocalDpi xmlns:a14="http://schemas.microsoft.com/office/drawing/2010/main" val="0"/>
+              </a:ext>
+            </a:extLst>
+          </a:blip>
+          <a:stretch>
+            <a:fillRect/>
+          </a:stretch>
+        </p:blipFill>
+        <p:spPr>
+          <a:xfrm>
+            <a:off x="4501564" y="9267750"/>
+            <a:ext cx="1884949" cy="324000"/>
           </a:xfrm>
           <a:prstGeom prst="rect">
             <a:avLst/>
           </a:prstGeom>
-          <a:noFill/>
-        </p:spPr>
-        <p:txBody>
-          <a:bodyPr wrap="square" rtlCol="0">
-            <a:spAutoFit/>
-          </a:bodyPr>
-          <a:lstStyle/>
-          <a:p>
-            <a:pPr algn="ctr"/>
-            <a:r>
-              <a:rPr lang="de-DE" sz="1100" dirty="0">
-                <a:hlinkClick r:id="rId2"/>
-              </a:rPr>
-              <a:t>https://www.htw-dresden.de/kiss-mint</a:t>
-            </a:r>
-            <a:endParaRPr lang="de-DE" sz="1100" dirty="0"/>
-          </a:p>
-        </p:txBody>
-      </p:sp>
+        </p:spPr>
+      </p:pic>
+      <p:pic>
+        <p:nvPicPr>
+          <p:cNvPr id="19" name="Grafik 18">
+            <a:extLst>
+              <a:ext uri="{FF2B5EF4-FFF2-40B4-BE49-F238E27FC236}">
+                <a16:creationId xmlns:a16="http://schemas.microsoft.com/office/drawing/2014/main" id="{C4E352EA-8429-4E14-BAF8-AB749297D809}"/>
+              </a:ext>
+            </a:extLst>
+          </p:cNvPr>
+          <p:cNvPicPr>
+            <a:picLocks noChangeAspect="1"/>
+          </p:cNvPicPr>
+          <p:nvPr userDrawn="1"/>
+        </p:nvPicPr>
+        <p:blipFill rotWithShape="1">
+          <a:blip r:embed="rId3" cstate="print">
+            <a:extLst>
+              <a:ext uri="{28A0092B-C50C-407E-A947-70E740481C1C}">
+                <a14:useLocalDpi xmlns:a14="http://schemas.microsoft.com/office/drawing/2010/main" val="0"/>
+              </a:ext>
+            </a:extLst>
+          </a:blip>
+          <a:srcRect t="15984" b="15885"/>
+          <a:stretch/>
+        </p:blipFill>
+        <p:spPr>
+          <a:xfrm>
+            <a:off x="471488" y="9224307"/>
+            <a:ext cx="1604044" cy="453441"/>
+          </a:xfrm>
+          <a:prstGeom prst="rect">
+            <a:avLst/>
+          </a:prstGeom>
+        </p:spPr>
+      </p:pic>
+      <p:pic>
+        <p:nvPicPr>
+          <p:cNvPr id="21" name="Grafik 20">
+            <a:extLst>
+              <a:ext uri="{FF2B5EF4-FFF2-40B4-BE49-F238E27FC236}">
+                <a16:creationId xmlns:a16="http://schemas.microsoft.com/office/drawing/2014/main" id="{AAB60F7B-4F37-4458-A0BF-425254A2482E}"/>
+              </a:ext>
+            </a:extLst>
+          </p:cNvPr>
+          <p:cNvPicPr>
+            <a:picLocks noChangeAspect="1"/>
+          </p:cNvPicPr>
+          <p:nvPr userDrawn="1"/>
+        </p:nvPicPr>
+        <p:blipFill>
+          <a:blip r:embed="rId4" cstate="print">
+            <a:extLst>
+              <a:ext uri="{28A0092B-C50C-407E-A947-70E740481C1C}">
+                <a14:useLocalDpi xmlns:a14="http://schemas.microsoft.com/office/drawing/2010/main" val="0"/>
+              </a:ext>
+            </a:extLst>
+          </a:blip>
+          <a:stretch>
+            <a:fillRect/>
+          </a:stretch>
+        </p:blipFill>
+        <p:spPr>
+          <a:xfrm>
+            <a:off x="2074069" y="9099550"/>
+            <a:ext cx="381000" cy="571500"/>
+          </a:xfrm>
+          <a:prstGeom prst="rect">
+            <a:avLst/>
+          </a:prstGeom>
+        </p:spPr>
+      </p:pic>
+      <p:pic>
+        <p:nvPicPr>
+          <p:cNvPr id="22" name="Grafik 21">
+            <a:extLst>
+              <a:ext uri="{FF2B5EF4-FFF2-40B4-BE49-F238E27FC236}">
+                <a16:creationId xmlns:a16="http://schemas.microsoft.com/office/drawing/2014/main" id="{C15E7347-FD7F-4B13-849D-F68CDFEE0BCF}"/>
+              </a:ext>
+            </a:extLst>
+          </p:cNvPr>
+          <p:cNvPicPr>
+            <a:picLocks noChangeAspect="1"/>
+          </p:cNvPicPr>
+          <p:nvPr userDrawn="1"/>
+        </p:nvPicPr>
+        <p:blipFill>
+          <a:blip r:embed="rId5" cstate="print">
+            <a:extLst>
+              <a:ext uri="{28A0092B-C50C-407E-A947-70E740481C1C}">
+                <a14:useLocalDpi xmlns:a14="http://schemas.microsoft.com/office/drawing/2010/main" val="0"/>
+              </a:ext>
+            </a:extLst>
+          </a:blip>
+          <a:stretch>
+            <a:fillRect/>
+          </a:stretch>
+        </p:blipFill>
+        <p:spPr>
+          <a:xfrm>
+            <a:off x="3590172" y="8960427"/>
+            <a:ext cx="911392" cy="911392"/>
+          </a:xfrm>
+          <a:prstGeom prst="rect">
+            <a:avLst/>
+          </a:prstGeom>
+        </p:spPr>
+      </p:pic>
     </p:spTree>
     <p:extLst>
       <p:ext uri="{BB962C8B-B14F-4D97-AF65-F5344CB8AC3E}">
@@ -3986,7 +4144,7 @@
           <a:p>
             <a:fld id="{FC9269F9-6F79-4414-A84E-D81C6C443C37}" type="datetimeFigureOut">
               <a:rPr lang="de-DE" smtClean="0"/>
-              <a:t>06.12.2019</a:t>
+              <a:t>11.12.2019</a:t>
             </a:fld>
             <a:endParaRPr lang="de-DE"/>
           </a:p>
@@ -4105,39 +4263,149 @@
           </a:p>
         </p:txBody>
       </p:sp>
-      <p:sp>
-        <p:nvSpPr>
-          <p:cNvPr id="9" name="Textfeld 8"/>
-          <p:cNvSpPr txBox="1"/>
+      <p:pic>
+        <p:nvPicPr>
+          <p:cNvPr id="11" name="Grafik 10">
+            <a:extLst>
+              <a:ext uri="{FF2B5EF4-FFF2-40B4-BE49-F238E27FC236}">
+                <a16:creationId xmlns:a16="http://schemas.microsoft.com/office/drawing/2014/main" id="{97CDFA75-B720-4984-BAF7-D9FD781CBDAC}"/>
+              </a:ext>
+            </a:extLst>
+          </p:cNvPr>
+          <p:cNvPicPr>
+            <a:picLocks noChangeAspect="1"/>
+          </p:cNvPicPr>
           <p:nvPr userDrawn="1"/>
-        </p:nvSpPr>
-        <p:spPr>
-          <a:xfrm>
-            <a:off x="2033534" y="9314293"/>
-            <a:ext cx="2449033" cy="261610"/>
+        </p:nvPicPr>
+        <p:blipFill>
+          <a:blip r:embed="rId2" cstate="print">
+            <a:extLst>
+              <a:ext uri="{28A0092B-C50C-407E-A947-70E740481C1C}">
+                <a14:useLocalDpi xmlns:a14="http://schemas.microsoft.com/office/drawing/2010/main" val="0"/>
+              </a:ext>
+            </a:extLst>
+          </a:blip>
+          <a:stretch>
+            <a:fillRect/>
+          </a:stretch>
+        </p:blipFill>
+        <p:spPr>
+          <a:xfrm>
+            <a:off x="4501564" y="9267750"/>
+            <a:ext cx="1884949" cy="324000"/>
           </a:xfrm>
           <a:prstGeom prst="rect">
             <a:avLst/>
           </a:prstGeom>
-          <a:noFill/>
-        </p:spPr>
-        <p:txBody>
-          <a:bodyPr wrap="square" rtlCol="0">
-            <a:spAutoFit/>
-          </a:bodyPr>
-          <a:lstStyle/>
-          <a:p>
-            <a:pPr algn="ctr"/>
-            <a:r>
-              <a:rPr lang="de-DE" sz="1100" dirty="0">
-                <a:hlinkClick r:id="rId2"/>
-              </a:rPr>
-              <a:t>https://www.htw-dresden.de/kiss-mint</a:t>
-            </a:r>
-            <a:endParaRPr lang="de-DE" sz="1100" dirty="0"/>
-          </a:p>
-        </p:txBody>
-      </p:sp>
+        </p:spPr>
+      </p:pic>
+      <p:pic>
+        <p:nvPicPr>
+          <p:cNvPr id="12" name="Grafik 11">
+            <a:extLst>
+              <a:ext uri="{FF2B5EF4-FFF2-40B4-BE49-F238E27FC236}">
+                <a16:creationId xmlns:a16="http://schemas.microsoft.com/office/drawing/2014/main" id="{738EA23F-9AE5-4F6E-AD41-48AC8E01202E}"/>
+              </a:ext>
+            </a:extLst>
+          </p:cNvPr>
+          <p:cNvPicPr>
+            <a:picLocks noChangeAspect="1"/>
+          </p:cNvPicPr>
+          <p:nvPr userDrawn="1"/>
+        </p:nvPicPr>
+        <p:blipFill rotWithShape="1">
+          <a:blip r:embed="rId3" cstate="print">
+            <a:extLst>
+              <a:ext uri="{28A0092B-C50C-407E-A947-70E740481C1C}">
+                <a14:useLocalDpi xmlns:a14="http://schemas.microsoft.com/office/drawing/2010/main" val="0"/>
+              </a:ext>
+            </a:extLst>
+          </a:blip>
+          <a:srcRect t="15984" b="15885"/>
+          <a:stretch/>
+        </p:blipFill>
+        <p:spPr>
+          <a:xfrm>
+            <a:off x="471488" y="9224307"/>
+            <a:ext cx="1604044" cy="453441"/>
+          </a:xfrm>
+          <a:prstGeom prst="rect">
+            <a:avLst/>
+          </a:prstGeom>
+        </p:spPr>
+      </p:pic>
+      <p:pic>
+        <p:nvPicPr>
+          <p:cNvPr id="13" name="Grafik 12">
+            <a:extLst>
+              <a:ext uri="{FF2B5EF4-FFF2-40B4-BE49-F238E27FC236}">
+                <a16:creationId xmlns:a16="http://schemas.microsoft.com/office/drawing/2014/main" id="{30C6B51D-526D-4B53-A56E-0201A8D689C6}"/>
+              </a:ext>
+            </a:extLst>
+          </p:cNvPr>
+          <p:cNvPicPr>
+            <a:picLocks noChangeAspect="1"/>
+          </p:cNvPicPr>
+          <p:nvPr userDrawn="1"/>
+        </p:nvPicPr>
+        <p:blipFill>
+          <a:blip r:embed="rId4" cstate="print">
+            <a:extLst>
+              <a:ext uri="{28A0092B-C50C-407E-A947-70E740481C1C}">
+                <a14:useLocalDpi xmlns:a14="http://schemas.microsoft.com/office/drawing/2010/main" val="0"/>
+              </a:ext>
+            </a:extLst>
+          </a:blip>
+          <a:stretch>
+            <a:fillRect/>
+          </a:stretch>
+        </p:blipFill>
+        <p:spPr>
+          <a:xfrm>
+            <a:off x="2074069" y="9099550"/>
+            <a:ext cx="381000" cy="571500"/>
+          </a:xfrm>
+          <a:prstGeom prst="rect">
+            <a:avLst/>
+          </a:prstGeom>
+        </p:spPr>
+      </p:pic>
+      <p:pic>
+        <p:nvPicPr>
+          <p:cNvPr id="14" name="Grafik 13">
+            <a:extLst>
+              <a:ext uri="{FF2B5EF4-FFF2-40B4-BE49-F238E27FC236}">
+                <a16:creationId xmlns:a16="http://schemas.microsoft.com/office/drawing/2014/main" id="{13F5FE99-95E8-4D27-9232-29568C9FB861}"/>
+              </a:ext>
+            </a:extLst>
+          </p:cNvPr>
+          <p:cNvPicPr>
+            <a:picLocks noChangeAspect="1"/>
+          </p:cNvPicPr>
+          <p:nvPr userDrawn="1"/>
+        </p:nvPicPr>
+        <p:blipFill>
+          <a:blip r:embed="rId5" cstate="print">
+            <a:extLst>
+              <a:ext uri="{28A0092B-C50C-407E-A947-70E740481C1C}">
+                <a14:useLocalDpi xmlns:a14="http://schemas.microsoft.com/office/drawing/2010/main" val="0"/>
+              </a:ext>
+            </a:extLst>
+          </a:blip>
+          <a:stretch>
+            <a:fillRect/>
+          </a:stretch>
+        </p:blipFill>
+        <p:spPr>
+          <a:xfrm>
+            <a:off x="3590172" y="8960427"/>
+            <a:ext cx="911392" cy="911392"/>
+          </a:xfrm>
+          <a:prstGeom prst="rect">
+            <a:avLst/>
+          </a:prstGeom>
+        </p:spPr>
+      </p:pic>
     </p:spTree>
     <p:extLst>
       <p:ext uri="{BB962C8B-B14F-4D97-AF65-F5344CB8AC3E}">
@@ -4364,36 +4632,6 @@
           </a:fontRef>
         </p:style>
       </p:cxnSp>
-      <p:pic>
-        <p:nvPicPr>
-          <p:cNvPr id="18" name="Grafik 17"/>
-          <p:cNvPicPr>
-            <a:picLocks noChangeAspect="1"/>
-          </p:cNvPicPr>
-          <p:nvPr userDrawn="1"/>
-        </p:nvPicPr>
-        <p:blipFill>
-          <a:blip r:embed="rId2" cstate="print">
-            <a:extLst>
-              <a:ext uri="{28A0092B-C50C-407E-A947-70E740481C1C}">
-                <a14:useLocalDpi xmlns:a14="http://schemas.microsoft.com/office/drawing/2010/main" val="0"/>
-              </a:ext>
-            </a:extLst>
-          </a:blip>
-          <a:stretch>
-            <a:fillRect/>
-          </a:stretch>
-        </p:blipFill>
-        <p:spPr>
-          <a:xfrm>
-            <a:off x="4501564" y="9267750"/>
-            <a:ext cx="1884949" cy="324000"/>
-          </a:xfrm>
-          <a:prstGeom prst="rect">
-            <a:avLst/>
-          </a:prstGeom>
-        </p:spPr>
-      </p:pic>
       <p:sp>
         <p:nvSpPr>
           <p:cNvPr id="3" name="Rechteck 2"/>
@@ -4487,6 +4725,47 @@
       <p:pic>
         <p:nvPicPr>
           <p:cNvPr id="1027" name="Picture 3" descr="https://creativecommons.org/images/deed/attribution_icon_white_x2.png"/>
+          <p:cNvPicPr>
+            <a:picLocks noChangeAspect="1" noChangeArrowheads="1"/>
+          </p:cNvPicPr>
+          <p:nvPr userDrawn="1"/>
+        </p:nvPicPr>
+        <p:blipFill>
+          <a:blip r:embed="rId2">
+            <a:extLst>
+              <a:ext uri="{28A0092B-C50C-407E-A947-70E740481C1C}">
+                <a14:useLocalDpi xmlns:a14="http://schemas.microsoft.com/office/drawing/2010/main" val="0"/>
+              </a:ext>
+            </a:extLst>
+          </a:blip>
+          <a:srcRect/>
+          <a:stretch>
+            <a:fillRect/>
+          </a:stretch>
+        </p:blipFill>
+        <p:spPr bwMode="auto">
+          <a:xfrm>
+            <a:off x="3053968" y="7229447"/>
+            <a:ext cx="777865" cy="777865"/>
+          </a:xfrm>
+          <a:prstGeom prst="rect">
+            <a:avLst/>
+          </a:prstGeom>
+          <a:noFill/>
+          <a:extLst>
+            <a:ext uri="{909E8E84-426E-40DD-AFC4-6F175D3DCCD1}">
+              <a14:hiddenFill xmlns:a14="http://schemas.microsoft.com/office/drawing/2010/main">
+                <a:solidFill>
+                  <a:srgbClr val="FFFFFF"/>
+                </a:solidFill>
+              </a14:hiddenFill>
+            </a:ext>
+          </a:extLst>
+        </p:spPr>
+      </p:pic>
+      <p:pic>
+        <p:nvPicPr>
+          <p:cNvPr id="1028" name="Picture 4" descr="https://creativecommons.org/images/deed/sa_white_x2.png"/>
           <p:cNvPicPr>
             <a:picLocks noChangeAspect="1" noChangeArrowheads="1"/>
           </p:cNvPicPr>
@@ -4507,8 +4786,8 @@
         </p:blipFill>
         <p:spPr bwMode="auto">
           <a:xfrm>
-            <a:off x="3053968" y="7229447"/>
-            <a:ext cx="777865" cy="777865"/>
+            <a:off x="3837858" y="7231116"/>
+            <a:ext cx="784138" cy="784138"/>
           </a:xfrm>
           <a:prstGeom prst="rect">
             <a:avLst/>
@@ -4527,7 +4806,7 @@
       </p:pic>
       <p:pic>
         <p:nvPicPr>
-          <p:cNvPr id="1028" name="Picture 4" descr="https://creativecommons.org/images/deed/sa_white_x2.png"/>
+          <p:cNvPr id="1026" name="Picture 2" descr="cc logo"/>
           <p:cNvPicPr>
             <a:picLocks noChangeAspect="1" noChangeArrowheads="1"/>
           </p:cNvPicPr>
@@ -4548,47 +4827,6 @@
         </p:blipFill>
         <p:spPr bwMode="auto">
           <a:xfrm>
-            <a:off x="3837858" y="7231116"/>
-            <a:ext cx="784138" cy="784138"/>
-          </a:xfrm>
-          <a:prstGeom prst="rect">
-            <a:avLst/>
-          </a:prstGeom>
-          <a:noFill/>
-          <a:extLst>
-            <a:ext uri="{909E8E84-426E-40DD-AFC4-6F175D3DCCD1}">
-              <a14:hiddenFill xmlns:a14="http://schemas.microsoft.com/office/drawing/2010/main">
-                <a:solidFill>
-                  <a:srgbClr val="FFFFFF"/>
-                </a:solidFill>
-              </a14:hiddenFill>
-            </a:ext>
-          </a:extLst>
-        </p:spPr>
-      </p:pic>
-      <p:pic>
-        <p:nvPicPr>
-          <p:cNvPr id="1026" name="Picture 2" descr="cc logo"/>
-          <p:cNvPicPr>
-            <a:picLocks noChangeAspect="1" noChangeArrowheads="1"/>
-          </p:cNvPicPr>
-          <p:nvPr userDrawn="1"/>
-        </p:nvPicPr>
-        <p:blipFill>
-          <a:blip r:embed="rId5">
-            <a:extLst>
-              <a:ext uri="{28A0092B-C50C-407E-A947-70E740481C1C}">
-                <a14:useLocalDpi xmlns:a14="http://schemas.microsoft.com/office/drawing/2010/main" val="0"/>
-              </a:ext>
-            </a:extLst>
-          </a:blip>
-          <a:srcRect/>
-          <a:stretch>
-            <a:fillRect/>
-          </a:stretch>
-        </p:blipFill>
-        <p:spPr bwMode="auto">
-          <a:xfrm>
             <a:off x="2276103" y="7237389"/>
             <a:ext cx="777865" cy="777865"/>
           </a:xfrm>
@@ -4675,7 +4913,49 @@
       </p:sp>
       <p:pic>
         <p:nvPicPr>
-          <p:cNvPr id="19" name="Grafik 18"/>
+          <p:cNvPr id="17" name="Grafik 16">
+            <a:extLst>
+              <a:ext uri="{FF2B5EF4-FFF2-40B4-BE49-F238E27FC236}">
+                <a16:creationId xmlns:a16="http://schemas.microsoft.com/office/drawing/2014/main" id="{04D06512-3B88-4B2E-86E6-8B362D06D858}"/>
+              </a:ext>
+            </a:extLst>
+          </p:cNvPr>
+          <p:cNvPicPr>
+            <a:picLocks noChangeAspect="1"/>
+          </p:cNvPicPr>
+          <p:nvPr userDrawn="1"/>
+        </p:nvPicPr>
+        <p:blipFill>
+          <a:blip r:embed="rId5" cstate="print">
+            <a:extLst>
+              <a:ext uri="{28A0092B-C50C-407E-A947-70E740481C1C}">
+                <a14:useLocalDpi xmlns:a14="http://schemas.microsoft.com/office/drawing/2010/main" val="0"/>
+              </a:ext>
+            </a:extLst>
+          </a:blip>
+          <a:stretch>
+            <a:fillRect/>
+          </a:stretch>
+        </p:blipFill>
+        <p:spPr>
+          <a:xfrm>
+            <a:off x="4501564" y="9267750"/>
+            <a:ext cx="1884949" cy="324000"/>
+          </a:xfrm>
+          <a:prstGeom prst="rect">
+            <a:avLst/>
+          </a:prstGeom>
+        </p:spPr>
+      </p:pic>
+      <p:pic>
+        <p:nvPicPr>
+          <p:cNvPr id="20" name="Grafik 19">
+            <a:extLst>
+              <a:ext uri="{FF2B5EF4-FFF2-40B4-BE49-F238E27FC236}">
+                <a16:creationId xmlns:a16="http://schemas.microsoft.com/office/drawing/2014/main" id="{BCB86E87-69AC-42B1-87A0-B7CDEA0B2EE9}"/>
+              </a:ext>
+            </a:extLst>
+          </p:cNvPr>
           <p:cNvPicPr>
             <a:picLocks noChangeAspect="1"/>
           </p:cNvPicPr>
@@ -4704,10 +4984,10 @@
       </p:pic>
       <p:pic>
         <p:nvPicPr>
-          <p:cNvPr id="15" name="Grafik 14">
+          <p:cNvPr id="21" name="Grafik 20">
             <a:extLst>
               <a:ext uri="{FF2B5EF4-FFF2-40B4-BE49-F238E27FC236}">
-                <a16:creationId xmlns:a16="http://schemas.microsoft.com/office/drawing/2014/main" id="{E0D88E05-4044-4CD3-857D-D6FBB5E34C94}"/>
+                <a16:creationId xmlns:a16="http://schemas.microsoft.com/office/drawing/2014/main" id="{F792E20D-A8D9-4D6B-A34D-468D7081DCA6}"/>
               </a:ext>
             </a:extLst>
           </p:cNvPr>
@@ -4730,8 +5010,44 @@
         </p:blipFill>
         <p:spPr>
           <a:xfrm>
-            <a:off x="2085603" y="9106248"/>
+            <a:off x="2074069" y="9099550"/>
             <a:ext cx="381000" cy="571500"/>
+          </a:xfrm>
+          <a:prstGeom prst="rect">
+            <a:avLst/>
+          </a:prstGeom>
+        </p:spPr>
+      </p:pic>
+      <p:pic>
+        <p:nvPicPr>
+          <p:cNvPr id="22" name="Grafik 21">
+            <a:extLst>
+              <a:ext uri="{FF2B5EF4-FFF2-40B4-BE49-F238E27FC236}">
+                <a16:creationId xmlns:a16="http://schemas.microsoft.com/office/drawing/2014/main" id="{15868057-F9E3-4CA6-9F1C-16A3D5734EFF}"/>
+              </a:ext>
+            </a:extLst>
+          </p:cNvPr>
+          <p:cNvPicPr>
+            <a:picLocks noChangeAspect="1"/>
+          </p:cNvPicPr>
+          <p:nvPr userDrawn="1"/>
+        </p:nvPicPr>
+        <p:blipFill>
+          <a:blip r:embed="rId8" cstate="print">
+            <a:extLst>
+              <a:ext uri="{28A0092B-C50C-407E-A947-70E740481C1C}">
+                <a14:useLocalDpi xmlns:a14="http://schemas.microsoft.com/office/drawing/2010/main" val="0"/>
+              </a:ext>
+            </a:extLst>
+          </a:blip>
+          <a:stretch>
+            <a:fillRect/>
+          </a:stretch>
+        </p:blipFill>
+        <p:spPr>
+          <a:xfrm>
+            <a:off x="3590172" y="8960427"/>
+            <a:ext cx="911392" cy="911392"/>
           </a:xfrm>
           <a:prstGeom prst="rect">
             <a:avLst/>
@@ -4818,7 +5134,7 @@
           <a:p>
             <a:fld id="{FC9269F9-6F79-4414-A84E-D81C6C443C37}" type="datetimeFigureOut">
               <a:rPr lang="de-DE" smtClean="0"/>
-              <a:t>06.12.2019</a:t>
+              <a:t>11.12.2019</a:t>
             </a:fld>
             <a:endParaRPr lang="de-DE"/>
           </a:p>
@@ -4994,6 +5310,149 @@
           </a:p>
         </p:txBody>
       </p:sp>
+      <p:pic>
+        <p:nvPicPr>
+          <p:cNvPr id="10" name="Grafik 9">
+            <a:extLst>
+              <a:ext uri="{FF2B5EF4-FFF2-40B4-BE49-F238E27FC236}">
+                <a16:creationId xmlns:a16="http://schemas.microsoft.com/office/drawing/2014/main" id="{929F06D2-91F7-4F6C-AABA-F794103B54CF}"/>
+              </a:ext>
+            </a:extLst>
+          </p:cNvPr>
+          <p:cNvPicPr>
+            <a:picLocks noChangeAspect="1"/>
+          </p:cNvPicPr>
+          <p:nvPr userDrawn="1"/>
+        </p:nvPicPr>
+        <p:blipFill>
+          <a:blip r:embed="rId2" cstate="print">
+            <a:extLst>
+              <a:ext uri="{28A0092B-C50C-407E-A947-70E740481C1C}">
+                <a14:useLocalDpi xmlns:a14="http://schemas.microsoft.com/office/drawing/2010/main" val="0"/>
+              </a:ext>
+            </a:extLst>
+          </a:blip>
+          <a:stretch>
+            <a:fillRect/>
+          </a:stretch>
+        </p:blipFill>
+        <p:spPr>
+          <a:xfrm>
+            <a:off x="4501564" y="9267750"/>
+            <a:ext cx="1884949" cy="324000"/>
+          </a:xfrm>
+          <a:prstGeom prst="rect">
+            <a:avLst/>
+          </a:prstGeom>
+        </p:spPr>
+      </p:pic>
+      <p:pic>
+        <p:nvPicPr>
+          <p:cNvPr id="11" name="Grafik 10">
+            <a:extLst>
+              <a:ext uri="{FF2B5EF4-FFF2-40B4-BE49-F238E27FC236}">
+                <a16:creationId xmlns:a16="http://schemas.microsoft.com/office/drawing/2014/main" id="{92DEE985-B4C7-414D-B766-FD111D7E7C49}"/>
+              </a:ext>
+            </a:extLst>
+          </p:cNvPr>
+          <p:cNvPicPr>
+            <a:picLocks noChangeAspect="1"/>
+          </p:cNvPicPr>
+          <p:nvPr userDrawn="1"/>
+        </p:nvPicPr>
+        <p:blipFill rotWithShape="1">
+          <a:blip r:embed="rId3" cstate="print">
+            <a:extLst>
+              <a:ext uri="{28A0092B-C50C-407E-A947-70E740481C1C}">
+                <a14:useLocalDpi xmlns:a14="http://schemas.microsoft.com/office/drawing/2010/main" val="0"/>
+              </a:ext>
+            </a:extLst>
+          </a:blip>
+          <a:srcRect t="15984" b="15885"/>
+          <a:stretch/>
+        </p:blipFill>
+        <p:spPr>
+          <a:xfrm>
+            <a:off x="471488" y="9224307"/>
+            <a:ext cx="1604044" cy="453441"/>
+          </a:xfrm>
+          <a:prstGeom prst="rect">
+            <a:avLst/>
+          </a:prstGeom>
+        </p:spPr>
+      </p:pic>
+      <p:pic>
+        <p:nvPicPr>
+          <p:cNvPr id="13" name="Grafik 12">
+            <a:extLst>
+              <a:ext uri="{FF2B5EF4-FFF2-40B4-BE49-F238E27FC236}">
+                <a16:creationId xmlns:a16="http://schemas.microsoft.com/office/drawing/2014/main" id="{DAE7A89C-3957-4558-9C7E-62FA43E8BA74}"/>
+              </a:ext>
+            </a:extLst>
+          </p:cNvPr>
+          <p:cNvPicPr>
+            <a:picLocks noChangeAspect="1"/>
+          </p:cNvPicPr>
+          <p:nvPr userDrawn="1"/>
+        </p:nvPicPr>
+        <p:blipFill>
+          <a:blip r:embed="rId4" cstate="print">
+            <a:extLst>
+              <a:ext uri="{28A0092B-C50C-407E-A947-70E740481C1C}">
+                <a14:useLocalDpi xmlns:a14="http://schemas.microsoft.com/office/drawing/2010/main" val="0"/>
+              </a:ext>
+            </a:extLst>
+          </a:blip>
+          <a:stretch>
+            <a:fillRect/>
+          </a:stretch>
+        </p:blipFill>
+        <p:spPr>
+          <a:xfrm>
+            <a:off x="2074069" y="9099550"/>
+            <a:ext cx="381000" cy="571500"/>
+          </a:xfrm>
+          <a:prstGeom prst="rect">
+            <a:avLst/>
+          </a:prstGeom>
+        </p:spPr>
+      </p:pic>
+      <p:pic>
+        <p:nvPicPr>
+          <p:cNvPr id="15" name="Grafik 14">
+            <a:extLst>
+              <a:ext uri="{FF2B5EF4-FFF2-40B4-BE49-F238E27FC236}">
+                <a16:creationId xmlns:a16="http://schemas.microsoft.com/office/drawing/2014/main" id="{B7FB9A39-7D1B-4EDC-BA2F-AF1683CC0A50}"/>
+              </a:ext>
+            </a:extLst>
+          </p:cNvPr>
+          <p:cNvPicPr>
+            <a:picLocks noChangeAspect="1"/>
+          </p:cNvPicPr>
+          <p:nvPr userDrawn="1"/>
+        </p:nvPicPr>
+        <p:blipFill>
+          <a:blip r:embed="rId5" cstate="print">
+            <a:extLst>
+              <a:ext uri="{28A0092B-C50C-407E-A947-70E740481C1C}">
+                <a14:useLocalDpi xmlns:a14="http://schemas.microsoft.com/office/drawing/2010/main" val="0"/>
+              </a:ext>
+            </a:extLst>
+          </a:blip>
+          <a:stretch>
+            <a:fillRect/>
+          </a:stretch>
+        </p:blipFill>
+        <p:spPr>
+          <a:xfrm>
+            <a:off x="3590172" y="8960427"/>
+            <a:ext cx="911392" cy="911392"/>
+          </a:xfrm>
+          <a:prstGeom prst="rect">
+            <a:avLst/>
+          </a:prstGeom>
+        </p:spPr>
+      </p:pic>
     </p:spTree>
     <p:extLst>
       <p:ext uri="{BB962C8B-B14F-4D97-AF65-F5344CB8AC3E}">
@@ -5041,7 +5500,7 @@
           <a:p>
             <a:fld id="{FC9269F9-6F79-4414-A84E-D81C6C443C37}" type="datetimeFigureOut">
               <a:rPr lang="de-DE" smtClean="0"/>
-              <a:t>06.12.2019</a:t>
+              <a:t>11.12.2019</a:t>
             </a:fld>
             <a:endParaRPr lang="de-DE"/>
           </a:p>
@@ -5254,7 +5713,7 @@
           <a:p>
             <a:fld id="{FC9269F9-6F79-4414-A84E-D81C6C443C37}" type="datetimeFigureOut">
               <a:rPr lang="de-DE" smtClean="0"/>
-              <a:t>06.12.2019</a:t>
+              <a:t>11.12.2019</a:t>
             </a:fld>
             <a:endParaRPr lang="de-DE"/>
           </a:p>
@@ -5339,6 +5798,149 @@
           </a:p>
         </p:txBody>
       </p:sp>
+      <p:pic>
+        <p:nvPicPr>
+          <p:cNvPr id="7" name="Grafik 6">
+            <a:extLst>
+              <a:ext uri="{FF2B5EF4-FFF2-40B4-BE49-F238E27FC236}">
+                <a16:creationId xmlns:a16="http://schemas.microsoft.com/office/drawing/2014/main" id="{5FA4F015-B96C-4418-8363-6EEF29AED650}"/>
+              </a:ext>
+            </a:extLst>
+          </p:cNvPr>
+          <p:cNvPicPr>
+            <a:picLocks noChangeAspect="1"/>
+          </p:cNvPicPr>
+          <p:nvPr userDrawn="1"/>
+        </p:nvPicPr>
+        <p:blipFill>
+          <a:blip r:embed="rId10" cstate="print">
+            <a:extLst>
+              <a:ext uri="{28A0092B-C50C-407E-A947-70E740481C1C}">
+                <a14:useLocalDpi xmlns:a14="http://schemas.microsoft.com/office/drawing/2010/main" val="0"/>
+              </a:ext>
+            </a:extLst>
+          </a:blip>
+          <a:stretch>
+            <a:fillRect/>
+          </a:stretch>
+        </p:blipFill>
+        <p:spPr>
+          <a:xfrm>
+            <a:off x="4501564" y="9267750"/>
+            <a:ext cx="1884949" cy="324000"/>
+          </a:xfrm>
+          <a:prstGeom prst="rect">
+            <a:avLst/>
+          </a:prstGeom>
+        </p:spPr>
+      </p:pic>
+      <p:pic>
+        <p:nvPicPr>
+          <p:cNvPr id="8" name="Grafik 7">
+            <a:extLst>
+              <a:ext uri="{FF2B5EF4-FFF2-40B4-BE49-F238E27FC236}">
+                <a16:creationId xmlns:a16="http://schemas.microsoft.com/office/drawing/2014/main" id="{C7D9AD58-EFF3-4ABE-8705-15CD902437AE}"/>
+              </a:ext>
+            </a:extLst>
+          </p:cNvPr>
+          <p:cNvPicPr>
+            <a:picLocks noChangeAspect="1"/>
+          </p:cNvPicPr>
+          <p:nvPr userDrawn="1"/>
+        </p:nvPicPr>
+        <p:blipFill rotWithShape="1">
+          <a:blip r:embed="rId11" cstate="print">
+            <a:extLst>
+              <a:ext uri="{28A0092B-C50C-407E-A947-70E740481C1C}">
+                <a14:useLocalDpi xmlns:a14="http://schemas.microsoft.com/office/drawing/2010/main" val="0"/>
+              </a:ext>
+            </a:extLst>
+          </a:blip>
+          <a:srcRect t="15984" b="15885"/>
+          <a:stretch/>
+        </p:blipFill>
+        <p:spPr>
+          <a:xfrm>
+            <a:off x="471488" y="9224307"/>
+            <a:ext cx="1604044" cy="453441"/>
+          </a:xfrm>
+          <a:prstGeom prst="rect">
+            <a:avLst/>
+          </a:prstGeom>
+        </p:spPr>
+      </p:pic>
+      <p:pic>
+        <p:nvPicPr>
+          <p:cNvPr id="9" name="Grafik 8">
+            <a:extLst>
+              <a:ext uri="{FF2B5EF4-FFF2-40B4-BE49-F238E27FC236}">
+                <a16:creationId xmlns:a16="http://schemas.microsoft.com/office/drawing/2014/main" id="{C28CA386-88C1-46EF-A73B-01DF29D41865}"/>
+              </a:ext>
+            </a:extLst>
+          </p:cNvPr>
+          <p:cNvPicPr>
+            <a:picLocks noChangeAspect="1"/>
+          </p:cNvPicPr>
+          <p:nvPr userDrawn="1"/>
+        </p:nvPicPr>
+        <p:blipFill>
+          <a:blip r:embed="rId12" cstate="print">
+            <a:extLst>
+              <a:ext uri="{28A0092B-C50C-407E-A947-70E740481C1C}">
+                <a14:useLocalDpi xmlns:a14="http://schemas.microsoft.com/office/drawing/2010/main" val="0"/>
+              </a:ext>
+            </a:extLst>
+          </a:blip>
+          <a:stretch>
+            <a:fillRect/>
+          </a:stretch>
+        </p:blipFill>
+        <p:spPr>
+          <a:xfrm>
+            <a:off x="2074069" y="9099550"/>
+            <a:ext cx="381000" cy="571500"/>
+          </a:xfrm>
+          <a:prstGeom prst="rect">
+            <a:avLst/>
+          </a:prstGeom>
+        </p:spPr>
+      </p:pic>
+      <p:pic>
+        <p:nvPicPr>
+          <p:cNvPr id="10" name="Grafik 9">
+            <a:extLst>
+              <a:ext uri="{FF2B5EF4-FFF2-40B4-BE49-F238E27FC236}">
+                <a16:creationId xmlns:a16="http://schemas.microsoft.com/office/drawing/2014/main" id="{020C2C32-FD21-40E9-8D26-E6EF0A13935B}"/>
+              </a:ext>
+            </a:extLst>
+          </p:cNvPr>
+          <p:cNvPicPr>
+            <a:picLocks noChangeAspect="1"/>
+          </p:cNvPicPr>
+          <p:nvPr userDrawn="1"/>
+        </p:nvPicPr>
+        <p:blipFill>
+          <a:blip r:embed="rId13" cstate="print">
+            <a:extLst>
+              <a:ext uri="{28A0092B-C50C-407E-A947-70E740481C1C}">
+                <a14:useLocalDpi xmlns:a14="http://schemas.microsoft.com/office/drawing/2010/main" val="0"/>
+              </a:ext>
+            </a:extLst>
+          </a:blip>
+          <a:stretch>
+            <a:fillRect/>
+          </a:stretch>
+        </p:blipFill>
+        <p:spPr>
+          <a:xfrm>
+            <a:off x="3590172" y="8960427"/>
+            <a:ext cx="911392" cy="911392"/>
+          </a:xfrm>
+          <a:prstGeom prst="rect">
+            <a:avLst/>
+          </a:prstGeom>
+        </p:spPr>
+      </p:pic>
     </p:spTree>
     <p:extLst>
       <p:ext uri="{BB962C8B-B14F-4D97-AF65-F5344CB8AC3E}">
@@ -6230,7 +6832,7 @@
             </a:r>
             <a:r>
               <a:rPr lang="de-DE" sz="1400" dirty="0"/>
-              <a:t>in </a:t>
+              <a:t>im </a:t>
             </a:r>
             <a:br>
               <a:rPr lang="de-DE" sz="1400" dirty="0"/>
@@ -6411,7 +7013,7 @@
             </a:pPr>
             <a:r>
               <a:rPr lang="de-DE" sz="1400" dirty="0"/>
-              <a:t>Bei jeder Änderung des Programms muss es neu auf den </a:t>
+              <a:t>Bei jeder Änderung des Programmes muss es neu auf den </a:t>
             </a:r>
             <a:r>
               <a:rPr lang="de-DE" sz="1400" dirty="0" err="1"/>
@@ -7221,10 +7823,9 @@
               <a:buChar char="•"/>
             </a:pPr>
             <a:r>
-              <a:rPr lang="de-DE" sz="1600" dirty="0" err="1"/>
-              <a:t>Sensorenwerte</a:t>
-            </a:r>
-            <a:endParaRPr lang="de-DE" sz="1600" dirty="0"/>
+              <a:rPr lang="de-DE" sz="1600" dirty="0"/>
+              <a:t>Sensorwerte</a:t>
+            </a:r>
           </a:p>
           <a:p>
             <a:r>
@@ -11293,7 +11894,7 @@
             <p:ph sz="quarter" idx="14"/>
             <p:extLst>
               <p:ext uri="{D42A27DB-BD31-4B8C-83A1-F6EECF244321}">
-                <p14:modId xmlns:p14="http://schemas.microsoft.com/office/powerpoint/2010/main" val="2114422731"/>
+                <p14:modId xmlns:p14="http://schemas.microsoft.com/office/powerpoint/2010/main" val="1439311298"/>
               </p:ext>
             </p:extLst>
           </p:nvPr>
@@ -12412,7 +13013,7 @@
         </p:nvSpPr>
         <p:spPr>
           <a:xfrm>
-            <a:off x="468000" y="7425092"/>
+            <a:off x="468000" y="7189386"/>
             <a:ext cx="6092820" cy="1723549"/>
           </a:xfrm>
           <a:prstGeom prst="rect">
@@ -12652,7 +13253,7 @@
           <a:p>
             <a:r>
               <a:rPr lang="de-DE" dirty="0"/>
-              <a:t>Bei einem analogen Input liefert der Sensor Messdaten mit einem kontinuierlichen Wertebereich. Beim Kompass ist dies beispielsweise ein Wertebereich von 1° bis 360°. Ein analoger Input wie der Kompass kann also 360 verschiedene Werte messen. Ein analoger Output hat ebenfalls einen kontinuierlichen Wertebereich.</a:t>
+              <a:t>Bei einem analogen Input liefert der Sensor Messdaten mit einem kontinuierlichen Wertebereich. Beim Kompass ist dies beispielsweise ein Wertebereich von 1° bis 360°. So kann zu jeder Zeit der Kompass abgelesen werden bzw. mit einer Lupe könnte man auch beliebig viele Zwischenwerte ablesen. Ein analoger Output hat ebenfalls einen kontinuierlichen Wertebereich.</a:t>
             </a:r>
           </a:p>
           <a:p>
@@ -12972,7 +13573,7 @@
         </p:blipFill>
         <p:spPr bwMode="auto">
           <a:xfrm>
-            <a:off x="2002664" y="4043045"/>
+            <a:off x="1947309" y="3544206"/>
             <a:ext cx="2809875" cy="1825625"/>
           </a:xfrm>
           <a:prstGeom prst="rect">
@@ -13008,7 +13609,7 @@
         </p:blipFill>
         <p:spPr>
           <a:xfrm>
-            <a:off x="4639406" y="2200512"/>
+            <a:off x="4678665" y="1906315"/>
             <a:ext cx="1918335" cy="1439545"/>
           </a:xfrm>
           <a:prstGeom prst="rect">
@@ -13036,7 +13637,7 @@
         </p:blipFill>
         <p:spPr>
           <a:xfrm>
-            <a:off x="4639406" y="6214743"/>
+            <a:off x="4637499" y="5565695"/>
             <a:ext cx="1922145" cy="1439545"/>
           </a:xfrm>
           <a:prstGeom prst="rect">
@@ -13064,7 +13665,7 @@
         </p:blipFill>
         <p:spPr>
           <a:xfrm>
-            <a:off x="250316" y="2195512"/>
+            <a:off x="208225" y="1906315"/>
             <a:ext cx="1918335" cy="1439545"/>
           </a:xfrm>
           <a:prstGeom prst="rect">
@@ -13092,7 +13693,7 @@
         </p:blipFill>
         <p:spPr>
           <a:xfrm>
-            <a:off x="250316" y="6214744"/>
+            <a:off x="204415" y="5565696"/>
             <a:ext cx="1922145" cy="1439545"/>
           </a:xfrm>
           <a:prstGeom prst="rect">
@@ -13120,7 +13721,7 @@
         </p:blipFill>
         <p:spPr>
           <a:xfrm>
-            <a:off x="2661794" y="6471285"/>
+            <a:off x="2606121" y="5797238"/>
             <a:ext cx="1492250" cy="2917825"/>
           </a:xfrm>
           <a:prstGeom prst="rect">
@@ -13148,7 +13749,7 @@
         </p:blipFill>
         <p:spPr>
           <a:xfrm>
-            <a:off x="2360169" y="1771650"/>
+            <a:off x="2356581" y="1324021"/>
             <a:ext cx="2094865" cy="1439545"/>
           </a:xfrm>
           <a:prstGeom prst="rect">
@@ -13164,7 +13765,7 @@
         </p:nvSpPr>
         <p:spPr>
           <a:xfrm>
-            <a:off x="666794" y="3650564"/>
+            <a:off x="624703" y="3409115"/>
             <a:ext cx="1085378" cy="338554"/>
           </a:xfrm>
           <a:prstGeom prst="rect">
@@ -13193,7 +13794,7 @@
         </p:nvSpPr>
         <p:spPr>
           <a:xfrm>
-            <a:off x="2509092" y="3201271"/>
+            <a:off x="2482704" y="2763566"/>
             <a:ext cx="1839816" cy="584775"/>
           </a:xfrm>
           <a:prstGeom prst="rect">
@@ -13223,7 +13824,7 @@
         </p:nvSpPr>
         <p:spPr>
           <a:xfrm>
-            <a:off x="4678665" y="3647385"/>
+            <a:off x="4757184" y="3409115"/>
             <a:ext cx="1839816" cy="830997"/>
           </a:xfrm>
           <a:prstGeom prst="rect">
@@ -13268,7 +13869,7 @@
         </p:nvSpPr>
         <p:spPr>
           <a:xfrm>
-            <a:off x="2763035" y="5868670"/>
+            <a:off x="2784434" y="5396419"/>
             <a:ext cx="1289132" cy="338554"/>
           </a:xfrm>
           <a:prstGeom prst="rect">
@@ -13301,7 +13902,7 @@
         </p:nvSpPr>
         <p:spPr>
           <a:xfrm>
-            <a:off x="4819545" y="7654288"/>
+            <a:off x="4819543" y="7031827"/>
             <a:ext cx="1558055" cy="338554"/>
           </a:xfrm>
           <a:prstGeom prst="rect">
@@ -13337,7 +13938,7 @@
         </p:nvSpPr>
         <p:spPr>
           <a:xfrm>
-            <a:off x="694951" y="7667422"/>
+            <a:off x="650955" y="7068021"/>
             <a:ext cx="1029064" cy="338554"/>
           </a:xfrm>
           <a:prstGeom prst="rect">
@@ -13365,7 +13966,7 @@
         </p:nvSpPr>
         <p:spPr>
           <a:xfrm>
-            <a:off x="2653986" y="9369815"/>
+            <a:off x="2678971" y="8700671"/>
             <a:ext cx="1500057" cy="338554"/>
           </a:xfrm>
           <a:prstGeom prst="rect">

--- a/Einfuerung/ChallengeCart-Einfuerung.pptx
+++ b/Einfuerung/ChallengeCart-Einfuerung.pptx
@@ -1988,7 +1988,7 @@
           <a:p>
             <a:fld id="{DD7A25D8-F173-4133-85F8-CB962D678EB5}" type="datetimeFigureOut">
               <a:rPr lang="de-DE" smtClean="0"/>
-              <a:t>11.12.2019</a:t>
+              <a:t>02.01.2020</a:t>
             </a:fld>
             <a:endParaRPr lang="de-DE"/>
           </a:p>
@@ -2386,7 +2386,7 @@
           <a:p>
             <a:fld id="{FC9269F9-6F79-4414-A84E-D81C6C443C37}" type="datetimeFigureOut">
               <a:rPr lang="de-DE" smtClean="0"/>
-              <a:t>11.12.2019</a:t>
+              <a:t>02.01.2020</a:t>
             </a:fld>
             <a:endParaRPr lang="de-DE"/>
           </a:p>
@@ -3593,7 +3593,7 @@
           <a:p>
             <a:fld id="{FC9269F9-6F79-4414-A84E-D81C6C443C37}" type="datetimeFigureOut">
               <a:rPr lang="de-DE" smtClean="0"/>
-              <a:t>11.12.2019</a:t>
+              <a:t>02.01.2020</a:t>
             </a:fld>
             <a:endParaRPr lang="de-DE"/>
           </a:p>
@@ -4144,7 +4144,7 @@
           <a:p>
             <a:fld id="{FC9269F9-6F79-4414-A84E-D81C6C443C37}" type="datetimeFigureOut">
               <a:rPr lang="de-DE" smtClean="0"/>
-              <a:t>11.12.2019</a:t>
+              <a:t>02.01.2020</a:t>
             </a:fld>
             <a:endParaRPr lang="de-DE"/>
           </a:p>
@@ -5134,7 +5134,7 @@
           <a:p>
             <a:fld id="{FC9269F9-6F79-4414-A84E-D81C6C443C37}" type="datetimeFigureOut">
               <a:rPr lang="de-DE" smtClean="0"/>
-              <a:t>11.12.2019</a:t>
+              <a:t>02.01.2020</a:t>
             </a:fld>
             <a:endParaRPr lang="de-DE"/>
           </a:p>
@@ -5500,7 +5500,7 @@
           <a:p>
             <a:fld id="{FC9269F9-6F79-4414-A84E-D81C6C443C37}" type="datetimeFigureOut">
               <a:rPr lang="de-DE" smtClean="0"/>
-              <a:t>11.12.2019</a:t>
+              <a:t>02.01.2020</a:t>
             </a:fld>
             <a:endParaRPr lang="de-DE"/>
           </a:p>
@@ -5713,7 +5713,7 @@
           <a:p>
             <a:fld id="{FC9269F9-6F79-4414-A84E-D81C6C443C37}" type="datetimeFigureOut">
               <a:rPr lang="de-DE" smtClean="0"/>
-              <a:t>11.12.2019</a:t>
+              <a:t>02.01.2020</a:t>
             </a:fld>
             <a:endParaRPr lang="de-DE"/>
           </a:p>
@@ -8682,8 +8682,8 @@
               <a:buAutoNum type="arabicPeriod"/>
             </a:pPr>
             <a:r>
-              <a:rPr lang="de-DE" sz="1400" dirty="0" err="1"/>
-              <a:t>Terimin</a:t>
+              <a:rPr lang="de-DE" sz="1400"/>
+              <a:t>Theremin</a:t>
             </a:r>
             <a:endParaRPr lang="de-DE" sz="1400" dirty="0"/>
           </a:p>

--- a/Einfuerung/ChallengeCart-Einfuerung.pptx
+++ b/Einfuerung/ChallengeCart-Einfuerung.pptx
@@ -1988,7 +1988,7 @@
           <a:p>
             <a:fld id="{DD7A25D8-F173-4133-85F8-CB962D678EB5}" type="datetimeFigureOut">
               <a:rPr lang="de-DE" smtClean="0"/>
-              <a:t>02.01.2020</a:t>
+              <a:t>22.01.2020</a:t>
             </a:fld>
             <a:endParaRPr lang="de-DE"/>
           </a:p>
@@ -2386,7 +2386,7 @@
           <a:p>
             <a:fld id="{FC9269F9-6F79-4414-A84E-D81C6C443C37}" type="datetimeFigureOut">
               <a:rPr lang="de-DE" smtClean="0"/>
-              <a:t>02.01.2020</a:t>
+              <a:t>22.01.2020</a:t>
             </a:fld>
             <a:endParaRPr lang="de-DE"/>
           </a:p>
@@ -3593,7 +3593,7 @@
           <a:p>
             <a:fld id="{FC9269F9-6F79-4414-A84E-D81C6C443C37}" type="datetimeFigureOut">
               <a:rPr lang="de-DE" smtClean="0"/>
-              <a:t>02.01.2020</a:t>
+              <a:t>22.01.2020</a:t>
             </a:fld>
             <a:endParaRPr lang="de-DE"/>
           </a:p>
@@ -4144,7 +4144,7 @@
           <a:p>
             <a:fld id="{FC9269F9-6F79-4414-A84E-D81C6C443C37}" type="datetimeFigureOut">
               <a:rPr lang="de-DE" smtClean="0"/>
-              <a:t>02.01.2020</a:t>
+              <a:t>22.01.2020</a:t>
             </a:fld>
             <a:endParaRPr lang="de-DE"/>
           </a:p>
@@ -5134,7 +5134,7 @@
           <a:p>
             <a:fld id="{FC9269F9-6F79-4414-A84E-D81C6C443C37}" type="datetimeFigureOut">
               <a:rPr lang="de-DE" smtClean="0"/>
-              <a:t>02.01.2020</a:t>
+              <a:t>22.01.2020</a:t>
             </a:fld>
             <a:endParaRPr lang="de-DE"/>
           </a:p>
@@ -5500,7 +5500,7 @@
           <a:p>
             <a:fld id="{FC9269F9-6F79-4414-A84E-D81C6C443C37}" type="datetimeFigureOut">
               <a:rPr lang="de-DE" smtClean="0"/>
-              <a:t>02.01.2020</a:t>
+              <a:t>22.01.2020</a:t>
             </a:fld>
             <a:endParaRPr lang="de-DE"/>
           </a:p>
@@ -5713,7 +5713,7 @@
           <a:p>
             <a:fld id="{FC9269F9-6F79-4414-A84E-D81C6C443C37}" type="datetimeFigureOut">
               <a:rPr lang="de-DE" smtClean="0"/>
-              <a:t>02.01.2020</a:t>
+              <a:t>22.01.2020</a:t>
             </a:fld>
             <a:endParaRPr lang="de-DE"/>
           </a:p>
@@ -6272,22 +6272,16 @@
         <p:spPr/>
         <p:txBody>
           <a:bodyPr>
-            <a:normAutofit fontScale="90000"/>
+            <a:normAutofit/>
           </a:bodyPr>
           <a:lstStyle/>
           <a:p>
             <a:pPr algn="ctr"/>
             <a:r>
-              <a:rPr lang="de-DE" dirty="0"/>
-              <a:t>Aufgaben für </a:t>
-            </a:r>
-            <a:br>
-              <a:rPr lang="de-DE" dirty="0"/>
-            </a:br>
-            <a:r>
-              <a:rPr lang="de-DE" dirty="0"/>
-              <a:t>Messen – Steuern – Regeln </a:t>
-            </a:r>
+              <a:rPr lang="de-DE"/>
+              <a:t>Einführung</a:t>
+            </a:r>
+            <a:endParaRPr lang="de-DE" dirty="0"/>
           </a:p>
         </p:txBody>
       </p:sp>

--- a/Einfuerung/ChallengeCart-Einfuerung.pptx
+++ b/Einfuerung/ChallengeCart-Einfuerung.pptx
@@ -5,7 +5,7 @@
     <p:sldMasterId id="2147483660" r:id="rId1"/>
   </p:sldMasterIdLst>
   <p:notesMasterIdLst>
-    <p:notesMasterId r:id="rId17"/>
+    <p:notesMasterId r:id="rId18"/>
   </p:notesMasterIdLst>
   <p:sldIdLst>
     <p:sldId id="296" r:id="rId2"/>
@@ -17,12 +17,13 @@
     <p:sldId id="261" r:id="rId8"/>
     <p:sldId id="262" r:id="rId9"/>
     <p:sldId id="293" r:id="rId10"/>
-    <p:sldId id="294" r:id="rId11"/>
-    <p:sldId id="295" r:id="rId12"/>
-    <p:sldId id="263" r:id="rId13"/>
-    <p:sldId id="297" r:id="rId14"/>
-    <p:sldId id="298" r:id="rId15"/>
-    <p:sldId id="299" r:id="rId16"/>
+    <p:sldId id="300" r:id="rId11"/>
+    <p:sldId id="294" r:id="rId12"/>
+    <p:sldId id="295" r:id="rId13"/>
+    <p:sldId id="263" r:id="rId14"/>
+    <p:sldId id="297" r:id="rId15"/>
+    <p:sldId id="298" r:id="rId16"/>
+    <p:sldId id="299" r:id="rId17"/>
   </p:sldIdLst>
   <p:sldSz cx="6858000" cy="9906000" type="A4"/>
   <p:notesSz cx="6858000" cy="9144000"/>
@@ -1988,7 +1989,7 @@
           <a:p>
             <a:fld id="{DD7A25D8-F173-4133-85F8-CB962D678EB5}" type="datetimeFigureOut">
               <a:rPr lang="de-DE" smtClean="0"/>
-              <a:t>22.01.2020</a:t>
+              <a:t>21.07.2020</a:t>
             </a:fld>
             <a:endParaRPr lang="de-DE"/>
           </a:p>
@@ -2386,7 +2387,7 @@
           <a:p>
             <a:fld id="{FC9269F9-6F79-4414-A84E-D81C6C443C37}" type="datetimeFigureOut">
               <a:rPr lang="de-DE" smtClean="0"/>
-              <a:t>22.01.2020</a:t>
+              <a:t>21.07.2020</a:t>
             </a:fld>
             <a:endParaRPr lang="de-DE"/>
           </a:p>
@@ -3593,7 +3594,7 @@
           <a:p>
             <a:fld id="{FC9269F9-6F79-4414-A84E-D81C6C443C37}" type="datetimeFigureOut">
               <a:rPr lang="de-DE" smtClean="0"/>
-              <a:t>22.01.2020</a:t>
+              <a:t>21.07.2020</a:t>
             </a:fld>
             <a:endParaRPr lang="de-DE"/>
           </a:p>
@@ -4144,7 +4145,7 @@
           <a:p>
             <a:fld id="{FC9269F9-6F79-4414-A84E-D81C6C443C37}" type="datetimeFigureOut">
               <a:rPr lang="de-DE" smtClean="0"/>
-              <a:t>22.01.2020</a:t>
+              <a:t>21.07.2020</a:t>
             </a:fld>
             <a:endParaRPr lang="de-DE"/>
           </a:p>
@@ -5134,7 +5135,7 @@
           <a:p>
             <a:fld id="{FC9269F9-6F79-4414-A84E-D81C6C443C37}" type="datetimeFigureOut">
               <a:rPr lang="de-DE" smtClean="0"/>
-              <a:t>22.01.2020</a:t>
+              <a:t>21.07.2020</a:t>
             </a:fld>
             <a:endParaRPr lang="de-DE"/>
           </a:p>
@@ -5500,7 +5501,7 @@
           <a:p>
             <a:fld id="{FC9269F9-6F79-4414-A84E-D81C6C443C37}" type="datetimeFigureOut">
               <a:rPr lang="de-DE" smtClean="0"/>
-              <a:t>22.01.2020</a:t>
+              <a:t>21.07.2020</a:t>
             </a:fld>
             <a:endParaRPr lang="de-DE"/>
           </a:p>
@@ -5713,7 +5714,7 @@
           <a:p>
             <a:fld id="{FC9269F9-6F79-4414-A84E-D81C6C443C37}" type="datetimeFigureOut">
               <a:rPr lang="de-DE" smtClean="0"/>
-              <a:t>22.01.2020</a:t>
+              <a:t>21.07.2020</a:t>
             </a:fld>
             <a:endParaRPr lang="de-DE"/>
           </a:p>
@@ -6350,7 +6351,13 @@
       </p:grpSpPr>
       <p:sp>
         <p:nvSpPr>
-          <p:cNvPr id="2" name="Titel 1"/>
+          <p:cNvPr id="2" name="Titel 1">
+            <a:extLst>
+              <a:ext uri="{FF2B5EF4-FFF2-40B4-BE49-F238E27FC236}">
+                <a16:creationId xmlns:a16="http://schemas.microsoft.com/office/drawing/2014/main" id="{F01C108E-3D85-40F5-8AA6-15C99F4E024D}"/>
+              </a:ext>
+            </a:extLst>
+          </p:cNvPr>
           <p:cNvSpPr>
             <a:spLocks noGrp="1"/>
           </p:cNvSpPr>
@@ -6360,9 +6367,7 @@
         </p:nvSpPr>
         <p:spPr/>
         <p:txBody>
-          <a:bodyPr>
-            <a:normAutofit/>
-          </a:bodyPr>
+          <a:bodyPr/>
           <a:lstStyle/>
           <a:p>
             <a:r>
@@ -6375,18 +6380,109 @@
             </a:r>
             <a:r>
               <a:rPr lang="de-DE" dirty="0"/>
-              <a:t> schreiben</a:t>
-            </a:r>
-            <a:br>
-              <a:rPr lang="de-DE" dirty="0"/>
-            </a:br>
+              <a:t> </a:t>
+            </a:r>
+            <a:r>
+              <a:rPr lang="de-DE" dirty="0" err="1"/>
+              <a:t>chreiben</a:t>
+            </a:r>
             <a:endParaRPr lang="de-DE" dirty="0"/>
           </a:p>
         </p:txBody>
       </p:sp>
       <p:sp>
         <p:nvSpPr>
-          <p:cNvPr id="3" name="Textplatzhalter 2"/>
+          <p:cNvPr id="4" name="Inhaltsplatzhalter 3">
+            <a:extLst>
+              <a:ext uri="{FF2B5EF4-FFF2-40B4-BE49-F238E27FC236}">
+                <a16:creationId xmlns:a16="http://schemas.microsoft.com/office/drawing/2014/main" id="{EAB73A5D-D926-406C-8FA2-6AA88FADBBBB}"/>
+              </a:ext>
+            </a:extLst>
+          </p:cNvPr>
+          <p:cNvSpPr>
+            <a:spLocks noGrp="1"/>
+          </p:cNvSpPr>
+          <p:nvPr>
+            <p:ph sz="quarter" idx="14"/>
+          </p:nvPr>
+        </p:nvSpPr>
+        <p:spPr/>
+        <p:txBody>
+          <a:bodyPr/>
+          <a:lstStyle/>
+          <a:p>
+            <a:pPr lvl="0"/>
+            <a:r>
+              <a:rPr lang="de-DE" sz="1400" dirty="0"/>
+              <a:t>Der Editor teilt sich in 3 Bereiche </a:t>
+            </a:r>
+          </a:p>
+          <a:p>
+            <a:pPr marL="742950" lvl="1" indent="-400050">
+              <a:buFont typeface="+mj-lt"/>
+              <a:buAutoNum type="romanUcPeriod"/>
+            </a:pPr>
+            <a:r>
+              <a:rPr lang="de-DE" sz="1400" dirty="0"/>
+              <a:t>Voransicht &amp; Simulation (hier sieht man eine Simulation des Programmes ohne es vorher auf den </a:t>
+            </a:r>
+            <a:r>
+              <a:rPr lang="de-DE" sz="1400" dirty="0" err="1"/>
+              <a:t>Calliope</a:t>
+            </a:r>
+            <a:r>
+              <a:rPr lang="de-DE" sz="1400" dirty="0"/>
+              <a:t> Mini laden zu müssen)</a:t>
+            </a:r>
+          </a:p>
+          <a:p>
+            <a:pPr marL="742950" lvl="1" indent="-400050">
+              <a:buFont typeface="+mj-lt"/>
+              <a:buAutoNum type="romanUcPeriod"/>
+            </a:pPr>
+            <a:endParaRPr lang="de-DE" sz="1400" dirty="0"/>
+          </a:p>
+          <a:p>
+            <a:pPr marL="742950" lvl="1" indent="-400050">
+              <a:buFont typeface="+mj-lt"/>
+              <a:buAutoNum type="romanUcPeriod"/>
+            </a:pPr>
+            <a:r>
+              <a:rPr lang="de-DE" sz="1400" dirty="0"/>
+              <a:t>Blockbereich (hier findet man die Programmblöcke mit denen man ein Programm schreiben kann)</a:t>
+            </a:r>
+          </a:p>
+          <a:p>
+            <a:pPr marL="742950" lvl="1" indent="-400050">
+              <a:buFont typeface="+mj-lt"/>
+              <a:buAutoNum type="romanUcPeriod"/>
+            </a:pPr>
+            <a:endParaRPr lang="de-DE" sz="1400" dirty="0"/>
+          </a:p>
+          <a:p>
+            <a:pPr marL="742950" lvl="1" indent="-400050">
+              <a:buFont typeface="+mj-lt"/>
+              <a:buAutoNum type="romanUcPeriod"/>
+            </a:pPr>
+            <a:r>
+              <a:rPr lang="de-DE" sz="1400" dirty="0"/>
+              <a:t>Arbeitsbereich (hier schreibt man das Programm in dem man die Programmblöcke zusammenschiebt)</a:t>
+            </a:r>
+          </a:p>
+          <a:p>
+            <a:endParaRPr lang="de-DE" dirty="0"/>
+          </a:p>
+        </p:txBody>
+      </p:sp>
+      <p:sp>
+        <p:nvSpPr>
+          <p:cNvPr id="7" name="Textplatzhalter 6">
+            <a:extLst>
+              <a:ext uri="{FF2B5EF4-FFF2-40B4-BE49-F238E27FC236}">
+                <a16:creationId xmlns:a16="http://schemas.microsoft.com/office/drawing/2014/main" id="{F94CCE07-8F27-4E19-B453-93A0B15C5242}"/>
+              </a:ext>
+            </a:extLst>
+          </p:cNvPr>
           <p:cNvSpPr>
             <a:spLocks noGrp="1"/>
           </p:cNvSpPr>
@@ -6406,112 +6502,343 @@
           </a:p>
         </p:txBody>
       </p:sp>
-      <p:sp>
-        <p:nvSpPr>
-          <p:cNvPr id="4" name="Inhaltsplatzhalter 3"/>
-          <p:cNvSpPr>
-            <a:spLocks noGrp="1"/>
-          </p:cNvSpPr>
-          <p:nvPr>
-            <p:ph sz="quarter" idx="14"/>
-          </p:nvPr>
-        </p:nvSpPr>
-        <p:spPr>
-          <a:xfrm>
-            <a:off x="456983" y="1806764"/>
-            <a:ext cx="5929529" cy="6743356"/>
-          </a:xfrm>
-        </p:spPr>
-        <p:txBody>
-          <a:bodyPr/>
-          <a:lstStyle/>
-          <a:p>
-            <a:pPr marL="228600" lvl="0" indent="-228600">
-              <a:buFont typeface="+mj-lt"/>
-              <a:buAutoNum type="arabicPeriod"/>
-            </a:pPr>
-            <a:r>
-              <a:rPr lang="de-DE" sz="1400" dirty="0"/>
-              <a:t>Jedes Projekt startet mit einem Beispiel-Code im Arbeitsbereich. Diesen löst man, indem man den (umfassenden) Block anklickt und mit gedrückter Maustaste auf den Blockbereich schiebt.</a:t>
-            </a:r>
-          </a:p>
-          <a:p>
-            <a:pPr marL="228600" lvl="0" indent="-228600">
-              <a:buFont typeface="+mj-lt"/>
-              <a:buAutoNum type="arabicPeriod"/>
-            </a:pPr>
-            <a:endParaRPr lang="de-DE" sz="1400" dirty="0"/>
-          </a:p>
-          <a:p>
-            <a:pPr marL="228600" lvl="0" indent="-228600">
-              <a:buFont typeface="+mj-lt"/>
-              <a:buAutoNum type="arabicPeriod"/>
-            </a:pPr>
-            <a:r>
-              <a:rPr lang="de-DE" sz="1400" dirty="0"/>
-              <a:t>Nun können wir mit unserem Programm beginnen. Hierfür öffnen wir im Blockbereich den Bereich „Eingabe“ und ziehe den Block „wenn Knopf A gedrückt“ auf den Arbeitsbereich</a:t>
-            </a:r>
-          </a:p>
-          <a:p>
-            <a:pPr marL="228600" lvl="0" indent="-228600">
-              <a:buFont typeface="+mj-lt"/>
-              <a:buAutoNum type="arabicPeriod"/>
-            </a:pPr>
-            <a:endParaRPr lang="de-DE" sz="1400" dirty="0"/>
-          </a:p>
-          <a:p>
-            <a:pPr marL="228600" lvl="0" indent="-228600">
-              <a:buFont typeface="+mj-lt"/>
-              <a:buAutoNum type="arabicPeriod"/>
-            </a:pPr>
-            <a:r>
-              <a:rPr lang="de-DE" sz="1400" dirty="0"/>
-              <a:t>Anschließend wiederholen wir das gleiche noch einmal mit dem Block „zeige Zeichenfolge“ aus dem Bereich „Grundlagen“</a:t>
-            </a:r>
-          </a:p>
-          <a:p>
-            <a:pPr marL="228600" indent="-228600">
-              <a:buFont typeface="+mj-lt"/>
-              <a:buAutoNum type="arabicPeriod"/>
-            </a:pPr>
-            <a:endParaRPr lang="de-DE" dirty="0"/>
-          </a:p>
-        </p:txBody>
-      </p:sp>
-      <p:pic>
-        <p:nvPicPr>
-          <p:cNvPr id="6" name="Grafik 5"/>
-          <p:cNvPicPr>
-            <a:picLocks noChangeAspect="1"/>
-          </p:cNvPicPr>
-          <p:nvPr/>
-        </p:nvPicPr>
-        <p:blipFill>
-          <a:blip r:embed="rId2">
+      <p:grpSp>
+        <p:nvGrpSpPr>
+          <p:cNvPr id="19" name="Gruppieren 18">
             <a:extLst>
-              <a:ext uri="{28A0092B-C50C-407E-A947-70E740481C1C}">
-                <a14:useLocalDpi xmlns:a14="http://schemas.microsoft.com/office/drawing/2010/main" val="0"/>
+              <a:ext uri="{FF2B5EF4-FFF2-40B4-BE49-F238E27FC236}">
+                <a16:creationId xmlns:a16="http://schemas.microsoft.com/office/drawing/2014/main" id="{3D84DD9E-34D4-4C4E-BFBF-13A4666D5F3C}"/>
               </a:ext>
             </a:extLst>
-          </a:blip>
-          <a:stretch>
-            <a:fillRect/>
-          </a:stretch>
-        </p:blipFill>
-        <p:spPr>
-          <a:xfrm>
-            <a:off x="460433" y="4076240"/>
-            <a:ext cx="5926079" cy="4905151"/>
-          </a:xfrm>
-          <a:prstGeom prst="rect">
-            <a:avLst/>
-          </a:prstGeom>
-        </p:spPr>
-      </p:pic>
+          </p:cNvPr>
+          <p:cNvGrpSpPr/>
+          <p:nvPr/>
+        </p:nvGrpSpPr>
+        <p:grpSpPr>
+          <a:xfrm>
+            <a:off x="214837" y="4663829"/>
+            <a:ext cx="6401017" cy="3886291"/>
+            <a:chOff x="-7828528" y="4752110"/>
+            <a:chExt cx="6401017" cy="3886291"/>
+          </a:xfrm>
+        </p:grpSpPr>
+        <p:pic>
+          <p:nvPicPr>
+            <p:cNvPr id="20" name="Grafik 19">
+              <a:extLst>
+                <a:ext uri="{FF2B5EF4-FFF2-40B4-BE49-F238E27FC236}">
+                  <a16:creationId xmlns:a16="http://schemas.microsoft.com/office/drawing/2014/main" id="{FF7DCECA-001C-4516-A434-DE5EAD51A2A5}"/>
+                </a:ext>
+              </a:extLst>
+            </p:cNvPr>
+            <p:cNvPicPr>
+              <a:picLocks noChangeAspect="1"/>
+            </p:cNvPicPr>
+            <p:nvPr/>
+          </p:nvPicPr>
+          <p:blipFill rotWithShape="1">
+            <a:blip r:embed="rId2"/>
+            <a:srcRect b="809"/>
+            <a:stretch/>
+          </p:blipFill>
+          <p:spPr>
+            <a:xfrm>
+              <a:off x="-7814023" y="4752110"/>
+              <a:ext cx="6386512" cy="3886291"/>
+            </a:xfrm>
+            <a:prstGeom prst="rect">
+              <a:avLst/>
+            </a:prstGeom>
+          </p:spPr>
+        </p:pic>
+        <p:sp>
+          <p:nvSpPr>
+            <p:cNvPr id="21" name="Rechteck 20">
+              <a:extLst>
+                <a:ext uri="{FF2B5EF4-FFF2-40B4-BE49-F238E27FC236}">
+                  <a16:creationId xmlns:a16="http://schemas.microsoft.com/office/drawing/2014/main" id="{CD4CA4F2-6335-4CF2-BBFA-1AC0635E0D52}"/>
+                </a:ext>
+              </a:extLst>
+            </p:cNvPr>
+            <p:cNvSpPr/>
+            <p:nvPr/>
+          </p:nvSpPr>
+          <p:spPr>
+            <a:xfrm>
+              <a:off x="-7814023" y="5646371"/>
+              <a:ext cx="1652752" cy="2682240"/>
+            </a:xfrm>
+            <a:prstGeom prst="rect">
+              <a:avLst/>
+            </a:prstGeom>
+            <a:noFill/>
+            <a:ln w="28575">
+              <a:solidFill>
+                <a:srgbClr val="FF0000"/>
+              </a:solidFill>
+            </a:ln>
+          </p:spPr>
+          <p:style>
+            <a:lnRef idx="2">
+              <a:schemeClr val="accent1">
+                <a:shade val="50000"/>
+              </a:schemeClr>
+            </a:lnRef>
+            <a:fillRef idx="1">
+              <a:schemeClr val="accent1"/>
+            </a:fillRef>
+            <a:effectRef idx="0">
+              <a:schemeClr val="accent1"/>
+            </a:effectRef>
+            <a:fontRef idx="minor">
+              <a:schemeClr val="lt1"/>
+            </a:fontRef>
+          </p:style>
+          <p:txBody>
+            <a:bodyPr rtlCol="0" anchor="ctr"/>
+            <a:lstStyle/>
+            <a:p>
+              <a:pPr algn="ctr"/>
+              <a:endParaRPr lang="de-DE"/>
+            </a:p>
+          </p:txBody>
+        </p:sp>
+        <p:sp>
+          <p:nvSpPr>
+            <p:cNvPr id="22" name="Rechteck 21">
+              <a:extLst>
+                <a:ext uri="{FF2B5EF4-FFF2-40B4-BE49-F238E27FC236}">
+                  <a16:creationId xmlns:a16="http://schemas.microsoft.com/office/drawing/2014/main" id="{935E9B02-A4A0-4F56-A1BA-8277C5884B4C}"/>
+                </a:ext>
+              </a:extLst>
+            </p:cNvPr>
+            <p:cNvSpPr/>
+            <p:nvPr/>
+          </p:nvSpPr>
+          <p:spPr>
+            <a:xfrm>
+              <a:off x="-6121648" y="5646371"/>
+              <a:ext cx="1071113" cy="2682240"/>
+            </a:xfrm>
+            <a:prstGeom prst="rect">
+              <a:avLst/>
+            </a:prstGeom>
+            <a:noFill/>
+            <a:ln w="28575">
+              <a:solidFill>
+                <a:srgbClr val="7030A0"/>
+              </a:solidFill>
+            </a:ln>
+          </p:spPr>
+          <p:style>
+            <a:lnRef idx="2">
+              <a:schemeClr val="accent1">
+                <a:shade val="50000"/>
+              </a:schemeClr>
+            </a:lnRef>
+            <a:fillRef idx="1">
+              <a:schemeClr val="accent1"/>
+            </a:fillRef>
+            <a:effectRef idx="0">
+              <a:schemeClr val="accent1"/>
+            </a:effectRef>
+            <a:fontRef idx="minor">
+              <a:schemeClr val="lt1"/>
+            </a:fontRef>
+          </p:style>
+          <p:txBody>
+            <a:bodyPr rtlCol="0" anchor="ctr"/>
+            <a:lstStyle/>
+            <a:p>
+              <a:pPr algn="ctr"/>
+              <a:endParaRPr lang="de-DE"/>
+            </a:p>
+          </p:txBody>
+        </p:sp>
+        <p:sp>
+          <p:nvSpPr>
+            <p:cNvPr id="23" name="Rechteck 22">
+              <a:extLst>
+                <a:ext uri="{FF2B5EF4-FFF2-40B4-BE49-F238E27FC236}">
+                  <a16:creationId xmlns:a16="http://schemas.microsoft.com/office/drawing/2014/main" id="{2D7AF647-8E8F-4014-BA17-13185CF36FF6}"/>
+                </a:ext>
+              </a:extLst>
+            </p:cNvPr>
+            <p:cNvSpPr/>
+            <p:nvPr/>
+          </p:nvSpPr>
+          <p:spPr>
+            <a:xfrm>
+              <a:off x="-5010912" y="5646371"/>
+              <a:ext cx="3471359" cy="2682240"/>
+            </a:xfrm>
+            <a:prstGeom prst="rect">
+              <a:avLst/>
+            </a:prstGeom>
+            <a:noFill/>
+            <a:ln w="28575">
+              <a:solidFill>
+                <a:srgbClr val="92D050"/>
+              </a:solidFill>
+            </a:ln>
+          </p:spPr>
+          <p:style>
+            <a:lnRef idx="2">
+              <a:schemeClr val="accent1">
+                <a:shade val="50000"/>
+              </a:schemeClr>
+            </a:lnRef>
+            <a:fillRef idx="1">
+              <a:schemeClr val="accent1"/>
+            </a:fillRef>
+            <a:effectRef idx="0">
+              <a:schemeClr val="accent1"/>
+            </a:effectRef>
+            <a:fontRef idx="minor">
+              <a:schemeClr val="lt1"/>
+            </a:fontRef>
+          </p:style>
+          <p:txBody>
+            <a:bodyPr rtlCol="0" anchor="ctr"/>
+            <a:lstStyle/>
+            <a:p>
+              <a:pPr algn="ctr"/>
+              <a:endParaRPr lang="de-DE"/>
+            </a:p>
+          </p:txBody>
+        </p:sp>
+        <p:sp>
+          <p:nvSpPr>
+            <p:cNvPr id="24" name="Textfeld 23">
+              <a:extLst>
+                <a:ext uri="{FF2B5EF4-FFF2-40B4-BE49-F238E27FC236}">
+                  <a16:creationId xmlns:a16="http://schemas.microsoft.com/office/drawing/2014/main" id="{1232B4A4-E92B-41B3-95D2-8CE821D96669}"/>
+                </a:ext>
+              </a:extLst>
+            </p:cNvPr>
+            <p:cNvSpPr txBox="1"/>
+            <p:nvPr/>
+          </p:nvSpPr>
+          <p:spPr>
+            <a:xfrm>
+              <a:off x="-7828528" y="7698676"/>
+              <a:ext cx="1287468" cy="523220"/>
+            </a:xfrm>
+            <a:prstGeom prst="rect">
+              <a:avLst/>
+            </a:prstGeom>
+            <a:noFill/>
+          </p:spPr>
+          <p:txBody>
+            <a:bodyPr wrap="none" rtlCol="0">
+              <a:spAutoFit/>
+            </a:bodyPr>
+            <a:lstStyle/>
+            <a:p>
+              <a:r>
+                <a:rPr lang="de-DE" sz="1400" dirty="0">
+                  <a:solidFill>
+                    <a:srgbClr val="FF0000"/>
+                  </a:solidFill>
+                </a:rPr>
+                <a:t>Voransicht </a:t>
+              </a:r>
+            </a:p>
+            <a:p>
+              <a:r>
+                <a:rPr lang="de-DE" sz="1400" dirty="0">
+                  <a:solidFill>
+                    <a:srgbClr val="FF0000"/>
+                  </a:solidFill>
+                </a:rPr>
+                <a:t>und Simulation</a:t>
+              </a:r>
+            </a:p>
+          </p:txBody>
+        </p:sp>
+        <p:sp>
+          <p:nvSpPr>
+            <p:cNvPr id="25" name="Textfeld 24">
+              <a:extLst>
+                <a:ext uri="{FF2B5EF4-FFF2-40B4-BE49-F238E27FC236}">
+                  <a16:creationId xmlns:a16="http://schemas.microsoft.com/office/drawing/2014/main" id="{5296C0D3-265D-4CAE-8D8F-FEB344DCE191}"/>
+                </a:ext>
+              </a:extLst>
+            </p:cNvPr>
+            <p:cNvSpPr txBox="1"/>
+            <p:nvPr/>
+          </p:nvSpPr>
+          <p:spPr>
+            <a:xfrm>
+              <a:off x="-6132566" y="7917526"/>
+              <a:ext cx="1121654" cy="307777"/>
+            </a:xfrm>
+            <a:prstGeom prst="rect">
+              <a:avLst/>
+            </a:prstGeom>
+            <a:noFill/>
+          </p:spPr>
+          <p:txBody>
+            <a:bodyPr wrap="none" rtlCol="0">
+              <a:spAutoFit/>
+            </a:bodyPr>
+            <a:lstStyle/>
+            <a:p>
+              <a:r>
+                <a:rPr lang="de-DE" sz="1400" dirty="0">
+                  <a:solidFill>
+                    <a:srgbClr val="7030A0"/>
+                  </a:solidFill>
+                </a:rPr>
+                <a:t>Blockbereich</a:t>
+              </a:r>
+            </a:p>
+          </p:txBody>
+        </p:sp>
+        <p:sp>
+          <p:nvSpPr>
+            <p:cNvPr id="26" name="Textfeld 25">
+              <a:extLst>
+                <a:ext uri="{FF2B5EF4-FFF2-40B4-BE49-F238E27FC236}">
+                  <a16:creationId xmlns:a16="http://schemas.microsoft.com/office/drawing/2014/main" id="{65461D69-7F27-4AAF-98C3-DFB26DFBBEBC}"/>
+                </a:ext>
+              </a:extLst>
+            </p:cNvPr>
+            <p:cNvSpPr txBox="1"/>
+            <p:nvPr/>
+          </p:nvSpPr>
+          <p:spPr>
+            <a:xfrm>
+              <a:off x="-5005972" y="7919674"/>
+              <a:ext cx="1254702" cy="307777"/>
+            </a:xfrm>
+            <a:prstGeom prst="rect">
+              <a:avLst/>
+            </a:prstGeom>
+            <a:noFill/>
+          </p:spPr>
+          <p:txBody>
+            <a:bodyPr wrap="none" rtlCol="0">
+              <a:spAutoFit/>
+            </a:bodyPr>
+            <a:lstStyle/>
+            <a:p>
+              <a:r>
+                <a:rPr lang="de-DE" sz="1400" dirty="0">
+                  <a:solidFill>
+                    <a:srgbClr val="92D050"/>
+                  </a:solidFill>
+                </a:rPr>
+                <a:t>Arbeitsbereich</a:t>
+              </a:r>
+            </a:p>
+          </p:txBody>
+        </p:sp>
+      </p:grpSp>
     </p:spTree>
     <p:extLst>
       <p:ext uri="{BB962C8B-B14F-4D97-AF65-F5344CB8AC3E}">
-        <p14:creationId xmlns:p14="http://schemas.microsoft.com/office/powerpoint/2010/main" val="525361280"/>
+        <p14:creationId xmlns:p14="http://schemas.microsoft.com/office/powerpoint/2010/main" val="1771070158"/>
       </p:ext>
     </p:extLst>
   </p:cSld>
@@ -6622,7 +6949,7 @@
             </a:pPr>
             <a:r>
               <a:rPr lang="de-DE" sz="1400" dirty="0"/>
-              <a:t>Füge nun den Block „zeige Zeichenfolge“ in den Block „Wenn Knopf A gedrückt“ ein</a:t>
+              <a:t>Bei jedem neuen Projekt sind zu Beginn die Blocke „beim Start“ und „dauerhaft“ diese löscht man, indem man den Block anklickt und mit gedrückter Maustaste auf den Blockbereich schiebt.</a:t>
             </a:r>
           </a:p>
           <a:p>
@@ -6639,15 +6966,7 @@
             </a:pPr>
             <a:r>
               <a:rPr lang="de-DE" sz="1400" dirty="0"/>
-              <a:t>Schreibe in den Textbereich des Blockes „zeige Zeichenfolge“ folgenden Text: „</a:t>
-            </a:r>
-            <a:r>
-              <a:rPr lang="de-DE" sz="1400" dirty="0" err="1"/>
-              <a:t>Hello</a:t>
-            </a:r>
-            <a:r>
-              <a:rPr lang="de-DE" sz="1400" dirty="0"/>
-              <a:t> World!“</a:t>
+              <a:t>Nun können wir mit unserem Programm beginnen. Hierfür öffnen wir im Blockbereich den Bereich „Eingabe“ und ziehe den Block „wenn Knopf A gedrückt“ auf den Arbeitsbereich</a:t>
             </a:r>
           </a:p>
           <a:p>
@@ -6664,7 +6983,7 @@
             </a:pPr>
             <a:r>
               <a:rPr lang="de-DE" sz="1400" dirty="0"/>
-              <a:t>Das Programm ist fertig und kann im „Vorschau &amp; Simulationsbereich“ auf der linken Seite angeschaut werden. Durch einen Klick auf den Knopf A wird die Laufschrift aktiviert.</a:t>
+              <a:t>Anschließend wiederholen wir das gleiche noch einmal mit dem Block „zeige Text“ aus dem Bereich „Grundlagen“</a:t>
             </a:r>
           </a:p>
           <a:p>
@@ -6678,38 +6997,321 @@
       </p:sp>
       <p:pic>
         <p:nvPicPr>
-          <p:cNvPr id="7" name="Grafik 6"/>
+          <p:cNvPr id="14" name="Grafik 13">
+            <a:extLst>
+              <a:ext uri="{FF2B5EF4-FFF2-40B4-BE49-F238E27FC236}">
+                <a16:creationId xmlns:a16="http://schemas.microsoft.com/office/drawing/2014/main" id="{F807541A-269F-4C77-A750-05AC8496725F}"/>
+              </a:ext>
+            </a:extLst>
+          </p:cNvPr>
           <p:cNvPicPr>
             <a:picLocks noChangeAspect="1"/>
           </p:cNvPicPr>
           <p:nvPr/>
         </p:nvPicPr>
         <p:blipFill>
-          <a:blip r:embed="rId2">
-            <a:extLst>
-              <a:ext uri="{28A0092B-C50C-407E-A947-70E740481C1C}">
-                <a14:useLocalDpi xmlns:a14="http://schemas.microsoft.com/office/drawing/2010/main" val="0"/>
-              </a:ext>
-            </a:extLst>
-          </a:blip>
+          <a:blip r:embed="rId2"/>
           <a:stretch>
             <a:fillRect/>
           </a:stretch>
         </p:blipFill>
         <p:spPr>
           <a:xfrm>
-            <a:off x="469744" y="4082959"/>
-            <a:ext cx="5918512" cy="4898887"/>
+            <a:off x="242146" y="4663829"/>
+            <a:ext cx="6380110" cy="3908195"/>
           </a:xfrm>
           <a:prstGeom prst="rect">
             <a:avLst/>
           </a:prstGeom>
         </p:spPr>
       </p:pic>
+      <p:sp>
+        <p:nvSpPr>
+          <p:cNvPr id="15" name="Rechteck 14">
+            <a:extLst>
+              <a:ext uri="{FF2B5EF4-FFF2-40B4-BE49-F238E27FC236}">
+                <a16:creationId xmlns:a16="http://schemas.microsoft.com/office/drawing/2014/main" id="{5D18AAA0-CEB6-4BA4-B019-A39E927F2E19}"/>
+              </a:ext>
+            </a:extLst>
+          </p:cNvPr>
+          <p:cNvSpPr/>
+          <p:nvPr/>
+        </p:nvSpPr>
+        <p:spPr>
+          <a:xfrm>
+            <a:off x="235744" y="5558090"/>
+            <a:ext cx="1652752" cy="2682240"/>
+          </a:xfrm>
+          <a:prstGeom prst="rect">
+            <a:avLst/>
+          </a:prstGeom>
+          <a:noFill/>
+          <a:ln w="28575">
+            <a:solidFill>
+              <a:srgbClr val="FF0000"/>
+            </a:solidFill>
+          </a:ln>
+        </p:spPr>
+        <p:style>
+          <a:lnRef idx="2">
+            <a:schemeClr val="accent1">
+              <a:shade val="50000"/>
+            </a:schemeClr>
+          </a:lnRef>
+          <a:fillRef idx="1">
+            <a:schemeClr val="accent1"/>
+          </a:fillRef>
+          <a:effectRef idx="0">
+            <a:schemeClr val="accent1"/>
+          </a:effectRef>
+          <a:fontRef idx="minor">
+            <a:schemeClr val="lt1"/>
+          </a:fontRef>
+        </p:style>
+        <p:txBody>
+          <a:bodyPr rtlCol="0" anchor="ctr"/>
+          <a:lstStyle/>
+          <a:p>
+            <a:pPr algn="ctr"/>
+            <a:endParaRPr lang="de-DE"/>
+          </a:p>
+        </p:txBody>
+      </p:sp>
+      <p:sp>
+        <p:nvSpPr>
+          <p:cNvPr id="16" name="Rechteck 15">
+            <a:extLst>
+              <a:ext uri="{FF2B5EF4-FFF2-40B4-BE49-F238E27FC236}">
+                <a16:creationId xmlns:a16="http://schemas.microsoft.com/office/drawing/2014/main" id="{2FEB994B-03E9-4052-A32C-89578FCF97CE}"/>
+              </a:ext>
+            </a:extLst>
+          </p:cNvPr>
+          <p:cNvSpPr/>
+          <p:nvPr/>
+        </p:nvSpPr>
+        <p:spPr>
+          <a:xfrm>
+            <a:off x="3038855" y="5558090"/>
+            <a:ext cx="3471359" cy="2682240"/>
+          </a:xfrm>
+          <a:prstGeom prst="rect">
+            <a:avLst/>
+          </a:prstGeom>
+          <a:noFill/>
+          <a:ln w="28575">
+            <a:solidFill>
+              <a:srgbClr val="92D050"/>
+            </a:solidFill>
+          </a:ln>
+        </p:spPr>
+        <p:style>
+          <a:lnRef idx="2">
+            <a:schemeClr val="accent1">
+              <a:shade val="50000"/>
+            </a:schemeClr>
+          </a:lnRef>
+          <a:fillRef idx="1">
+            <a:schemeClr val="accent1"/>
+          </a:fillRef>
+          <a:effectRef idx="0">
+            <a:schemeClr val="accent1"/>
+          </a:effectRef>
+          <a:fontRef idx="minor">
+            <a:schemeClr val="lt1"/>
+          </a:fontRef>
+        </p:style>
+        <p:txBody>
+          <a:bodyPr rtlCol="0" anchor="ctr"/>
+          <a:lstStyle/>
+          <a:p>
+            <a:pPr algn="ctr"/>
+            <a:endParaRPr lang="de-DE"/>
+          </a:p>
+        </p:txBody>
+      </p:sp>
+      <p:sp>
+        <p:nvSpPr>
+          <p:cNvPr id="17" name="Textfeld 16">
+            <a:extLst>
+              <a:ext uri="{FF2B5EF4-FFF2-40B4-BE49-F238E27FC236}">
+                <a16:creationId xmlns:a16="http://schemas.microsoft.com/office/drawing/2014/main" id="{0936F6A9-65C0-4D46-B30A-A87EB7CABA20}"/>
+              </a:ext>
+            </a:extLst>
+          </p:cNvPr>
+          <p:cNvSpPr txBox="1"/>
+          <p:nvPr/>
+        </p:nvSpPr>
+        <p:spPr>
+          <a:xfrm>
+            <a:off x="221239" y="7610395"/>
+            <a:ext cx="1287468" cy="523220"/>
+          </a:xfrm>
+          <a:prstGeom prst="rect">
+            <a:avLst/>
+          </a:prstGeom>
+          <a:noFill/>
+        </p:spPr>
+        <p:txBody>
+          <a:bodyPr wrap="none" rtlCol="0">
+            <a:spAutoFit/>
+          </a:bodyPr>
+          <a:lstStyle/>
+          <a:p>
+            <a:r>
+              <a:rPr lang="de-DE" sz="1400" dirty="0">
+                <a:solidFill>
+                  <a:srgbClr val="FF0000"/>
+                </a:solidFill>
+              </a:rPr>
+              <a:t>Voransicht </a:t>
+            </a:r>
+          </a:p>
+          <a:p>
+            <a:r>
+              <a:rPr lang="de-DE" sz="1400" dirty="0">
+                <a:solidFill>
+                  <a:srgbClr val="FF0000"/>
+                </a:solidFill>
+              </a:rPr>
+              <a:t>und Simulation</a:t>
+            </a:r>
+          </a:p>
+        </p:txBody>
+      </p:sp>
+      <p:sp>
+        <p:nvSpPr>
+          <p:cNvPr id="18" name="Textfeld 17">
+            <a:extLst>
+              <a:ext uri="{FF2B5EF4-FFF2-40B4-BE49-F238E27FC236}">
+                <a16:creationId xmlns:a16="http://schemas.microsoft.com/office/drawing/2014/main" id="{A3D5272A-67BC-4880-B423-B612DFB55E51}"/>
+              </a:ext>
+            </a:extLst>
+          </p:cNvPr>
+          <p:cNvSpPr txBox="1"/>
+          <p:nvPr/>
+        </p:nvSpPr>
+        <p:spPr>
+          <a:xfrm>
+            <a:off x="1917201" y="7829245"/>
+            <a:ext cx="1121654" cy="307777"/>
+          </a:xfrm>
+          <a:prstGeom prst="rect">
+            <a:avLst/>
+          </a:prstGeom>
+          <a:noFill/>
+        </p:spPr>
+        <p:txBody>
+          <a:bodyPr wrap="none" rtlCol="0">
+            <a:spAutoFit/>
+          </a:bodyPr>
+          <a:lstStyle/>
+          <a:p>
+            <a:r>
+              <a:rPr lang="de-DE" sz="1400" dirty="0">
+                <a:solidFill>
+                  <a:srgbClr val="7030A0"/>
+                </a:solidFill>
+              </a:rPr>
+              <a:t>Blockbereich</a:t>
+            </a:r>
+          </a:p>
+        </p:txBody>
+      </p:sp>
+      <p:sp>
+        <p:nvSpPr>
+          <p:cNvPr id="19" name="Textfeld 18">
+            <a:extLst>
+              <a:ext uri="{FF2B5EF4-FFF2-40B4-BE49-F238E27FC236}">
+                <a16:creationId xmlns:a16="http://schemas.microsoft.com/office/drawing/2014/main" id="{F9475554-9CD0-4571-B34D-B52E4594565C}"/>
+              </a:ext>
+            </a:extLst>
+          </p:cNvPr>
+          <p:cNvSpPr txBox="1"/>
+          <p:nvPr/>
+        </p:nvSpPr>
+        <p:spPr>
+          <a:xfrm>
+            <a:off x="3043795" y="7831393"/>
+            <a:ext cx="1254702" cy="307777"/>
+          </a:xfrm>
+          <a:prstGeom prst="rect">
+            <a:avLst/>
+          </a:prstGeom>
+          <a:noFill/>
+        </p:spPr>
+        <p:txBody>
+          <a:bodyPr wrap="none" rtlCol="0">
+            <a:spAutoFit/>
+          </a:bodyPr>
+          <a:lstStyle/>
+          <a:p>
+            <a:r>
+              <a:rPr lang="de-DE" sz="1400" dirty="0">
+                <a:solidFill>
+                  <a:srgbClr val="92D050"/>
+                </a:solidFill>
+              </a:rPr>
+              <a:t>Arbeitsbereich</a:t>
+            </a:r>
+          </a:p>
+        </p:txBody>
+      </p:sp>
+      <p:sp>
+        <p:nvSpPr>
+          <p:cNvPr id="20" name="Rechteck 19">
+            <a:extLst>
+              <a:ext uri="{FF2B5EF4-FFF2-40B4-BE49-F238E27FC236}">
+                <a16:creationId xmlns:a16="http://schemas.microsoft.com/office/drawing/2014/main" id="{484FAF5E-772A-4B37-A291-92E2B6136719}"/>
+              </a:ext>
+            </a:extLst>
+          </p:cNvPr>
+          <p:cNvSpPr/>
+          <p:nvPr/>
+        </p:nvSpPr>
+        <p:spPr>
+          <a:xfrm>
+            <a:off x="1928119" y="5558090"/>
+            <a:ext cx="1071113" cy="2682240"/>
+          </a:xfrm>
+          <a:prstGeom prst="rect">
+            <a:avLst/>
+          </a:prstGeom>
+          <a:noFill/>
+          <a:ln w="28575">
+            <a:solidFill>
+              <a:srgbClr val="7030A0"/>
+            </a:solidFill>
+          </a:ln>
+        </p:spPr>
+        <p:style>
+          <a:lnRef idx="2">
+            <a:schemeClr val="accent1">
+              <a:shade val="50000"/>
+            </a:schemeClr>
+          </a:lnRef>
+          <a:fillRef idx="1">
+            <a:schemeClr val="accent1"/>
+          </a:fillRef>
+          <a:effectRef idx="0">
+            <a:schemeClr val="accent1"/>
+          </a:effectRef>
+          <a:fontRef idx="minor">
+            <a:schemeClr val="lt1"/>
+          </a:fontRef>
+        </p:style>
+        <p:txBody>
+          <a:bodyPr rtlCol="0" anchor="ctr"/>
+          <a:lstStyle/>
+          <a:p>
+            <a:pPr algn="ctr"/>
+            <a:endParaRPr lang="de-DE"/>
+          </a:p>
+        </p:txBody>
+      </p:sp>
     </p:spTree>
     <p:extLst>
       <p:ext uri="{BB962C8B-B14F-4D97-AF65-F5344CB8AC3E}">
-        <p14:creationId xmlns:p14="http://schemas.microsoft.com/office/powerpoint/2010/main" val="1453808479"/>
+        <p14:creationId xmlns:p14="http://schemas.microsoft.com/office/powerpoint/2010/main" val="525361280"/>
       </p:ext>
     </p:extLst>
   </p:cSld>
@@ -6748,12 +7350,14 @@
         </p:nvSpPr>
         <p:spPr/>
         <p:txBody>
-          <a:bodyPr/>
+          <a:bodyPr>
+            <a:normAutofit/>
+          </a:bodyPr>
           <a:lstStyle/>
           <a:p>
             <a:r>
               <a:rPr lang="de-DE" dirty="0"/>
-              <a:t>Ein Programm auf den </a:t>
+              <a:t>Ein Programm für den </a:t>
             </a:r>
             <a:r>
               <a:rPr lang="de-DE" dirty="0" err="1"/>
@@ -6761,7 +7365,7 @@
             </a:r>
             <a:r>
               <a:rPr lang="de-DE" dirty="0"/>
-              <a:t> hochladen</a:t>
+              <a:t> schreiben</a:t>
             </a:r>
             <a:br>
               <a:rPr lang="de-DE" dirty="0"/>
@@ -6804,8 +7408,8 @@
         </p:nvSpPr>
         <p:spPr>
           <a:xfrm>
-            <a:off x="468001" y="2085975"/>
-            <a:ext cx="3619258" cy="6629400"/>
+            <a:off x="456983" y="1806764"/>
+            <a:ext cx="5929529" cy="6743356"/>
           </a:xfrm>
         </p:spPr>
         <p:txBody>
@@ -6818,22 +7422,7 @@
             </a:pPr>
             <a:r>
               <a:rPr lang="de-DE" sz="1400" dirty="0"/>
-              <a:t>Öffne </a:t>
-            </a:r>
-            <a:r>
-              <a:rPr lang="de-DE" sz="1400" b="1" dirty="0"/>
-              <a:t>makecode.calliope.cc </a:t>
-            </a:r>
-            <a:r>
-              <a:rPr lang="de-DE" sz="1400" dirty="0"/>
-              <a:t>im </a:t>
-            </a:r>
-            <a:br>
-              <a:rPr lang="de-DE" sz="1400" dirty="0"/>
-            </a:br>
-            <a:r>
-              <a:rPr lang="de-DE" sz="1400" dirty="0"/>
-              <a:t>Web-Browser.</a:t>
+              <a:t>Füge nun den Block „zeige Zeichenfolge“ in den Block „Wenn Knopf A gedrückt“ ein</a:t>
             </a:r>
           </a:p>
           <a:p>
@@ -6850,22 +7439,7 @@
             </a:pPr>
             <a:r>
               <a:rPr lang="de-DE" sz="1400" dirty="0"/>
-              <a:t>Die Erstellung des Beispielcodes </a:t>
-            </a:r>
-            <a:br>
-              <a:rPr lang="de-DE" sz="1400" dirty="0"/>
-            </a:br>
-            <a:r>
-              <a:rPr lang="de-DE" sz="1400" dirty="0"/>
-              <a:t>„</a:t>
-            </a:r>
-            <a:r>
-              <a:rPr lang="de-DE" sz="1400" dirty="0" err="1"/>
-              <a:t>Hello</a:t>
-            </a:r>
-            <a:r>
-              <a:rPr lang="de-DE" sz="1400" dirty="0"/>
-              <a:t> World“ haben wir im vorherigen Kapitel behandelt.</a:t>
+              <a:t>Schreibe in den Textbereich des Blockes „zeige Text“ folgenden Text: „Hello World!“</a:t>
             </a:r>
           </a:p>
           <a:p>
@@ -6882,140 +7456,7 @@
             </a:pPr>
             <a:r>
               <a:rPr lang="de-DE" sz="1400" dirty="0"/>
-              <a:t>Wähle nun einen Namen für das Programm, z.B. «</a:t>
-            </a:r>
-            <a:r>
-              <a:rPr lang="de-DE" sz="1400" dirty="0" err="1"/>
-              <a:t>mein_Code</a:t>
-            </a:r>
-            <a:r>
-              <a:rPr lang="de-DE" sz="1400" dirty="0"/>
-              <a:t>».</a:t>
-            </a:r>
-          </a:p>
-          <a:p>
-            <a:pPr marL="228600" indent="-228600">
-              <a:buFont typeface="+mj-lt"/>
-              <a:buAutoNum type="arabicPeriod"/>
-            </a:pPr>
-            <a:endParaRPr lang="de-DE" sz="1400" dirty="0"/>
-          </a:p>
-          <a:p>
-            <a:pPr marL="228600" lvl="0" indent="-228600">
-              <a:buFont typeface="+mj-lt"/>
-              <a:buAutoNum type="arabicPeriod"/>
-            </a:pPr>
-            <a:r>
-              <a:rPr lang="de-DE" sz="1400" dirty="0"/>
-              <a:t>Klicke auf «Herunterladen» und speichere die Datei «mini-</a:t>
-            </a:r>
-            <a:r>
-              <a:rPr lang="de-DE" sz="1400" dirty="0" err="1"/>
-              <a:t>mein_Code.hex</a:t>
-            </a:r>
-            <a:r>
-              <a:rPr lang="de-DE" sz="1400" dirty="0"/>
-              <a:t>».</a:t>
-            </a:r>
-          </a:p>
-          <a:p>
-            <a:pPr marL="228600" indent="-228600">
-              <a:buFont typeface="+mj-lt"/>
-              <a:buAutoNum type="arabicPeriod"/>
-            </a:pPr>
-            <a:endParaRPr lang="de-DE" sz="1400" dirty="0"/>
-          </a:p>
-          <a:p>
-            <a:pPr marL="228600" indent="-228600">
-              <a:buFont typeface="+mj-lt"/>
-              <a:buAutoNum type="arabicPeriod"/>
-            </a:pPr>
-            <a:r>
-              <a:rPr lang="de-DE" sz="1400" dirty="0"/>
-              <a:t>Schließe den </a:t>
-            </a:r>
-            <a:r>
-              <a:rPr lang="de-DE" sz="1400" dirty="0" err="1"/>
-              <a:t>Calliope</a:t>
-            </a:r>
-            <a:r>
-              <a:rPr lang="de-DE" sz="1400" dirty="0"/>
-              <a:t> über das USB-Kabel an. </a:t>
-            </a:r>
-          </a:p>
-          <a:p>
-            <a:pPr marL="228600" indent="-228600">
-              <a:buFont typeface="+mj-lt"/>
-              <a:buAutoNum type="arabicPeriod"/>
-            </a:pPr>
-            <a:endParaRPr lang="de-DE" sz="1400" dirty="0"/>
-          </a:p>
-          <a:p>
-            <a:pPr marL="228600" lvl="0" indent="-228600">
-              <a:buFont typeface="+mj-lt"/>
-              <a:buAutoNum type="arabicPeriod"/>
-            </a:pPr>
-            <a:r>
-              <a:rPr lang="de-DE" sz="1400" dirty="0"/>
-              <a:t>Öffne den Datei-Explorer (</a:t>
-            </a:r>
-            <a:r>
-              <a:rPr lang="de-DE" sz="1400" dirty="0" err="1"/>
-              <a:t>Win</a:t>
-            </a:r>
-            <a:r>
-              <a:rPr lang="de-DE" sz="1400" dirty="0"/>
-              <a:t>) oder Finder (Mac) und ziehe die gespeicherte Datei auf das Laufwerk «MINI».</a:t>
-            </a:r>
-          </a:p>
-          <a:p>
-            <a:pPr marL="228600" indent="-228600">
-              <a:buFont typeface="+mj-lt"/>
-              <a:buAutoNum type="arabicPeriod"/>
-            </a:pPr>
-            <a:endParaRPr lang="de-DE" sz="1400" dirty="0"/>
-          </a:p>
-          <a:p>
-            <a:pPr marL="228600" lvl="0" indent="-228600">
-              <a:buFont typeface="+mj-lt"/>
-              <a:buAutoNum type="arabicPeriod"/>
-            </a:pPr>
-            <a:r>
-              <a:rPr lang="de-DE" sz="1400" dirty="0"/>
-              <a:t>Solange das Programm auf den </a:t>
-            </a:r>
-            <a:r>
-              <a:rPr lang="de-DE" sz="1400" dirty="0" err="1"/>
-              <a:t>Calliope</a:t>
-            </a:r>
-            <a:r>
-              <a:rPr lang="de-DE" sz="1400" dirty="0"/>
-              <a:t> hochgeladen wird, blinkt ein gelbes Licht auf der Vorderseite. Das Programm startet anschließend von selbst.</a:t>
-            </a:r>
-          </a:p>
-          <a:p>
-            <a:pPr marL="228600" indent="-228600">
-              <a:buFont typeface="+mj-lt"/>
-              <a:buAutoNum type="arabicPeriod"/>
-            </a:pPr>
-            <a:endParaRPr lang="de-DE" sz="1400" dirty="0"/>
-          </a:p>
-          <a:p>
-            <a:pPr marL="228600" lvl="0" indent="-228600">
-              <a:buFont typeface="+mj-lt"/>
-              <a:buAutoNum type="arabicPeriod"/>
-            </a:pPr>
-            <a:r>
-              <a:rPr lang="de-DE" sz="1400" dirty="0"/>
-              <a:t>Bei jeder Änderung des Programmes muss es neu auf den </a:t>
-            </a:r>
-            <a:r>
-              <a:rPr lang="de-DE" sz="1400" dirty="0" err="1"/>
-              <a:t>Calliope</a:t>
-            </a:r>
-            <a:r>
-              <a:rPr lang="de-DE" sz="1400" dirty="0"/>
-              <a:t> hochgeladen werden (Schritt 4 - 7 wiederholen).</a:t>
+              <a:t>Das Programm ist fertig und kann im „Vorschau &amp; Simulationsbereich“ auf der linken Seite angeschaut werden. Durch einen Klick auf den Knopf A wird die Laufschrift aktiviert.</a:t>
             </a:r>
           </a:p>
           <a:p>
@@ -7029,111 +7470,56 @@
       </p:sp>
       <p:pic>
         <p:nvPicPr>
-          <p:cNvPr id="6" name="Grafik 5"/>
-          <p:cNvPicPr/>
+          <p:cNvPr id="6" name="Grafik 5">
+            <a:extLst>
+              <a:ext uri="{FF2B5EF4-FFF2-40B4-BE49-F238E27FC236}">
+                <a16:creationId xmlns:a16="http://schemas.microsoft.com/office/drawing/2014/main" id="{EB6A2EC6-18DE-41B2-BCF0-C4C775D3D331}"/>
+              </a:ext>
+            </a:extLst>
+          </p:cNvPr>
+          <p:cNvPicPr>
+            <a:picLocks noChangeAspect="1"/>
+          </p:cNvPicPr>
           <p:nvPr/>
         </p:nvPicPr>
         <p:blipFill>
-          <a:blip r:embed="rId2">
-            <a:extLst>
-              <a:ext uri="{28A0092B-C50C-407E-A947-70E740481C1C}">
-                <a14:useLocalDpi xmlns:a14="http://schemas.microsoft.com/office/drawing/2010/main" val="0"/>
-              </a:ext>
-            </a:extLst>
-          </a:blip>
+          <a:blip r:embed="rId2"/>
           <a:stretch>
             <a:fillRect/>
           </a:stretch>
         </p:blipFill>
         <p:spPr>
           <a:xfrm>
-            <a:off x="4087259" y="3676111"/>
-            <a:ext cx="2152650" cy="373380"/>
+            <a:off x="242576" y="4663829"/>
+            <a:ext cx="6349115" cy="3886291"/>
           </a:xfrm>
           <a:prstGeom prst="rect">
             <a:avLst/>
           </a:prstGeom>
         </p:spPr>
       </p:pic>
-      <p:pic>
-        <p:nvPicPr>
-          <p:cNvPr id="7" name="Grafik 6"/>
-          <p:cNvPicPr/>
-          <p:nvPr/>
-        </p:nvPicPr>
-        <p:blipFill>
-          <a:blip r:embed="rId3" cstate="print">
+      <p:sp>
+        <p:nvSpPr>
+          <p:cNvPr id="8" name="Rechteck 7">
             <a:extLst>
-              <a:ext uri="{28A0092B-C50C-407E-A947-70E740481C1C}">
-                <a14:useLocalDpi xmlns:a14="http://schemas.microsoft.com/office/drawing/2010/main" val="0"/>
+              <a:ext uri="{FF2B5EF4-FFF2-40B4-BE49-F238E27FC236}">
+                <a16:creationId xmlns:a16="http://schemas.microsoft.com/office/drawing/2014/main" id="{CE1AB847-489D-4813-B4BA-563E644ABE70}"/>
               </a:ext>
             </a:extLst>
-          </a:blip>
-          <a:stretch>
-            <a:fillRect/>
-          </a:stretch>
-        </p:blipFill>
-        <p:spPr>
-          <a:xfrm>
-            <a:off x="4087259" y="4401197"/>
-            <a:ext cx="1684655" cy="406400"/>
-          </a:xfrm>
-          <a:prstGeom prst="rect">
-            <a:avLst/>
-          </a:prstGeom>
-        </p:spPr>
-      </p:pic>
-      <p:pic>
-        <p:nvPicPr>
-          <p:cNvPr id="8" name="Grafik 7"/>
-          <p:cNvPicPr/>
-          <p:nvPr/>
-        </p:nvPicPr>
-        <p:blipFill rotWithShape="1">
-          <a:blip r:embed="rId4" cstate="print">
-            <a:extLst>
-              <a:ext uri="{28A0092B-C50C-407E-A947-70E740481C1C}">
-                <a14:useLocalDpi xmlns:a14="http://schemas.microsoft.com/office/drawing/2010/main" val="0"/>
-              </a:ext>
-            </a:extLst>
-          </a:blip>
-          <a:srcRect r="14640"/>
-          <a:stretch/>
-        </p:blipFill>
-        <p:spPr bwMode="auto">
-          <a:xfrm>
-            <a:off x="4120889" y="5159303"/>
-            <a:ext cx="2409825" cy="3336290"/>
-          </a:xfrm>
-          <a:prstGeom prst="rect">
-            <a:avLst/>
-          </a:prstGeom>
-          <a:ln>
-            <a:noFill/>
-          </a:ln>
-          <a:extLst>
-            <a:ext uri="{53640926-AAD7-44D8-BBD7-CCE9431645EC}">
-              <a14:shadowObscured xmlns:a14="http://schemas.microsoft.com/office/drawing/2010/main"/>
-            </a:ext>
-          </a:extLst>
-        </p:spPr>
-      </p:pic>
-      <p:sp>
-        <p:nvSpPr>
-          <p:cNvPr id="9" name="Ellipse 8"/>
+          </p:cNvPr>
           <p:cNvSpPr/>
           <p:nvPr/>
         </p:nvSpPr>
         <p:spPr>
           <a:xfrm>
-            <a:off x="5382659" y="5868969"/>
-            <a:ext cx="1266825" cy="361950"/>
-          </a:xfrm>
-          <a:prstGeom prst="ellipse">
+            <a:off x="235744" y="5558090"/>
+            <a:ext cx="1652752" cy="2682240"/>
+          </a:xfrm>
+          <a:prstGeom prst="rect">
             <a:avLst/>
           </a:prstGeom>
           <a:noFill/>
-          <a:ln w="19050">
+          <a:ln w="28575">
             <a:solidFill>
               <a:srgbClr val="FF0000"/>
             </a:solidFill>
@@ -7141,149 +7527,264 @@
         </p:spPr>
         <p:style>
           <a:lnRef idx="2">
-            <a:schemeClr val="accent2"/>
+            <a:schemeClr val="accent1">
+              <a:shade val="50000"/>
+            </a:schemeClr>
           </a:lnRef>
           <a:fillRef idx="1">
-            <a:schemeClr val="lt1"/>
-          </a:fillRef>
-          <a:effectRef idx="0">
-            <a:schemeClr val="accent2"/>
-          </a:effectRef>
-          <a:fontRef idx="minor">
-            <a:schemeClr val="dk1"/>
-          </a:fontRef>
-        </p:style>
-        <p:txBody>
-          <a:bodyPr rot="0" spcFirstLastPara="0" vert="horz" wrap="square" lIns="91440" tIns="45720" rIns="91440" bIns="45720" numCol="1" spcCol="0" rtlCol="0" fromWordArt="0" anchor="ctr" anchorCtr="0" forceAA="0" compatLnSpc="1">
-            <a:prstTxWarp prst="textNoShape">
-              <a:avLst/>
-            </a:prstTxWarp>
-            <a:noAutofit/>
-          </a:bodyPr>
-          <a:lstStyle/>
-          <a:p>
-            <a:endParaRPr lang="de-DE"/>
-          </a:p>
-        </p:txBody>
-      </p:sp>
-      <p:sp>
-        <p:nvSpPr>
-          <p:cNvPr id="10" name="Ellipse 9"/>
-          <p:cNvSpPr/>
-          <p:nvPr/>
-        </p:nvSpPr>
-        <p:spPr>
-          <a:xfrm>
-            <a:off x="4087259" y="7963199"/>
-            <a:ext cx="762000" cy="304800"/>
-          </a:xfrm>
-          <a:prstGeom prst="ellipse">
-            <a:avLst/>
-          </a:prstGeom>
-          <a:noFill/>
-          <a:ln w="19050">
-            <a:solidFill>
-              <a:srgbClr val="FF0000"/>
-            </a:solidFill>
-          </a:ln>
-        </p:spPr>
-        <p:style>
-          <a:lnRef idx="2">
-            <a:schemeClr val="accent2"/>
-          </a:lnRef>
-          <a:fillRef idx="1">
-            <a:schemeClr val="lt1"/>
-          </a:fillRef>
-          <a:effectRef idx="0">
-            <a:schemeClr val="accent2"/>
-          </a:effectRef>
-          <a:fontRef idx="minor">
-            <a:schemeClr val="dk1"/>
-          </a:fontRef>
-        </p:style>
-        <p:txBody>
-          <a:bodyPr rot="0" spcFirstLastPara="0" vert="horz" wrap="square" lIns="91440" tIns="45720" rIns="91440" bIns="45720" numCol="1" spcCol="0" rtlCol="0" fromWordArt="0" anchor="ctr" anchorCtr="0" forceAA="0" compatLnSpc="1">
-            <a:prstTxWarp prst="textNoShape">
-              <a:avLst/>
-            </a:prstTxWarp>
-            <a:noAutofit/>
-          </a:bodyPr>
-          <a:lstStyle/>
-          <a:p>
-            <a:endParaRPr lang="de-DE"/>
-          </a:p>
-        </p:txBody>
-      </p:sp>
-      <p:cxnSp>
-        <p:nvCxnSpPr>
-          <p:cNvPr id="11" name="Gerade Verbindung mit Pfeil 10"/>
-          <p:cNvCxnSpPr/>
-          <p:nvPr/>
-        </p:nvCxnSpPr>
-        <p:spPr>
-          <a:xfrm flipH="1">
-            <a:off x="4810524" y="6239174"/>
-            <a:ext cx="1181100" cy="1790700"/>
-          </a:xfrm>
-          <a:prstGeom prst="straightConnector1">
-            <a:avLst/>
-          </a:prstGeom>
-          <a:ln w="19050">
-            <a:solidFill>
-              <a:srgbClr val="FF0000"/>
-            </a:solidFill>
-            <a:tailEnd type="triangle"/>
-          </a:ln>
-        </p:spPr>
-        <p:style>
-          <a:lnRef idx="1">
-            <a:schemeClr val="accent1"/>
-          </a:lnRef>
-          <a:fillRef idx="0">
             <a:schemeClr val="accent1"/>
           </a:fillRef>
           <a:effectRef idx="0">
             <a:schemeClr val="accent1"/>
           </a:effectRef>
           <a:fontRef idx="minor">
-            <a:schemeClr val="tx1"/>
+            <a:schemeClr val="lt1"/>
           </a:fontRef>
         </p:style>
-      </p:cxnSp>
-      <p:pic>
-        <p:nvPicPr>
-          <p:cNvPr id="12" name="Grafik 11"/>
-          <p:cNvPicPr>
-            <a:picLocks noChangeAspect="1"/>
-          </p:cNvPicPr>
-          <p:nvPr/>
-        </p:nvPicPr>
-        <p:blipFill>
-          <a:blip r:embed="rId5">
+        <p:txBody>
+          <a:bodyPr rtlCol="0" anchor="ctr"/>
+          <a:lstStyle/>
+          <a:p>
+            <a:pPr algn="ctr"/>
+            <a:endParaRPr lang="de-DE"/>
+          </a:p>
+        </p:txBody>
+      </p:sp>
+      <p:sp>
+        <p:nvSpPr>
+          <p:cNvPr id="9" name="Rechteck 8">
             <a:extLst>
-              <a:ext uri="{28A0092B-C50C-407E-A947-70E740481C1C}">
-                <a14:useLocalDpi xmlns:a14="http://schemas.microsoft.com/office/drawing/2010/main" val="0"/>
+              <a:ext uri="{FF2B5EF4-FFF2-40B4-BE49-F238E27FC236}">
+                <a16:creationId xmlns:a16="http://schemas.microsoft.com/office/drawing/2014/main" id="{C85A66DF-EBA6-4A17-A1A6-EB3C2D6D7AC4}"/>
               </a:ext>
             </a:extLst>
-          </a:blip>
-          <a:stretch>
-            <a:fillRect/>
-          </a:stretch>
-        </p:blipFill>
-        <p:spPr>
-          <a:xfrm>
-            <a:off x="3224411" y="2085975"/>
-            <a:ext cx="3258329" cy="714837"/>
+          </p:cNvPr>
+          <p:cNvSpPr/>
+          <p:nvPr/>
+        </p:nvSpPr>
+        <p:spPr>
+          <a:xfrm>
+            <a:off x="3038855" y="5558090"/>
+            <a:ext cx="3471359" cy="2682240"/>
           </a:xfrm>
           <a:prstGeom prst="rect">
             <a:avLst/>
           </a:prstGeom>
-        </p:spPr>
-      </p:pic>
+          <a:noFill/>
+          <a:ln w="28575">
+            <a:solidFill>
+              <a:srgbClr val="92D050"/>
+            </a:solidFill>
+          </a:ln>
+        </p:spPr>
+        <p:style>
+          <a:lnRef idx="2">
+            <a:schemeClr val="accent1">
+              <a:shade val="50000"/>
+            </a:schemeClr>
+          </a:lnRef>
+          <a:fillRef idx="1">
+            <a:schemeClr val="accent1"/>
+          </a:fillRef>
+          <a:effectRef idx="0">
+            <a:schemeClr val="accent1"/>
+          </a:effectRef>
+          <a:fontRef idx="minor">
+            <a:schemeClr val="lt1"/>
+          </a:fontRef>
+        </p:style>
+        <p:txBody>
+          <a:bodyPr rtlCol="0" anchor="ctr"/>
+          <a:lstStyle/>
+          <a:p>
+            <a:pPr algn="ctr"/>
+            <a:endParaRPr lang="de-DE"/>
+          </a:p>
+        </p:txBody>
+      </p:sp>
+      <p:sp>
+        <p:nvSpPr>
+          <p:cNvPr id="10" name="Textfeld 9">
+            <a:extLst>
+              <a:ext uri="{FF2B5EF4-FFF2-40B4-BE49-F238E27FC236}">
+                <a16:creationId xmlns:a16="http://schemas.microsoft.com/office/drawing/2014/main" id="{DD3D363A-2A0A-4655-93E1-4201A1FDB347}"/>
+              </a:ext>
+            </a:extLst>
+          </p:cNvPr>
+          <p:cNvSpPr txBox="1"/>
+          <p:nvPr/>
+        </p:nvSpPr>
+        <p:spPr>
+          <a:xfrm>
+            <a:off x="221239" y="7610395"/>
+            <a:ext cx="1287468" cy="523220"/>
+          </a:xfrm>
+          <a:prstGeom prst="rect">
+            <a:avLst/>
+          </a:prstGeom>
+          <a:noFill/>
+        </p:spPr>
+        <p:txBody>
+          <a:bodyPr wrap="none" rtlCol="0">
+            <a:spAutoFit/>
+          </a:bodyPr>
+          <a:lstStyle/>
+          <a:p>
+            <a:r>
+              <a:rPr lang="de-DE" sz="1400" dirty="0">
+                <a:solidFill>
+                  <a:srgbClr val="FF0000"/>
+                </a:solidFill>
+              </a:rPr>
+              <a:t>Voransicht </a:t>
+            </a:r>
+          </a:p>
+          <a:p>
+            <a:r>
+              <a:rPr lang="de-DE" sz="1400" dirty="0">
+                <a:solidFill>
+                  <a:srgbClr val="FF0000"/>
+                </a:solidFill>
+              </a:rPr>
+              <a:t>und Simulation</a:t>
+            </a:r>
+          </a:p>
+        </p:txBody>
+      </p:sp>
+      <p:sp>
+        <p:nvSpPr>
+          <p:cNvPr id="11" name="Textfeld 10">
+            <a:extLst>
+              <a:ext uri="{FF2B5EF4-FFF2-40B4-BE49-F238E27FC236}">
+                <a16:creationId xmlns:a16="http://schemas.microsoft.com/office/drawing/2014/main" id="{6CE631E5-7E59-40CD-B373-A2CBF7E31029}"/>
+              </a:ext>
+            </a:extLst>
+          </p:cNvPr>
+          <p:cNvSpPr txBox="1"/>
+          <p:nvPr/>
+        </p:nvSpPr>
+        <p:spPr>
+          <a:xfrm>
+            <a:off x="1917201" y="7829245"/>
+            <a:ext cx="1121654" cy="307777"/>
+          </a:xfrm>
+          <a:prstGeom prst="rect">
+            <a:avLst/>
+          </a:prstGeom>
+          <a:noFill/>
+        </p:spPr>
+        <p:txBody>
+          <a:bodyPr wrap="none" rtlCol="0">
+            <a:spAutoFit/>
+          </a:bodyPr>
+          <a:lstStyle/>
+          <a:p>
+            <a:r>
+              <a:rPr lang="de-DE" sz="1400" dirty="0">
+                <a:solidFill>
+                  <a:srgbClr val="7030A0"/>
+                </a:solidFill>
+              </a:rPr>
+              <a:t>Blockbereich</a:t>
+            </a:r>
+          </a:p>
+        </p:txBody>
+      </p:sp>
+      <p:sp>
+        <p:nvSpPr>
+          <p:cNvPr id="12" name="Textfeld 11">
+            <a:extLst>
+              <a:ext uri="{FF2B5EF4-FFF2-40B4-BE49-F238E27FC236}">
+                <a16:creationId xmlns:a16="http://schemas.microsoft.com/office/drawing/2014/main" id="{58B9DD3A-767D-4BD4-94CF-3C1CD6EFA6A7}"/>
+              </a:ext>
+            </a:extLst>
+          </p:cNvPr>
+          <p:cNvSpPr txBox="1"/>
+          <p:nvPr/>
+        </p:nvSpPr>
+        <p:spPr>
+          <a:xfrm>
+            <a:off x="3043795" y="7831393"/>
+            <a:ext cx="1254702" cy="307777"/>
+          </a:xfrm>
+          <a:prstGeom prst="rect">
+            <a:avLst/>
+          </a:prstGeom>
+          <a:noFill/>
+        </p:spPr>
+        <p:txBody>
+          <a:bodyPr wrap="none" rtlCol="0">
+            <a:spAutoFit/>
+          </a:bodyPr>
+          <a:lstStyle/>
+          <a:p>
+            <a:r>
+              <a:rPr lang="de-DE" sz="1400" dirty="0">
+                <a:solidFill>
+                  <a:srgbClr val="92D050"/>
+                </a:solidFill>
+              </a:rPr>
+              <a:t>Arbeitsbereich</a:t>
+            </a:r>
+          </a:p>
+        </p:txBody>
+      </p:sp>
+      <p:sp>
+        <p:nvSpPr>
+          <p:cNvPr id="13" name="Rechteck 12">
+            <a:extLst>
+              <a:ext uri="{FF2B5EF4-FFF2-40B4-BE49-F238E27FC236}">
+                <a16:creationId xmlns:a16="http://schemas.microsoft.com/office/drawing/2014/main" id="{D5529A55-EA32-48E9-B3A8-595EC560E2C4}"/>
+              </a:ext>
+            </a:extLst>
+          </p:cNvPr>
+          <p:cNvSpPr/>
+          <p:nvPr/>
+        </p:nvSpPr>
+        <p:spPr>
+          <a:xfrm>
+            <a:off x="1928119" y="5558090"/>
+            <a:ext cx="1071113" cy="2682240"/>
+          </a:xfrm>
+          <a:prstGeom prst="rect">
+            <a:avLst/>
+          </a:prstGeom>
+          <a:noFill/>
+          <a:ln w="28575">
+            <a:solidFill>
+              <a:srgbClr val="7030A0"/>
+            </a:solidFill>
+          </a:ln>
+        </p:spPr>
+        <p:style>
+          <a:lnRef idx="2">
+            <a:schemeClr val="accent1">
+              <a:shade val="50000"/>
+            </a:schemeClr>
+          </a:lnRef>
+          <a:fillRef idx="1">
+            <a:schemeClr val="accent1"/>
+          </a:fillRef>
+          <a:effectRef idx="0">
+            <a:schemeClr val="accent1"/>
+          </a:effectRef>
+          <a:fontRef idx="minor">
+            <a:schemeClr val="lt1"/>
+          </a:fontRef>
+        </p:style>
+        <p:txBody>
+          <a:bodyPr rtlCol="0" anchor="ctr"/>
+          <a:lstStyle/>
+          <a:p>
+            <a:pPr algn="ctr"/>
+            <a:endParaRPr lang="de-DE"/>
+          </a:p>
+        </p:txBody>
+      </p:sp>
     </p:spTree>
     <p:extLst>
       <p:ext uri="{BB962C8B-B14F-4D97-AF65-F5344CB8AC3E}">
-        <p14:creationId xmlns:p14="http://schemas.microsoft.com/office/powerpoint/2010/main" val="492061270"/>
+        <p14:creationId xmlns:p14="http://schemas.microsoft.com/office/powerpoint/2010/main" val="1453808479"/>
       </p:ext>
     </p:extLst>
   </p:cSld>
@@ -7326,17 +7827,20 @@
           <a:lstStyle/>
           <a:p>
             <a:r>
+              <a:rPr lang="de-DE" dirty="0"/>
+              <a:t>Ein Programm auf den </a:t>
+            </a:r>
+            <a:r>
               <a:rPr lang="de-DE" dirty="0" err="1"/>
               <a:t>Calliope</a:t>
             </a:r>
             <a:r>
               <a:rPr lang="de-DE" dirty="0"/>
-              <a:t> </a:t>
-            </a:r>
-            <a:r>
-              <a:rPr lang="de-DE" dirty="0" err="1"/>
-              <a:t>Unboxing</a:t>
-            </a:r>
+              <a:t> hochladen</a:t>
+            </a:r>
+            <a:br>
+              <a:rPr lang="de-DE" dirty="0"/>
+            </a:br>
             <a:endParaRPr lang="de-DE" dirty="0"/>
           </a:p>
         </p:txBody>
@@ -7356,7 +7860,10 @@
           <a:bodyPr/>
           <a:lstStyle/>
           <a:p>
-            <a:endParaRPr lang="de-DE" dirty="0"/>
+            <a:r>
+              <a:rPr lang="de-DE" dirty="0"/>
+              <a:t>Grundlagen</a:t>
+            </a:r>
           </a:p>
         </p:txBody>
       </p:sp>
@@ -7372,84 +7879,251 @@
         </p:nvSpPr>
         <p:spPr>
           <a:xfrm>
-            <a:off x="4800581" y="1923896"/>
-            <a:ext cx="1688354" cy="1969150"/>
+            <a:off x="468001" y="2085975"/>
+            <a:ext cx="3619258" cy="6629400"/>
           </a:xfrm>
         </p:spPr>
         <p:txBody>
           <a:bodyPr/>
           <a:lstStyle/>
           <a:p>
-            <a:r>
-              <a:rPr lang="de-DE" dirty="0"/>
-              <a:t>Stückliste:</a:t>
-            </a:r>
-          </a:p>
-          <a:p>
-            <a:pPr marL="171450" indent="-171450">
-              <a:buFont typeface="Arial" panose="020B0604020202020204" pitchFamily="34" charset="0"/>
-              <a:buChar char="•"/>
+            <a:pPr marL="228600" lvl="0" indent="-228600">
+              <a:buFont typeface="+mj-lt"/>
+              <a:buAutoNum type="arabicPeriod"/>
             </a:pPr>
             <a:r>
-              <a:rPr lang="de-DE" dirty="0" err="1"/>
+              <a:rPr lang="de-DE" sz="1400" dirty="0"/>
+              <a:t>Öffne </a:t>
+            </a:r>
+            <a:r>
+              <a:rPr lang="de-DE" sz="1400" b="1" dirty="0"/>
+              <a:t>makecode.calliope.cc/</a:t>
+            </a:r>
+            <a:r>
+              <a:rPr lang="de-DE" sz="1400" b="1" dirty="0" err="1"/>
+              <a:t>beta</a:t>
+            </a:r>
+            <a:r>
+              <a:rPr lang="de-DE" sz="1400" b="1" dirty="0"/>
+              <a:t> </a:t>
+            </a:r>
+            <a:r>
+              <a:rPr lang="de-DE" sz="1400" dirty="0"/>
+              <a:t>im </a:t>
+            </a:r>
+            <a:br>
+              <a:rPr lang="de-DE" sz="1400" dirty="0"/>
+            </a:br>
+            <a:r>
+              <a:rPr lang="de-DE" sz="1400" dirty="0"/>
+              <a:t>Web-Browser.</a:t>
+            </a:r>
+          </a:p>
+          <a:p>
+            <a:pPr marL="228600" lvl="0" indent="-228600">
+              <a:buFont typeface="+mj-lt"/>
+              <a:buAutoNum type="arabicPeriod"/>
+            </a:pPr>
+            <a:endParaRPr lang="de-DE" sz="1400" dirty="0"/>
+          </a:p>
+          <a:p>
+            <a:pPr marL="228600" indent="-228600">
+              <a:buFont typeface="+mj-lt"/>
+              <a:buAutoNum type="arabicPeriod"/>
+            </a:pPr>
+            <a:r>
+              <a:rPr lang="de-DE" sz="1400" dirty="0"/>
+              <a:t>Wähle nun einen Namen für das Programm, z.B. «</a:t>
+            </a:r>
+            <a:r>
+              <a:rPr lang="de-DE" sz="1400" dirty="0" err="1"/>
+              <a:t>mein_Code</a:t>
+            </a:r>
+            <a:r>
+              <a:rPr lang="de-DE" sz="1400" dirty="0"/>
+              <a:t>».</a:t>
+            </a:r>
+          </a:p>
+          <a:p>
+            <a:pPr marL="228600" lvl="0" indent="-228600">
+              <a:buFont typeface="+mj-lt"/>
+              <a:buAutoNum type="arabicPeriod"/>
+            </a:pPr>
+            <a:endParaRPr lang="de-DE" sz="1400" dirty="0"/>
+          </a:p>
+          <a:p>
+            <a:pPr marL="228600" lvl="0" indent="-228600">
+              <a:buFont typeface="+mj-lt"/>
+              <a:buAutoNum type="arabicPeriod"/>
+            </a:pPr>
+            <a:r>
+              <a:rPr lang="de-DE" sz="1400" dirty="0"/>
+              <a:t>Die Erstellung des Beispielcodes </a:t>
+            </a:r>
+            <a:br>
+              <a:rPr lang="de-DE" sz="1400" dirty="0"/>
+            </a:br>
+            <a:r>
+              <a:rPr lang="de-DE" sz="1400" dirty="0"/>
+              <a:t>„</a:t>
+            </a:r>
+            <a:r>
+              <a:rPr lang="de-DE" sz="1400" dirty="0" err="1"/>
+              <a:t>Hello</a:t>
+            </a:r>
+            <a:r>
+              <a:rPr lang="de-DE" sz="1400" dirty="0"/>
+              <a:t> World“ haben wir im vorherigen Kapitel behandelt.</a:t>
+            </a:r>
+          </a:p>
+          <a:p>
+            <a:pPr marL="228600" lvl="0" indent="-228600">
+              <a:buFont typeface="+mj-lt"/>
+              <a:buAutoNum type="arabicPeriod"/>
+            </a:pPr>
+            <a:endParaRPr lang="de-DE" sz="1400" dirty="0"/>
+          </a:p>
+          <a:p>
+            <a:pPr marL="228600" indent="-228600">
+              <a:buFont typeface="+mj-lt"/>
+              <a:buAutoNum type="arabicPeriod"/>
+            </a:pPr>
+            <a:endParaRPr lang="de-DE" sz="1400" dirty="0"/>
+          </a:p>
+          <a:p>
+            <a:pPr marL="228600" lvl="0" indent="-228600">
+              <a:buFont typeface="+mj-lt"/>
+              <a:buAutoNum type="arabicPeriod"/>
+            </a:pPr>
+            <a:r>
+              <a:rPr lang="de-DE" sz="1400" dirty="0"/>
+              <a:t>Klicke auf «Herunterladen» und speichere die Datei «mini-</a:t>
+            </a:r>
+            <a:r>
+              <a:rPr lang="de-DE" sz="1400" dirty="0" err="1"/>
+              <a:t>mein_Code.hex</a:t>
+            </a:r>
+            <a:r>
+              <a:rPr lang="de-DE" sz="1400" dirty="0"/>
+              <a:t>».</a:t>
+            </a:r>
+          </a:p>
+          <a:p>
+            <a:pPr marL="228600" indent="-228600">
+              <a:buFont typeface="+mj-lt"/>
+              <a:buAutoNum type="arabicPeriod"/>
+            </a:pPr>
+            <a:endParaRPr lang="de-DE" sz="1400" dirty="0"/>
+          </a:p>
+          <a:p>
+            <a:pPr marL="228600" indent="-228600">
+              <a:buFont typeface="+mj-lt"/>
+              <a:buAutoNum type="arabicPeriod"/>
+            </a:pPr>
+            <a:r>
+              <a:rPr lang="de-DE" sz="1400" dirty="0"/>
+              <a:t>Schließe den </a:t>
+            </a:r>
+            <a:r>
+              <a:rPr lang="de-DE" sz="1400" dirty="0" err="1"/>
               <a:t>Calliope</a:t>
             </a:r>
             <a:r>
-              <a:rPr lang="de-DE" dirty="0"/>
-              <a:t> (in Hülle)</a:t>
-            </a:r>
-          </a:p>
-          <a:p>
-            <a:pPr marL="171450" indent="-171450">
-              <a:buFont typeface="Arial" panose="020B0604020202020204" pitchFamily="34" charset="0"/>
-              <a:buChar char="•"/>
+              <a:rPr lang="de-DE" sz="1400" dirty="0"/>
+              <a:t> über das USB-Kabel an. </a:t>
+            </a:r>
+          </a:p>
+          <a:p>
+            <a:pPr marL="228600" indent="-228600">
+              <a:buFont typeface="+mj-lt"/>
+              <a:buAutoNum type="arabicPeriod"/>
             </a:pPr>
-            <a:r>
-              <a:rPr lang="de-DE" dirty="0"/>
-              <a:t>USB-Kabel</a:t>
-            </a:r>
-          </a:p>
-          <a:p>
-            <a:pPr marL="171450" indent="-171450">
-              <a:buFont typeface="Arial" panose="020B0604020202020204" pitchFamily="34" charset="0"/>
-              <a:buChar char="•"/>
+            <a:endParaRPr lang="de-DE" sz="1400" dirty="0"/>
+          </a:p>
+          <a:p>
+            <a:pPr marL="228600" lvl="0" indent="-228600">
+              <a:buFont typeface="+mj-lt"/>
+              <a:buAutoNum type="arabicPeriod"/>
             </a:pPr>
             <a:r>
-              <a:rPr lang="de-DE" dirty="0"/>
-              <a:t>Batteriepack mit 2 AAA Batterien</a:t>
-            </a:r>
-          </a:p>
-          <a:p>
-            <a:pPr marL="171450" indent="-171450">
-              <a:buFont typeface="Arial" panose="020B0604020202020204" pitchFamily="34" charset="0"/>
-              <a:buChar char="•"/>
+              <a:rPr lang="de-DE" sz="1400" dirty="0"/>
+              <a:t>Öffne den Datei-Explorer (</a:t>
+            </a:r>
+            <a:r>
+              <a:rPr lang="de-DE" sz="1400" dirty="0" err="1"/>
+              <a:t>Win</a:t>
+            </a:r>
+            <a:r>
+              <a:rPr lang="de-DE" sz="1400" dirty="0"/>
+              <a:t>) oder Finder (Mac) und ziehe die gespeicherte Datei auf das Laufwerk «MINI».</a:t>
+            </a:r>
+          </a:p>
+          <a:p>
+            <a:pPr marL="228600" indent="-228600">
+              <a:buFont typeface="+mj-lt"/>
+              <a:buAutoNum type="arabicPeriod"/>
             </a:pPr>
-            <a:r>
-              <a:rPr lang="de-DE" dirty="0"/>
-              <a:t>Bedienungsanleitung</a:t>
-            </a:r>
-          </a:p>
-          <a:p>
-            <a:pPr marL="171450" indent="-171450">
-              <a:buFont typeface="Arial" panose="020B0604020202020204" pitchFamily="34" charset="0"/>
-              <a:buChar char="•"/>
+            <a:endParaRPr lang="de-DE" sz="1400" dirty="0"/>
+          </a:p>
+          <a:p>
+            <a:pPr marL="228600" lvl="0" indent="-228600">
+              <a:buFont typeface="+mj-lt"/>
+              <a:buAutoNum type="arabicPeriod"/>
             </a:pPr>
             <a:r>
-              <a:rPr lang="de-DE" dirty="0"/>
-              <a:t>Box </a:t>
-            </a:r>
+              <a:rPr lang="de-DE" sz="1400" dirty="0"/>
+              <a:t>Solange das Programm auf den </a:t>
+            </a:r>
+            <a:r>
+              <a:rPr lang="de-DE" sz="1400" dirty="0" err="1"/>
+              <a:t>Calliope</a:t>
+            </a:r>
+            <a:r>
+              <a:rPr lang="de-DE" sz="1400" dirty="0"/>
+              <a:t> hochgeladen wird, blinkt ein gelbes Licht auf der Vorderseite. Das Programm startet anschließend von selbst.</a:t>
+            </a:r>
+          </a:p>
+          <a:p>
+            <a:pPr marL="228600" indent="-228600">
+              <a:buFont typeface="+mj-lt"/>
+              <a:buAutoNum type="arabicPeriod"/>
+            </a:pPr>
+            <a:endParaRPr lang="de-DE" sz="1400" dirty="0"/>
+          </a:p>
+          <a:p>
+            <a:pPr marL="228600" lvl="0" indent="-228600">
+              <a:buFont typeface="+mj-lt"/>
+              <a:buAutoNum type="arabicPeriod"/>
+            </a:pPr>
+            <a:r>
+              <a:rPr lang="de-DE" sz="1400" dirty="0"/>
+              <a:t>Bei jeder Änderung des Programmes muss es neu auf den </a:t>
+            </a:r>
+            <a:r>
+              <a:rPr lang="de-DE" sz="1400" dirty="0" err="1"/>
+              <a:t>Calliope</a:t>
+            </a:r>
+            <a:r>
+              <a:rPr lang="de-DE" sz="1400" dirty="0"/>
+              <a:t> hochgeladen werden (Schritt 4 - 7 wiederholen).</a:t>
+            </a:r>
+          </a:p>
+          <a:p>
+            <a:pPr marL="228600" indent="-228600">
+              <a:buFont typeface="+mj-lt"/>
+              <a:buAutoNum type="arabicPeriod"/>
+            </a:pPr>
+            <a:endParaRPr lang="de-DE" dirty="0"/>
           </a:p>
         </p:txBody>
       </p:sp>
       <p:pic>
         <p:nvPicPr>
-          <p:cNvPr id="5" name="Grafik 4"/>
-          <p:cNvPicPr>
-            <a:picLocks noChangeAspect="1"/>
-          </p:cNvPicPr>
+          <p:cNvPr id="8" name="Grafik 7"/>
+          <p:cNvPicPr/>
           <p:nvPr/>
         </p:nvPicPr>
-        <p:blipFill>
+        <p:blipFill rotWithShape="1">
           <a:blip r:embed="rId2" cstate="print">
             <a:extLst>
               <a:ext uri="{28A0092B-C50C-407E-A947-70E740481C1C}">
@@ -7457,74 +8131,218 @@
               </a:ext>
             </a:extLst>
           </a:blip>
-          <a:stretch>
-            <a:fillRect/>
-          </a:stretch>
+          <a:srcRect r="14640"/>
+          <a:stretch/>
         </p:blipFill>
-        <p:spPr>
-          <a:xfrm>
-            <a:off x="500126" y="4244886"/>
-            <a:ext cx="1845798" cy="1384739"/>
+        <p:spPr bwMode="auto">
+          <a:xfrm>
+            <a:off x="4120889" y="5159303"/>
+            <a:ext cx="2409825" cy="3336290"/>
           </a:xfrm>
           <a:prstGeom prst="rect">
             <a:avLst/>
           </a:prstGeom>
+          <a:ln>
+            <a:noFill/>
+          </a:ln>
+          <a:extLst>
+            <a:ext uri="{53640926-AAD7-44D8-BBD7-CCE9431645EC}">
+              <a14:shadowObscured xmlns:a14="http://schemas.microsoft.com/office/drawing/2010/main"/>
+            </a:ext>
+          </a:extLst>
         </p:spPr>
       </p:pic>
+      <p:sp>
+        <p:nvSpPr>
+          <p:cNvPr id="9" name="Ellipse 8"/>
+          <p:cNvSpPr/>
+          <p:nvPr/>
+        </p:nvSpPr>
+        <p:spPr>
+          <a:xfrm>
+            <a:off x="5382659" y="5868969"/>
+            <a:ext cx="1266825" cy="361950"/>
+          </a:xfrm>
+          <a:prstGeom prst="ellipse">
+            <a:avLst/>
+          </a:prstGeom>
+          <a:noFill/>
+          <a:ln w="19050">
+            <a:solidFill>
+              <a:srgbClr val="FF0000"/>
+            </a:solidFill>
+          </a:ln>
+        </p:spPr>
+        <p:style>
+          <a:lnRef idx="2">
+            <a:schemeClr val="accent2"/>
+          </a:lnRef>
+          <a:fillRef idx="1">
+            <a:schemeClr val="lt1"/>
+          </a:fillRef>
+          <a:effectRef idx="0">
+            <a:schemeClr val="accent2"/>
+          </a:effectRef>
+          <a:fontRef idx="minor">
+            <a:schemeClr val="dk1"/>
+          </a:fontRef>
+        </p:style>
+        <p:txBody>
+          <a:bodyPr rot="0" spcFirstLastPara="0" vert="horz" wrap="square" lIns="91440" tIns="45720" rIns="91440" bIns="45720" numCol="1" spcCol="0" rtlCol="0" fromWordArt="0" anchor="ctr" anchorCtr="0" forceAA="0" compatLnSpc="1">
+            <a:prstTxWarp prst="textNoShape">
+              <a:avLst/>
+            </a:prstTxWarp>
+            <a:noAutofit/>
+          </a:bodyPr>
+          <a:lstStyle/>
+          <a:p>
+            <a:endParaRPr lang="de-DE"/>
+          </a:p>
+        </p:txBody>
+      </p:sp>
+      <p:sp>
+        <p:nvSpPr>
+          <p:cNvPr id="10" name="Ellipse 9"/>
+          <p:cNvSpPr/>
+          <p:nvPr/>
+        </p:nvSpPr>
+        <p:spPr>
+          <a:xfrm>
+            <a:off x="4087259" y="7963199"/>
+            <a:ext cx="762000" cy="304800"/>
+          </a:xfrm>
+          <a:prstGeom prst="ellipse">
+            <a:avLst/>
+          </a:prstGeom>
+          <a:noFill/>
+          <a:ln w="19050">
+            <a:solidFill>
+              <a:srgbClr val="FF0000"/>
+            </a:solidFill>
+          </a:ln>
+        </p:spPr>
+        <p:style>
+          <a:lnRef idx="2">
+            <a:schemeClr val="accent2"/>
+          </a:lnRef>
+          <a:fillRef idx="1">
+            <a:schemeClr val="lt1"/>
+          </a:fillRef>
+          <a:effectRef idx="0">
+            <a:schemeClr val="accent2"/>
+          </a:effectRef>
+          <a:fontRef idx="minor">
+            <a:schemeClr val="dk1"/>
+          </a:fontRef>
+        </p:style>
+        <p:txBody>
+          <a:bodyPr rot="0" spcFirstLastPara="0" vert="horz" wrap="square" lIns="91440" tIns="45720" rIns="91440" bIns="45720" numCol="1" spcCol="0" rtlCol="0" fromWordArt="0" anchor="ctr" anchorCtr="0" forceAA="0" compatLnSpc="1">
+            <a:prstTxWarp prst="textNoShape">
+              <a:avLst/>
+            </a:prstTxWarp>
+            <a:noAutofit/>
+          </a:bodyPr>
+          <a:lstStyle/>
+          <a:p>
+            <a:endParaRPr lang="de-DE"/>
+          </a:p>
+        </p:txBody>
+      </p:sp>
+      <p:cxnSp>
+        <p:nvCxnSpPr>
+          <p:cNvPr id="11" name="Gerade Verbindung mit Pfeil 10"/>
+          <p:cNvCxnSpPr/>
+          <p:nvPr/>
+        </p:nvCxnSpPr>
+        <p:spPr>
+          <a:xfrm flipH="1">
+            <a:off x="4810524" y="6239174"/>
+            <a:ext cx="1181100" cy="1790700"/>
+          </a:xfrm>
+          <a:prstGeom prst="straightConnector1">
+            <a:avLst/>
+          </a:prstGeom>
+          <a:ln w="19050">
+            <a:solidFill>
+              <a:srgbClr val="FF0000"/>
+            </a:solidFill>
+            <a:tailEnd type="triangle"/>
+          </a:ln>
+        </p:spPr>
+        <p:style>
+          <a:lnRef idx="1">
+            <a:schemeClr val="accent1"/>
+          </a:lnRef>
+          <a:fillRef idx="0">
+            <a:schemeClr val="accent1"/>
+          </a:fillRef>
+          <a:effectRef idx="0">
+            <a:schemeClr val="accent1"/>
+          </a:effectRef>
+          <a:fontRef idx="minor">
+            <a:schemeClr val="tx1"/>
+          </a:fontRef>
+        </p:style>
+      </p:cxnSp>
       <p:pic>
         <p:nvPicPr>
-          <p:cNvPr id="6" name="Grafik 5"/>
+          <p:cNvPr id="13" name="Grafik 12">
+            <a:extLst>
+              <a:ext uri="{FF2B5EF4-FFF2-40B4-BE49-F238E27FC236}">
+                <a16:creationId xmlns:a16="http://schemas.microsoft.com/office/drawing/2014/main" id="{CD0A5D1E-77AF-4AA3-B95D-391362F3B660}"/>
+              </a:ext>
+            </a:extLst>
+          </p:cNvPr>
           <p:cNvPicPr>
             <a:picLocks noChangeAspect="1"/>
           </p:cNvPicPr>
           <p:nvPr/>
         </p:nvPicPr>
         <p:blipFill>
-          <a:blip r:embed="rId3" cstate="print">
-            <a:extLst>
-              <a:ext uri="{28A0092B-C50C-407E-A947-70E740481C1C}">
-                <a14:useLocalDpi xmlns:a14="http://schemas.microsoft.com/office/drawing/2010/main" val="0"/>
-              </a:ext>
-            </a:extLst>
-          </a:blip>
+          <a:blip r:embed="rId3"/>
           <a:stretch>
             <a:fillRect/>
           </a:stretch>
         </p:blipFill>
         <p:spPr>
           <a:xfrm>
-            <a:off x="2485418" y="1923896"/>
-            <a:ext cx="2148596" cy="1611902"/>
+            <a:off x="4287774" y="1971312"/>
+            <a:ext cx="1904365" cy="1288982"/>
           </a:xfrm>
           <a:prstGeom prst="rect">
             <a:avLst/>
           </a:prstGeom>
+          <a:ln>
+            <a:solidFill>
+              <a:schemeClr val="tx1"/>
+            </a:solidFill>
+          </a:ln>
         </p:spPr>
       </p:pic>
       <p:pic>
         <p:nvPicPr>
-          <p:cNvPr id="7" name="Grafik 6"/>
+          <p:cNvPr id="5" name="Grafik 4">
+            <a:extLst>
+              <a:ext uri="{FF2B5EF4-FFF2-40B4-BE49-F238E27FC236}">
+                <a16:creationId xmlns:a16="http://schemas.microsoft.com/office/drawing/2014/main" id="{0F06347D-80F8-46AD-9E49-56025F746E58}"/>
+              </a:ext>
+            </a:extLst>
+          </p:cNvPr>
           <p:cNvPicPr>
             <a:picLocks noChangeAspect="1"/>
           </p:cNvPicPr>
           <p:nvPr/>
         </p:nvPicPr>
         <p:blipFill>
-          <a:blip r:embed="rId4" cstate="print">
-            <a:extLst>
-              <a:ext uri="{28A0092B-C50C-407E-A947-70E740481C1C}">
-                <a14:useLocalDpi xmlns:a14="http://schemas.microsoft.com/office/drawing/2010/main" val="0"/>
-              </a:ext>
-            </a:extLst>
-          </a:blip>
+          <a:blip r:embed="rId4"/>
           <a:stretch>
             <a:fillRect/>
           </a:stretch>
         </p:blipFill>
         <p:spPr>
           <a:xfrm>
-            <a:off x="917278" y="6449050"/>
-            <a:ext cx="2462487" cy="1847387"/>
+            <a:off x="4287774" y="4637783"/>
+            <a:ext cx="1866900" cy="333375"/>
           </a:xfrm>
           <a:prstGeom prst="rect">
             <a:avLst/>
@@ -7533,88 +8351,28 @@
       </p:pic>
       <p:pic>
         <p:nvPicPr>
-          <p:cNvPr id="8" name="Grafik 7"/>
+          <p:cNvPr id="14" name="Grafik 13">
+            <a:extLst>
+              <a:ext uri="{FF2B5EF4-FFF2-40B4-BE49-F238E27FC236}">
+                <a16:creationId xmlns:a16="http://schemas.microsoft.com/office/drawing/2014/main" id="{B3BDECC5-6075-4892-BA39-07F4DD8A353D}"/>
+              </a:ext>
+            </a:extLst>
+          </p:cNvPr>
           <p:cNvPicPr>
             <a:picLocks noChangeAspect="1"/>
           </p:cNvPicPr>
           <p:nvPr/>
         </p:nvPicPr>
         <p:blipFill>
-          <a:blip r:embed="rId5" cstate="print">
-            <a:extLst>
-              <a:ext uri="{28A0092B-C50C-407E-A947-70E740481C1C}">
-                <a14:useLocalDpi xmlns:a14="http://schemas.microsoft.com/office/drawing/2010/main" val="0"/>
-              </a:ext>
-            </a:extLst>
-          </a:blip>
+          <a:blip r:embed="rId5"/>
           <a:stretch>
             <a:fillRect/>
           </a:stretch>
         </p:blipFill>
         <p:spPr>
           <a:xfrm>
-            <a:off x="3731097" y="6452177"/>
-            <a:ext cx="2458319" cy="1844260"/>
-          </a:xfrm>
-          <a:prstGeom prst="rect">
-            <a:avLst/>
-          </a:prstGeom>
-        </p:spPr>
-      </p:pic>
-      <p:pic>
-        <p:nvPicPr>
-          <p:cNvPr id="9" name="Grafik 8"/>
-          <p:cNvPicPr>
-            <a:picLocks noChangeAspect="1"/>
-          </p:cNvPicPr>
-          <p:nvPr/>
-        </p:nvPicPr>
-        <p:blipFill>
-          <a:blip r:embed="rId6" cstate="print">
-            <a:extLst>
-              <a:ext uri="{28A0092B-C50C-407E-A947-70E740481C1C}">
-                <a14:useLocalDpi xmlns:a14="http://schemas.microsoft.com/office/drawing/2010/main" val="0"/>
-              </a:ext>
-            </a:extLst>
-          </a:blip>
-          <a:stretch>
-            <a:fillRect/>
-          </a:stretch>
-        </p:blipFill>
-        <p:spPr>
-          <a:xfrm>
-            <a:off x="4800581" y="4261846"/>
-            <a:ext cx="1799706" cy="1350818"/>
-          </a:xfrm>
-          <a:prstGeom prst="rect">
-            <a:avLst/>
-          </a:prstGeom>
-        </p:spPr>
-      </p:pic>
-      <p:pic>
-        <p:nvPicPr>
-          <p:cNvPr id="10" name="Grafik 9"/>
-          <p:cNvPicPr>
-            <a:picLocks noChangeAspect="1"/>
-          </p:cNvPicPr>
-          <p:nvPr/>
-        </p:nvPicPr>
-        <p:blipFill>
-          <a:blip r:embed="rId7" cstate="print">
-            <a:extLst>
-              <a:ext uri="{28A0092B-C50C-407E-A947-70E740481C1C}">
-                <a14:useLocalDpi xmlns:a14="http://schemas.microsoft.com/office/drawing/2010/main" val="0"/>
-              </a:ext>
-            </a:extLst>
-          </a:blip>
-          <a:stretch>
-            <a:fillRect/>
-          </a:stretch>
-        </p:blipFill>
-        <p:spPr>
-          <a:xfrm>
-            <a:off x="2485418" y="3784581"/>
-            <a:ext cx="2175669" cy="2306466"/>
+            <a:off x="3854527" y="3436998"/>
+            <a:ext cx="1763291" cy="895350"/>
           </a:xfrm>
           <a:prstGeom prst="rect">
             <a:avLst/>
@@ -7624,7 +8382,7 @@
     </p:spTree>
     <p:extLst>
       <p:ext uri="{BB962C8B-B14F-4D97-AF65-F5344CB8AC3E}">
-        <p14:creationId xmlns:p14="http://schemas.microsoft.com/office/powerpoint/2010/main" val="164617255"/>
+        <p14:creationId xmlns:p14="http://schemas.microsoft.com/office/powerpoint/2010/main" val="492061270"/>
       </p:ext>
     </p:extLst>
   </p:cSld>
@@ -7667,9 +8425,18 @@
           <a:lstStyle/>
           <a:p>
             <a:r>
+              <a:rPr lang="de-DE" dirty="0" err="1"/>
+              <a:t>Calliope</a:t>
+            </a:r>
+            <a:r>
               <a:rPr lang="de-DE" dirty="0"/>
-              <a:t>Kurzanleitungen Standardbefehle</a:t>
-            </a:r>
+              <a:t> </a:t>
+            </a:r>
+            <a:r>
+              <a:rPr lang="de-DE" dirty="0" err="1"/>
+              <a:t>Unboxing</a:t>
+            </a:r>
+            <a:endParaRPr lang="de-DE" dirty="0"/>
           </a:p>
         </p:txBody>
       </p:sp>
@@ -7688,19 +8455,634 @@
           <a:bodyPr/>
           <a:lstStyle/>
           <a:p>
-            <a:endParaRPr lang="de-DE"/>
-          </a:p>
-        </p:txBody>
-      </p:sp>
-      <p:pic>
-        <p:nvPicPr>
-          <p:cNvPr id="6" name="Inhaltsplatzhalter 5"/>
-          <p:cNvPicPr>
-            <a:picLocks noGrp="1" noChangeAspect="1"/>
-          </p:cNvPicPr>
+            <a:endParaRPr lang="de-DE" dirty="0"/>
+          </a:p>
+        </p:txBody>
+      </p:sp>
+      <p:sp>
+        <p:nvSpPr>
+          <p:cNvPr id="4" name="Inhaltsplatzhalter 3"/>
+          <p:cNvSpPr>
+            <a:spLocks noGrp="1"/>
+          </p:cNvSpPr>
           <p:nvPr>
             <p:ph sz="quarter" idx="14"/>
           </p:nvPr>
+        </p:nvSpPr>
+        <p:spPr>
+          <a:xfrm>
+            <a:off x="4800581" y="1923896"/>
+            <a:ext cx="1688354" cy="1969150"/>
+          </a:xfrm>
+        </p:spPr>
+        <p:txBody>
+          <a:bodyPr/>
+          <a:lstStyle/>
+          <a:p>
+            <a:r>
+              <a:rPr lang="de-DE" dirty="0"/>
+              <a:t>Stückliste:</a:t>
+            </a:r>
+          </a:p>
+          <a:p>
+            <a:pPr marL="171450" indent="-171450">
+              <a:buFont typeface="Arial" panose="020B0604020202020204" pitchFamily="34" charset="0"/>
+              <a:buChar char="•"/>
+            </a:pPr>
+            <a:r>
+              <a:rPr lang="de-DE" dirty="0" err="1"/>
+              <a:t>Calliope</a:t>
+            </a:r>
+            <a:r>
+              <a:rPr lang="de-DE" dirty="0"/>
+              <a:t> (in Hülle)</a:t>
+            </a:r>
+          </a:p>
+          <a:p>
+            <a:pPr marL="171450" indent="-171450">
+              <a:buFont typeface="Arial" panose="020B0604020202020204" pitchFamily="34" charset="0"/>
+              <a:buChar char="•"/>
+            </a:pPr>
+            <a:r>
+              <a:rPr lang="de-DE" dirty="0"/>
+              <a:t>USB-Kabel</a:t>
+            </a:r>
+          </a:p>
+          <a:p>
+            <a:pPr marL="171450" indent="-171450">
+              <a:buFont typeface="Arial" panose="020B0604020202020204" pitchFamily="34" charset="0"/>
+              <a:buChar char="•"/>
+            </a:pPr>
+            <a:r>
+              <a:rPr lang="de-DE" dirty="0"/>
+              <a:t>Batteriepack mit 2 AAA Batterien</a:t>
+            </a:r>
+          </a:p>
+          <a:p>
+            <a:pPr marL="171450" indent="-171450">
+              <a:buFont typeface="Arial" panose="020B0604020202020204" pitchFamily="34" charset="0"/>
+              <a:buChar char="•"/>
+            </a:pPr>
+            <a:r>
+              <a:rPr lang="de-DE" dirty="0"/>
+              <a:t>Bedienungsanleitung</a:t>
+            </a:r>
+          </a:p>
+          <a:p>
+            <a:pPr marL="171450" indent="-171450">
+              <a:buFont typeface="Arial" panose="020B0604020202020204" pitchFamily="34" charset="0"/>
+              <a:buChar char="•"/>
+            </a:pPr>
+            <a:r>
+              <a:rPr lang="de-DE" dirty="0"/>
+              <a:t>Box </a:t>
+            </a:r>
+          </a:p>
+        </p:txBody>
+      </p:sp>
+      <p:pic>
+        <p:nvPicPr>
+          <p:cNvPr id="5" name="Grafik 4"/>
+          <p:cNvPicPr>
+            <a:picLocks noChangeAspect="1"/>
+          </p:cNvPicPr>
+          <p:nvPr/>
+        </p:nvPicPr>
+        <p:blipFill>
+          <a:blip r:embed="rId2" cstate="print">
+            <a:extLst>
+              <a:ext uri="{28A0092B-C50C-407E-A947-70E740481C1C}">
+                <a14:useLocalDpi xmlns:a14="http://schemas.microsoft.com/office/drawing/2010/main" val="0"/>
+              </a:ext>
+            </a:extLst>
+          </a:blip>
+          <a:stretch>
+            <a:fillRect/>
+          </a:stretch>
+        </p:blipFill>
+        <p:spPr>
+          <a:xfrm>
+            <a:off x="500126" y="4244886"/>
+            <a:ext cx="1845798" cy="1384739"/>
+          </a:xfrm>
+          <a:prstGeom prst="rect">
+            <a:avLst/>
+          </a:prstGeom>
+        </p:spPr>
+      </p:pic>
+      <p:pic>
+        <p:nvPicPr>
+          <p:cNvPr id="6" name="Grafik 5"/>
+          <p:cNvPicPr>
+            <a:picLocks noChangeAspect="1"/>
+          </p:cNvPicPr>
+          <p:nvPr/>
+        </p:nvPicPr>
+        <p:blipFill>
+          <a:blip r:embed="rId3" cstate="print">
+            <a:extLst>
+              <a:ext uri="{28A0092B-C50C-407E-A947-70E740481C1C}">
+                <a14:useLocalDpi xmlns:a14="http://schemas.microsoft.com/office/drawing/2010/main" val="0"/>
+              </a:ext>
+            </a:extLst>
+          </a:blip>
+          <a:stretch>
+            <a:fillRect/>
+          </a:stretch>
+        </p:blipFill>
+        <p:spPr>
+          <a:xfrm>
+            <a:off x="2485418" y="1923896"/>
+            <a:ext cx="2148596" cy="1611902"/>
+          </a:xfrm>
+          <a:prstGeom prst="rect">
+            <a:avLst/>
+          </a:prstGeom>
+        </p:spPr>
+      </p:pic>
+      <p:pic>
+        <p:nvPicPr>
+          <p:cNvPr id="7" name="Grafik 6"/>
+          <p:cNvPicPr>
+            <a:picLocks noChangeAspect="1"/>
+          </p:cNvPicPr>
+          <p:nvPr/>
+        </p:nvPicPr>
+        <p:blipFill>
+          <a:blip r:embed="rId4" cstate="print">
+            <a:extLst>
+              <a:ext uri="{28A0092B-C50C-407E-A947-70E740481C1C}">
+                <a14:useLocalDpi xmlns:a14="http://schemas.microsoft.com/office/drawing/2010/main" val="0"/>
+              </a:ext>
+            </a:extLst>
+          </a:blip>
+          <a:stretch>
+            <a:fillRect/>
+          </a:stretch>
+        </p:blipFill>
+        <p:spPr>
+          <a:xfrm>
+            <a:off x="917278" y="6449050"/>
+            <a:ext cx="2462487" cy="1847387"/>
+          </a:xfrm>
+          <a:prstGeom prst="rect">
+            <a:avLst/>
+          </a:prstGeom>
+        </p:spPr>
+      </p:pic>
+      <p:pic>
+        <p:nvPicPr>
+          <p:cNvPr id="8" name="Grafik 7"/>
+          <p:cNvPicPr>
+            <a:picLocks noChangeAspect="1"/>
+          </p:cNvPicPr>
+          <p:nvPr/>
+        </p:nvPicPr>
+        <p:blipFill>
+          <a:blip r:embed="rId5" cstate="print">
+            <a:extLst>
+              <a:ext uri="{28A0092B-C50C-407E-A947-70E740481C1C}">
+                <a14:useLocalDpi xmlns:a14="http://schemas.microsoft.com/office/drawing/2010/main" val="0"/>
+              </a:ext>
+            </a:extLst>
+          </a:blip>
+          <a:stretch>
+            <a:fillRect/>
+          </a:stretch>
+        </p:blipFill>
+        <p:spPr>
+          <a:xfrm>
+            <a:off x="3731097" y="6452177"/>
+            <a:ext cx="2458319" cy="1844260"/>
+          </a:xfrm>
+          <a:prstGeom prst="rect">
+            <a:avLst/>
+          </a:prstGeom>
+        </p:spPr>
+      </p:pic>
+      <p:pic>
+        <p:nvPicPr>
+          <p:cNvPr id="9" name="Grafik 8"/>
+          <p:cNvPicPr>
+            <a:picLocks noChangeAspect="1"/>
+          </p:cNvPicPr>
+          <p:nvPr/>
+        </p:nvPicPr>
+        <p:blipFill>
+          <a:blip r:embed="rId6" cstate="print">
+            <a:extLst>
+              <a:ext uri="{28A0092B-C50C-407E-A947-70E740481C1C}">
+                <a14:useLocalDpi xmlns:a14="http://schemas.microsoft.com/office/drawing/2010/main" val="0"/>
+              </a:ext>
+            </a:extLst>
+          </a:blip>
+          <a:stretch>
+            <a:fillRect/>
+          </a:stretch>
+        </p:blipFill>
+        <p:spPr>
+          <a:xfrm>
+            <a:off x="4800581" y="4261846"/>
+            <a:ext cx="1799706" cy="1350818"/>
+          </a:xfrm>
+          <a:prstGeom prst="rect">
+            <a:avLst/>
+          </a:prstGeom>
+        </p:spPr>
+      </p:pic>
+      <p:pic>
+        <p:nvPicPr>
+          <p:cNvPr id="10" name="Grafik 9"/>
+          <p:cNvPicPr>
+            <a:picLocks noChangeAspect="1"/>
+          </p:cNvPicPr>
+          <p:nvPr/>
+        </p:nvPicPr>
+        <p:blipFill>
+          <a:blip r:embed="rId7" cstate="print">
+            <a:extLst>
+              <a:ext uri="{28A0092B-C50C-407E-A947-70E740481C1C}">
+                <a14:useLocalDpi xmlns:a14="http://schemas.microsoft.com/office/drawing/2010/main" val="0"/>
+              </a:ext>
+            </a:extLst>
+          </a:blip>
+          <a:stretch>
+            <a:fillRect/>
+          </a:stretch>
+        </p:blipFill>
+        <p:spPr>
+          <a:xfrm>
+            <a:off x="2485418" y="3784581"/>
+            <a:ext cx="2175669" cy="2306466"/>
+          </a:xfrm>
+          <a:prstGeom prst="rect">
+            <a:avLst/>
+          </a:prstGeom>
+        </p:spPr>
+      </p:pic>
+    </p:spTree>
+    <p:extLst>
+      <p:ext uri="{BB962C8B-B14F-4D97-AF65-F5344CB8AC3E}">
+        <p14:creationId xmlns:p14="http://schemas.microsoft.com/office/powerpoint/2010/main" val="164617255"/>
+      </p:ext>
+    </p:extLst>
+  </p:cSld>
+  <p:clrMapOvr>
+    <a:masterClrMapping/>
+  </p:clrMapOvr>
+</p:sld>
+</file>
+
+<file path=ppt/slides/slide15.xml><?xml version="1.0" encoding="utf-8"?>
+<p:sld xmlns:a="http://schemas.openxmlformats.org/drawingml/2006/main" xmlns:r="http://schemas.openxmlformats.org/officeDocument/2006/relationships" xmlns:p="http://schemas.openxmlformats.org/presentationml/2006/main">
+  <p:cSld>
+    <p:spTree>
+      <p:nvGrpSpPr>
+        <p:cNvPr id="1" name=""/>
+        <p:cNvGrpSpPr/>
+        <p:nvPr/>
+      </p:nvGrpSpPr>
+      <p:grpSpPr>
+        <a:xfrm>
+          <a:off x="0" y="0"/>
+          <a:ext cx="0" cy="0"/>
+          <a:chOff x="0" y="0"/>
+          <a:chExt cx="0" cy="0"/>
+        </a:xfrm>
+      </p:grpSpPr>
+      <p:sp>
+        <p:nvSpPr>
+          <p:cNvPr id="2" name="Titel 1"/>
+          <p:cNvSpPr>
+            <a:spLocks noGrp="1"/>
+          </p:cNvSpPr>
+          <p:nvPr>
+            <p:ph type="title"/>
+          </p:nvPr>
+        </p:nvSpPr>
+        <p:spPr/>
+        <p:txBody>
+          <a:bodyPr/>
+          <a:lstStyle/>
+          <a:p>
+            <a:r>
+              <a:rPr lang="de-DE" dirty="0"/>
+              <a:t>Kurzanleitungen Standardbefehle</a:t>
+            </a:r>
+          </a:p>
+        </p:txBody>
+      </p:sp>
+      <p:sp>
+        <p:nvSpPr>
+          <p:cNvPr id="3" name="Textplatzhalter 2"/>
+          <p:cNvSpPr>
+            <a:spLocks noGrp="1"/>
+          </p:cNvSpPr>
+          <p:nvPr>
+            <p:ph type="body" sz="quarter" idx="13"/>
+          </p:nvPr>
+        </p:nvSpPr>
+        <p:spPr/>
+        <p:txBody>
+          <a:bodyPr/>
+          <a:lstStyle/>
+          <a:p>
+            <a:endParaRPr lang="de-DE"/>
+          </a:p>
+        </p:txBody>
+      </p:sp>
+      <p:sp>
+        <p:nvSpPr>
+          <p:cNvPr id="7" name="Textfeld 6"/>
+          <p:cNvSpPr txBox="1"/>
+          <p:nvPr/>
+        </p:nvSpPr>
+        <p:spPr>
+          <a:xfrm>
+            <a:off x="3689012" y="1351747"/>
+            <a:ext cx="2845138" cy="4278094"/>
+          </a:xfrm>
+          <a:prstGeom prst="rect">
+            <a:avLst/>
+          </a:prstGeom>
+          <a:noFill/>
+        </p:spPr>
+        <p:txBody>
+          <a:bodyPr wrap="square" rtlCol="0">
+            <a:spAutoFit/>
+          </a:bodyPr>
+          <a:lstStyle/>
+          <a:p>
+            <a:r>
+              <a:rPr lang="de-DE" sz="2000" dirty="0"/>
+              <a:t>Grundlagen:</a:t>
+            </a:r>
+          </a:p>
+          <a:p>
+            <a:pPr marL="285750" indent="-285750">
+              <a:buFont typeface="Arial" panose="020B0604020202020204" pitchFamily="34" charset="0"/>
+              <a:buChar char="•"/>
+            </a:pPr>
+            <a:r>
+              <a:rPr lang="de-DE" sz="1600" dirty="0"/>
+              <a:t>LED-Matrix</a:t>
+            </a:r>
+            <a:br>
+              <a:rPr lang="de-DE" sz="1600" dirty="0"/>
+            </a:br>
+            <a:r>
+              <a:rPr lang="de-DE" sz="1600" dirty="0"/>
+              <a:t>(Lauftext, Symbole, Zahlen)</a:t>
+            </a:r>
+          </a:p>
+          <a:p>
+            <a:pPr marL="285750" indent="-285750">
+              <a:buFont typeface="Arial" panose="020B0604020202020204" pitchFamily="34" charset="0"/>
+              <a:buChar char="•"/>
+            </a:pPr>
+            <a:r>
+              <a:rPr lang="de-DE" sz="1600" dirty="0"/>
+              <a:t>RGB-LED</a:t>
+            </a:r>
+          </a:p>
+          <a:p>
+            <a:pPr marL="285750" indent="-285750">
+              <a:buFont typeface="Arial" panose="020B0604020202020204" pitchFamily="34" charset="0"/>
+              <a:buChar char="•"/>
+            </a:pPr>
+            <a:r>
+              <a:rPr lang="de-DE" sz="1600" dirty="0"/>
+              <a:t>Pause</a:t>
+            </a:r>
+          </a:p>
+          <a:p>
+            <a:pPr marL="285750" indent="-285750">
+              <a:buFont typeface="Arial" panose="020B0604020202020204" pitchFamily="34" charset="0"/>
+              <a:buChar char="•"/>
+            </a:pPr>
+            <a:r>
+              <a:rPr lang="de-DE" sz="1600" dirty="0"/>
+              <a:t>Dauerhaft</a:t>
+            </a:r>
+          </a:p>
+          <a:p>
+            <a:r>
+              <a:rPr lang="de-DE" sz="2000" dirty="0"/>
+              <a:t>Eingabe:</a:t>
+            </a:r>
+          </a:p>
+          <a:p>
+            <a:pPr marL="285750" indent="-285750">
+              <a:buFont typeface="Arial" panose="020B0604020202020204" pitchFamily="34" charset="0"/>
+              <a:buChar char="•"/>
+            </a:pPr>
+            <a:r>
+              <a:rPr lang="de-DE" sz="1600" dirty="0"/>
+              <a:t>Event-Handler</a:t>
+            </a:r>
+          </a:p>
+          <a:p>
+            <a:pPr marL="285750" indent="-285750">
+              <a:buFont typeface="Arial" panose="020B0604020202020204" pitchFamily="34" charset="0"/>
+              <a:buChar char="•"/>
+            </a:pPr>
+            <a:r>
+              <a:rPr lang="de-DE" sz="1600" dirty="0"/>
+              <a:t>Sensorwerte</a:t>
+            </a:r>
+          </a:p>
+          <a:p>
+            <a:endParaRPr lang="de-DE" sz="1600" dirty="0"/>
+          </a:p>
+          <a:p>
+            <a:r>
+              <a:rPr lang="de-DE" sz="2000" dirty="0"/>
+              <a:t>Musik:</a:t>
+            </a:r>
+          </a:p>
+          <a:p>
+            <a:pPr marL="285750" indent="-285750">
+              <a:buFont typeface="Arial" panose="020B0604020202020204" pitchFamily="34" charset="0"/>
+              <a:buChar char="•"/>
+            </a:pPr>
+            <a:r>
+              <a:rPr lang="de-DE" sz="1600" dirty="0"/>
+              <a:t>Noten</a:t>
+            </a:r>
+          </a:p>
+          <a:p>
+            <a:pPr marL="285750" indent="-285750">
+              <a:buFont typeface="Arial" panose="020B0604020202020204" pitchFamily="34" charset="0"/>
+              <a:buChar char="•"/>
+            </a:pPr>
+            <a:r>
+              <a:rPr lang="de-DE" sz="1600" dirty="0"/>
+              <a:t>Beatgeschwindigkeit</a:t>
+            </a:r>
+          </a:p>
+          <a:p>
+            <a:r>
+              <a:rPr lang="de-DE" sz="2000" dirty="0"/>
+              <a:t>LED:</a:t>
+            </a:r>
+          </a:p>
+          <a:p>
+            <a:pPr marL="285750" indent="-285750">
+              <a:buFont typeface="Arial" panose="020B0604020202020204" pitchFamily="34" charset="0"/>
+              <a:buChar char="•"/>
+            </a:pPr>
+            <a:r>
+              <a:rPr lang="de-DE" sz="1600" dirty="0"/>
+              <a:t>Sonderfunktionen LED-Matrix</a:t>
+            </a:r>
+          </a:p>
+        </p:txBody>
+      </p:sp>
+      <p:sp>
+        <p:nvSpPr>
+          <p:cNvPr id="8" name="Textfeld 7"/>
+          <p:cNvSpPr txBox="1"/>
+          <p:nvPr/>
+        </p:nvSpPr>
+        <p:spPr>
+          <a:xfrm>
+            <a:off x="490753" y="5102216"/>
+            <a:ext cx="6043397" cy="3908762"/>
+          </a:xfrm>
+          <a:prstGeom prst="rect">
+            <a:avLst/>
+          </a:prstGeom>
+          <a:noFill/>
+        </p:spPr>
+        <p:txBody>
+          <a:bodyPr wrap="square" rtlCol="0">
+            <a:spAutoFit/>
+          </a:bodyPr>
+          <a:lstStyle/>
+          <a:p>
+            <a:r>
+              <a:rPr lang="de-DE" sz="2000" dirty="0"/>
+              <a:t>Schleifen:</a:t>
+            </a:r>
+          </a:p>
+          <a:p>
+            <a:pPr marL="285750" indent="-285750">
+              <a:buFont typeface="Arial" panose="020B0604020202020204" pitchFamily="34" charset="0"/>
+              <a:buChar char="•"/>
+            </a:pPr>
+            <a:r>
+              <a:rPr lang="de-DE" sz="1600" dirty="0"/>
+              <a:t>Wiederholung von Programmteilen</a:t>
+            </a:r>
+          </a:p>
+          <a:p>
+            <a:r>
+              <a:rPr lang="de-DE" sz="2000" dirty="0"/>
+              <a:t>Logik:</a:t>
+            </a:r>
+          </a:p>
+          <a:p>
+            <a:pPr marL="285750" indent="-285750">
+              <a:buFont typeface="Arial" panose="020B0604020202020204" pitchFamily="34" charset="0"/>
+              <a:buChar char="•"/>
+            </a:pPr>
+            <a:r>
+              <a:rPr lang="de-DE" sz="1600" dirty="0"/>
+              <a:t>Vergleiche und andere Wahrheitsüberprüfungen</a:t>
+            </a:r>
+          </a:p>
+          <a:p>
+            <a:pPr marL="285750" indent="-285750">
+              <a:buFont typeface="Arial" panose="020B0604020202020204" pitchFamily="34" charset="0"/>
+              <a:buChar char="•"/>
+            </a:pPr>
+            <a:r>
+              <a:rPr lang="de-DE" sz="1600" dirty="0"/>
+              <a:t>Wenn-Dann-Funktionen</a:t>
+            </a:r>
+          </a:p>
+          <a:p>
+            <a:r>
+              <a:rPr lang="de-DE" sz="2000" dirty="0"/>
+              <a:t>Variablen</a:t>
+            </a:r>
+          </a:p>
+          <a:p>
+            <a:pPr marL="285750" indent="-285750">
+              <a:buFont typeface="Arial" panose="020B0604020202020204" pitchFamily="34" charset="0"/>
+              <a:buChar char="•"/>
+            </a:pPr>
+            <a:r>
+              <a:rPr lang="de-DE" sz="1600" dirty="0"/>
+              <a:t>Funktionen rund um Platzhalter/Parameter</a:t>
+            </a:r>
+          </a:p>
+          <a:p>
+            <a:r>
+              <a:rPr lang="de-DE" sz="2000" dirty="0"/>
+              <a:t>Mathematik:</a:t>
+            </a:r>
+          </a:p>
+          <a:p>
+            <a:pPr marL="285750" indent="-285750">
+              <a:buFont typeface="Arial" panose="020B0604020202020204" pitchFamily="34" charset="0"/>
+              <a:buChar char="•"/>
+            </a:pPr>
+            <a:r>
+              <a:rPr lang="de-DE" sz="1600" dirty="0"/>
+              <a:t>Rechenfunktionen</a:t>
+            </a:r>
+          </a:p>
+          <a:p>
+            <a:r>
+              <a:rPr lang="de-DE" sz="2000" dirty="0"/>
+              <a:t>Funk:</a:t>
+            </a:r>
+          </a:p>
+          <a:p>
+            <a:pPr marL="285750" indent="-285750">
+              <a:buFont typeface="Arial" panose="020B0604020202020204" pitchFamily="34" charset="0"/>
+              <a:buChar char="•"/>
+            </a:pPr>
+            <a:r>
+              <a:rPr lang="de-DE" sz="1600" dirty="0"/>
+              <a:t>Bluetooth</a:t>
+            </a:r>
+          </a:p>
+          <a:p>
+            <a:r>
+              <a:rPr lang="de-DE" sz="2000" dirty="0"/>
+              <a:t>Motoren:</a:t>
+            </a:r>
+          </a:p>
+          <a:p>
+            <a:pPr marL="285750" indent="-285750">
+              <a:buFont typeface="Arial" panose="020B0604020202020204" pitchFamily="34" charset="0"/>
+              <a:buChar char="•"/>
+            </a:pPr>
+            <a:r>
+              <a:rPr lang="de-DE" sz="1600" dirty="0"/>
+              <a:t>Einstellung der Geschwindigkeit und Richtung der Antriebe</a:t>
+            </a:r>
+          </a:p>
+          <a:p>
+            <a:endParaRPr lang="de-DE" sz="1600" dirty="0"/>
+          </a:p>
+        </p:txBody>
+      </p:sp>
+      <p:pic>
+        <p:nvPicPr>
+          <p:cNvPr id="5" name="Grafik 4">
+            <a:extLst>
+              <a:ext uri="{FF2B5EF4-FFF2-40B4-BE49-F238E27FC236}">
+                <a16:creationId xmlns:a16="http://schemas.microsoft.com/office/drawing/2014/main" id="{83A434A9-C24F-4450-84D2-698E6F752ADE}"/>
+              </a:ext>
+            </a:extLst>
+          </p:cNvPr>
+          <p:cNvPicPr>
+            <a:picLocks noChangeAspect="1"/>
+          </p:cNvPicPr>
+          <p:nvPr/>
         </p:nvPicPr>
         <p:blipFill>
           <a:blip r:embed="rId2">
@@ -7716,290 +9098,30 @@
         </p:blipFill>
         <p:spPr>
           <a:xfrm>
-            <a:off x="490753" y="1389847"/>
-            <a:ext cx="3198259" cy="3609975"/>
-          </a:xfrm>
+            <a:off x="3752555" y="1389847"/>
+            <a:ext cx="1638595" cy="312395"/>
+          </a:xfrm>
+          <a:prstGeom prst="rect">
+            <a:avLst/>
+          </a:prstGeom>
+          <a:ln>
+            <a:solidFill>
+              <a:schemeClr val="bg1">
+                <a:lumMod val="85000"/>
+              </a:schemeClr>
+            </a:solidFill>
+          </a:ln>
         </p:spPr>
       </p:pic>
-      <p:sp>
-        <p:nvSpPr>
-          <p:cNvPr id="7" name="Textfeld 6"/>
-          <p:cNvSpPr txBox="1"/>
-          <p:nvPr/>
-        </p:nvSpPr>
-        <p:spPr>
-          <a:xfrm>
-            <a:off x="3689012" y="1351747"/>
-            <a:ext cx="2845138" cy="4031873"/>
-          </a:xfrm>
-          <a:prstGeom prst="rect">
-            <a:avLst/>
-          </a:prstGeom>
-          <a:noFill/>
-        </p:spPr>
-        <p:txBody>
-          <a:bodyPr wrap="square" rtlCol="0">
-            <a:spAutoFit/>
-          </a:bodyPr>
-          <a:lstStyle/>
-          <a:p>
-            <a:r>
-              <a:rPr lang="de-DE" sz="2000" dirty="0"/>
-              <a:t>Grundlagen:</a:t>
-            </a:r>
-          </a:p>
-          <a:p>
-            <a:pPr marL="285750" indent="-285750">
-              <a:buFont typeface="Arial" panose="020B0604020202020204" pitchFamily="34" charset="0"/>
-              <a:buChar char="•"/>
-            </a:pPr>
-            <a:r>
-              <a:rPr lang="de-DE" sz="1600" dirty="0"/>
-              <a:t>LED-Matrix</a:t>
-            </a:r>
-            <a:br>
-              <a:rPr lang="de-DE" sz="1600" dirty="0"/>
-            </a:br>
-            <a:r>
-              <a:rPr lang="de-DE" sz="1600" dirty="0"/>
-              <a:t>(Lauftext, Symbole, Zahlen)</a:t>
-            </a:r>
-          </a:p>
-          <a:p>
-            <a:pPr marL="285750" indent="-285750">
-              <a:buFont typeface="Arial" panose="020B0604020202020204" pitchFamily="34" charset="0"/>
-              <a:buChar char="•"/>
-            </a:pPr>
-            <a:r>
-              <a:rPr lang="de-DE" sz="1600" dirty="0"/>
-              <a:t>RGB-LED</a:t>
-            </a:r>
-          </a:p>
-          <a:p>
-            <a:pPr marL="285750" indent="-285750">
-              <a:buFont typeface="Arial" panose="020B0604020202020204" pitchFamily="34" charset="0"/>
-              <a:buChar char="•"/>
-            </a:pPr>
-            <a:r>
-              <a:rPr lang="de-DE" sz="1600" dirty="0"/>
-              <a:t>Pause</a:t>
-            </a:r>
-          </a:p>
-          <a:p>
-            <a:pPr marL="285750" indent="-285750">
-              <a:buFont typeface="Arial" panose="020B0604020202020204" pitchFamily="34" charset="0"/>
-              <a:buChar char="•"/>
-            </a:pPr>
-            <a:r>
-              <a:rPr lang="de-DE" sz="1600" dirty="0"/>
-              <a:t>Dauerhaft</a:t>
-            </a:r>
-          </a:p>
-          <a:p>
-            <a:r>
-              <a:rPr lang="de-DE" sz="2000" dirty="0"/>
-              <a:t>Eingabe:</a:t>
-            </a:r>
-          </a:p>
-          <a:p>
-            <a:pPr marL="285750" indent="-285750">
-              <a:buFont typeface="Arial" panose="020B0604020202020204" pitchFamily="34" charset="0"/>
-              <a:buChar char="•"/>
-            </a:pPr>
-            <a:r>
-              <a:rPr lang="de-DE" sz="1600" dirty="0"/>
-              <a:t>Event-Handler</a:t>
-            </a:r>
-          </a:p>
-          <a:p>
-            <a:pPr marL="285750" indent="-285750">
-              <a:buFont typeface="Arial" panose="020B0604020202020204" pitchFamily="34" charset="0"/>
-              <a:buChar char="•"/>
-            </a:pPr>
-            <a:r>
-              <a:rPr lang="de-DE" sz="1600" dirty="0"/>
-              <a:t>Sensorwerte</a:t>
-            </a:r>
-          </a:p>
-          <a:p>
-            <a:r>
-              <a:rPr lang="de-DE" sz="2000" dirty="0"/>
-              <a:t>Musik:</a:t>
-            </a:r>
-          </a:p>
-          <a:p>
-            <a:pPr marL="285750" indent="-285750">
-              <a:buFont typeface="Arial" panose="020B0604020202020204" pitchFamily="34" charset="0"/>
-              <a:buChar char="•"/>
-            </a:pPr>
-            <a:r>
-              <a:rPr lang="de-DE" sz="1600" dirty="0"/>
-              <a:t>Noten</a:t>
-            </a:r>
-          </a:p>
-          <a:p>
-            <a:pPr marL="285750" indent="-285750">
-              <a:buFont typeface="Arial" panose="020B0604020202020204" pitchFamily="34" charset="0"/>
-              <a:buChar char="•"/>
-            </a:pPr>
-            <a:r>
-              <a:rPr lang="de-DE" sz="1600" dirty="0"/>
-              <a:t>Beatgeschwindigkeit</a:t>
-            </a:r>
-          </a:p>
-          <a:p>
-            <a:r>
-              <a:rPr lang="de-DE" sz="2000" dirty="0"/>
-              <a:t>LED:</a:t>
-            </a:r>
-          </a:p>
-          <a:p>
-            <a:pPr marL="285750" indent="-285750">
-              <a:buFont typeface="Arial" panose="020B0604020202020204" pitchFamily="34" charset="0"/>
-              <a:buChar char="•"/>
-            </a:pPr>
-            <a:r>
-              <a:rPr lang="de-DE" sz="1600" dirty="0"/>
-              <a:t>Sonderfunktionen LED-Matrix</a:t>
-            </a:r>
-          </a:p>
-        </p:txBody>
-      </p:sp>
-      <p:sp>
-        <p:nvSpPr>
-          <p:cNvPr id="8" name="Textfeld 7"/>
-          <p:cNvSpPr txBox="1"/>
-          <p:nvPr/>
-        </p:nvSpPr>
-        <p:spPr>
-          <a:xfrm>
-            <a:off x="490753" y="5102216"/>
-            <a:ext cx="6043397" cy="3908762"/>
-          </a:xfrm>
-          <a:prstGeom prst="rect">
-            <a:avLst/>
-          </a:prstGeom>
-          <a:noFill/>
-        </p:spPr>
-        <p:txBody>
-          <a:bodyPr wrap="square" rtlCol="0">
-            <a:spAutoFit/>
-          </a:bodyPr>
-          <a:lstStyle/>
-          <a:p>
-            <a:r>
-              <a:rPr lang="de-DE" sz="2000" dirty="0"/>
-              <a:t>Schleifen:</a:t>
-            </a:r>
-          </a:p>
-          <a:p>
-            <a:pPr marL="285750" indent="-285750">
-              <a:buFont typeface="Arial" panose="020B0604020202020204" pitchFamily="34" charset="0"/>
-              <a:buChar char="•"/>
-            </a:pPr>
-            <a:r>
-              <a:rPr lang="de-DE" sz="1600" dirty="0"/>
-              <a:t>Wiederholung von Programmteilen</a:t>
-            </a:r>
-          </a:p>
-          <a:p>
-            <a:r>
-              <a:rPr lang="de-DE" sz="2000" dirty="0"/>
-              <a:t>Logik:</a:t>
-            </a:r>
-          </a:p>
-          <a:p>
-            <a:pPr marL="285750" indent="-285750">
-              <a:buFont typeface="Arial" panose="020B0604020202020204" pitchFamily="34" charset="0"/>
-              <a:buChar char="•"/>
-            </a:pPr>
-            <a:r>
-              <a:rPr lang="de-DE" sz="1600" dirty="0"/>
-              <a:t>Vergleiche und andere Wahrheitsüberprüfungen</a:t>
-            </a:r>
-          </a:p>
-          <a:p>
-            <a:pPr marL="285750" indent="-285750">
-              <a:buFont typeface="Arial" panose="020B0604020202020204" pitchFamily="34" charset="0"/>
-              <a:buChar char="•"/>
-            </a:pPr>
-            <a:r>
-              <a:rPr lang="de-DE" sz="1600" dirty="0"/>
-              <a:t>Wenn-Dann-Funktionen</a:t>
-            </a:r>
-          </a:p>
-          <a:p>
-            <a:r>
-              <a:rPr lang="de-DE" sz="2000" dirty="0"/>
-              <a:t>Variablen</a:t>
-            </a:r>
-          </a:p>
-          <a:p>
-            <a:pPr marL="285750" indent="-285750">
-              <a:buFont typeface="Arial" panose="020B0604020202020204" pitchFamily="34" charset="0"/>
-              <a:buChar char="•"/>
-            </a:pPr>
-            <a:r>
-              <a:rPr lang="de-DE" sz="1600" dirty="0"/>
-              <a:t>Funktionen rund um Platzhalter/Parameter</a:t>
-            </a:r>
-          </a:p>
-          <a:p>
-            <a:r>
-              <a:rPr lang="de-DE" sz="2000" dirty="0"/>
-              <a:t>Mathematik:</a:t>
-            </a:r>
-          </a:p>
-          <a:p>
-            <a:pPr marL="285750" indent="-285750">
-              <a:buFont typeface="Arial" panose="020B0604020202020204" pitchFamily="34" charset="0"/>
-              <a:buChar char="•"/>
-            </a:pPr>
-            <a:r>
-              <a:rPr lang="de-DE" sz="1600" dirty="0"/>
-              <a:t>Rechenfunktionen</a:t>
-            </a:r>
-          </a:p>
-          <a:p>
-            <a:r>
-              <a:rPr lang="de-DE" sz="2000" dirty="0"/>
-              <a:t>Funk:</a:t>
-            </a:r>
-          </a:p>
-          <a:p>
-            <a:pPr marL="285750" indent="-285750">
-              <a:buFont typeface="Arial" panose="020B0604020202020204" pitchFamily="34" charset="0"/>
-              <a:buChar char="•"/>
-            </a:pPr>
-            <a:r>
-              <a:rPr lang="de-DE" sz="1600" dirty="0"/>
-              <a:t>Bluetooth</a:t>
-            </a:r>
-          </a:p>
-          <a:p>
-            <a:r>
-              <a:rPr lang="de-DE" sz="2000" dirty="0"/>
-              <a:t>Motoren:</a:t>
-            </a:r>
-          </a:p>
-          <a:p>
-            <a:pPr marL="285750" indent="-285750">
-              <a:buFont typeface="Arial" panose="020B0604020202020204" pitchFamily="34" charset="0"/>
-              <a:buChar char="•"/>
-            </a:pPr>
-            <a:r>
-              <a:rPr lang="de-DE" sz="1600" dirty="0"/>
-              <a:t>Einstellung der Geschwindigkeit und Richtung der Antriebe</a:t>
-            </a:r>
-          </a:p>
-          <a:p>
-            <a:endParaRPr lang="de-DE" sz="1600" dirty="0"/>
-          </a:p>
-        </p:txBody>
-      </p:sp>
       <p:pic>
         <p:nvPicPr>
-          <p:cNvPr id="9" name="Grafik 8"/>
+          <p:cNvPr id="20" name="Grafik 19">
+            <a:extLst>
+              <a:ext uri="{FF2B5EF4-FFF2-40B4-BE49-F238E27FC236}">
+                <a16:creationId xmlns:a16="http://schemas.microsoft.com/office/drawing/2014/main" id="{B0B9EBF0-C1D5-4482-9192-A4E3DA4E9204}"/>
+              </a:ext>
+            </a:extLst>
+          </p:cNvPr>
           <p:cNvPicPr>
             <a:picLocks noChangeAspect="1"/>
           </p:cNvPicPr>
@@ -8019,17 +9141,30 @@
         </p:blipFill>
         <p:spPr>
           <a:xfrm>
-            <a:off x="3752555" y="2956900"/>
-            <a:ext cx="1727289" cy="273064"/>
+            <a:off x="3752555" y="2926569"/>
+            <a:ext cx="1638595" cy="312395"/>
           </a:xfrm>
           <a:prstGeom prst="rect">
             <a:avLst/>
           </a:prstGeom>
+          <a:ln>
+            <a:solidFill>
+              <a:schemeClr val="bg1">
+                <a:lumMod val="85000"/>
+              </a:schemeClr>
+            </a:solidFill>
+          </a:ln>
         </p:spPr>
       </p:pic>
       <p:pic>
         <p:nvPicPr>
-          <p:cNvPr id="10" name="Grafik 9"/>
+          <p:cNvPr id="22" name="Grafik 21">
+            <a:extLst>
+              <a:ext uri="{FF2B5EF4-FFF2-40B4-BE49-F238E27FC236}">
+                <a16:creationId xmlns:a16="http://schemas.microsoft.com/office/drawing/2014/main" id="{BD34C6A8-81F9-46C2-A46C-6B6A5B20712C}"/>
+              </a:ext>
+            </a:extLst>
+          </p:cNvPr>
           <p:cNvPicPr>
             <a:picLocks noChangeAspect="1"/>
           </p:cNvPicPr>
@@ -8049,17 +9184,30 @@
         </p:blipFill>
         <p:spPr>
           <a:xfrm>
-            <a:off x="490752" y="7608791"/>
-            <a:ext cx="1727289" cy="273064"/>
+            <a:off x="3752555" y="4010311"/>
+            <a:ext cx="1638596" cy="320558"/>
           </a:xfrm>
           <a:prstGeom prst="rect">
             <a:avLst/>
           </a:prstGeom>
+          <a:ln>
+            <a:solidFill>
+              <a:schemeClr val="bg1">
+                <a:lumMod val="85000"/>
+              </a:schemeClr>
+            </a:solidFill>
+          </a:ln>
         </p:spPr>
       </p:pic>
       <p:pic>
         <p:nvPicPr>
-          <p:cNvPr id="11" name="Grafik 10"/>
+          <p:cNvPr id="24" name="Grafik 23">
+            <a:extLst>
+              <a:ext uri="{FF2B5EF4-FFF2-40B4-BE49-F238E27FC236}">
+                <a16:creationId xmlns:a16="http://schemas.microsoft.com/office/drawing/2014/main" id="{33C1E751-C5CF-4178-80F6-87A7B9BC4146}"/>
+              </a:ext>
+            </a:extLst>
+          </p:cNvPr>
           <p:cNvPicPr>
             <a:picLocks noChangeAspect="1"/>
           </p:cNvPicPr>
@@ -8079,17 +9227,30 @@
         </p:blipFill>
         <p:spPr>
           <a:xfrm>
-            <a:off x="3752556" y="1433915"/>
-            <a:ext cx="1727289" cy="273064"/>
+            <a:off x="3752553" y="4769254"/>
+            <a:ext cx="1638595" cy="320557"/>
           </a:xfrm>
           <a:prstGeom prst="rect">
             <a:avLst/>
           </a:prstGeom>
+          <a:ln>
+            <a:solidFill>
+              <a:schemeClr val="bg1">
+                <a:lumMod val="85000"/>
+              </a:schemeClr>
+            </a:solidFill>
+          </a:ln>
         </p:spPr>
       </p:pic>
       <p:pic>
         <p:nvPicPr>
-          <p:cNvPr id="12" name="Grafik 11"/>
+          <p:cNvPr id="26" name="Grafik 25">
+            <a:extLst>
+              <a:ext uri="{FF2B5EF4-FFF2-40B4-BE49-F238E27FC236}">
+                <a16:creationId xmlns:a16="http://schemas.microsoft.com/office/drawing/2014/main" id="{72588322-802B-4A94-A611-6851B2A271CE}"/>
+              </a:ext>
+            </a:extLst>
+          </p:cNvPr>
           <p:cNvPicPr>
             <a:picLocks noChangeAspect="1"/>
           </p:cNvPicPr>
@@ -8109,17 +9270,30 @@
         </p:blipFill>
         <p:spPr>
           <a:xfrm>
-            <a:off x="3755687" y="4550310"/>
-            <a:ext cx="1727289" cy="273064"/>
+            <a:off x="490751" y="5126254"/>
+            <a:ext cx="1638595" cy="321105"/>
           </a:xfrm>
           <a:prstGeom prst="rect">
             <a:avLst/>
           </a:prstGeom>
+          <a:ln>
+            <a:solidFill>
+              <a:schemeClr val="bg1">
+                <a:lumMod val="85000"/>
+              </a:schemeClr>
+            </a:solidFill>
+          </a:ln>
         </p:spPr>
       </p:pic>
       <p:pic>
         <p:nvPicPr>
-          <p:cNvPr id="13" name="Grafik 12"/>
+          <p:cNvPr id="28" name="Grafik 27">
+            <a:extLst>
+              <a:ext uri="{FF2B5EF4-FFF2-40B4-BE49-F238E27FC236}">
+                <a16:creationId xmlns:a16="http://schemas.microsoft.com/office/drawing/2014/main" id="{87A95C56-B8AF-4D33-BF4B-7372128773E5}"/>
+              </a:ext>
+            </a:extLst>
+          </p:cNvPr>
           <p:cNvPicPr>
             <a:picLocks noChangeAspect="1"/>
           </p:cNvPicPr>
@@ -8139,17 +9313,30 @@
         </p:blipFill>
         <p:spPr>
           <a:xfrm>
-            <a:off x="490752" y="5734164"/>
-            <a:ext cx="1727289" cy="273064"/>
+            <a:off x="490752" y="7600424"/>
+            <a:ext cx="1638594" cy="320557"/>
           </a:xfrm>
           <a:prstGeom prst="rect">
             <a:avLst/>
           </a:prstGeom>
+          <a:ln>
+            <a:solidFill>
+              <a:schemeClr val="bg1">
+                <a:lumMod val="85000"/>
+              </a:schemeClr>
+            </a:solidFill>
+          </a:ln>
         </p:spPr>
       </p:pic>
       <p:pic>
         <p:nvPicPr>
-          <p:cNvPr id="14" name="Grafik 13"/>
+          <p:cNvPr id="30" name="Grafik 29">
+            <a:extLst>
+              <a:ext uri="{FF2B5EF4-FFF2-40B4-BE49-F238E27FC236}">
+                <a16:creationId xmlns:a16="http://schemas.microsoft.com/office/drawing/2014/main" id="{1CB1C55B-88E2-4791-8F4C-82CDE9F6158A}"/>
+              </a:ext>
+            </a:extLst>
+          </p:cNvPr>
           <p:cNvPicPr>
             <a:picLocks noChangeAspect="1"/>
           </p:cNvPicPr>
@@ -8169,17 +9356,30 @@
         </p:blipFill>
         <p:spPr>
           <a:xfrm>
-            <a:off x="490752" y="7062204"/>
-            <a:ext cx="1727289" cy="273064"/>
+            <a:off x="490752" y="5720144"/>
+            <a:ext cx="1638594" cy="320556"/>
           </a:xfrm>
           <a:prstGeom prst="rect">
             <a:avLst/>
           </a:prstGeom>
+          <a:ln>
+            <a:solidFill>
+              <a:schemeClr val="bg1">
+                <a:lumMod val="85000"/>
+              </a:schemeClr>
+            </a:solidFill>
+          </a:ln>
         </p:spPr>
       </p:pic>
       <p:pic>
         <p:nvPicPr>
-          <p:cNvPr id="15" name="Grafik 14"/>
+          <p:cNvPr id="32" name="Grafik 31">
+            <a:extLst>
+              <a:ext uri="{FF2B5EF4-FFF2-40B4-BE49-F238E27FC236}">
+                <a16:creationId xmlns:a16="http://schemas.microsoft.com/office/drawing/2014/main" id="{26CAB59F-FD0B-465A-87F1-8A2F1486C1BD}"/>
+              </a:ext>
+            </a:extLst>
+          </p:cNvPr>
           <p:cNvPicPr>
             <a:picLocks noChangeAspect="1"/>
           </p:cNvPicPr>
@@ -8199,17 +9399,30 @@
         </p:blipFill>
         <p:spPr>
           <a:xfrm>
-            <a:off x="490752" y="8173864"/>
-            <a:ext cx="1727289" cy="273064"/>
+            <a:off x="490752" y="7056083"/>
+            <a:ext cx="1638594" cy="319274"/>
           </a:xfrm>
           <a:prstGeom prst="rect">
             <a:avLst/>
           </a:prstGeom>
+          <a:ln>
+            <a:solidFill>
+              <a:schemeClr val="bg1">
+                <a:lumMod val="85000"/>
+              </a:schemeClr>
+            </a:solidFill>
+          </a:ln>
         </p:spPr>
       </p:pic>
       <p:pic>
         <p:nvPicPr>
-          <p:cNvPr id="16" name="Grafik 15"/>
+          <p:cNvPr id="34" name="Grafik 33">
+            <a:extLst>
+              <a:ext uri="{FF2B5EF4-FFF2-40B4-BE49-F238E27FC236}">
+                <a16:creationId xmlns:a16="http://schemas.microsoft.com/office/drawing/2014/main" id="{FECA2ACD-F927-4C9D-BC42-CBC829368BEA}"/>
+              </a:ext>
+            </a:extLst>
+          </p:cNvPr>
           <p:cNvPicPr>
             <a:picLocks noChangeAspect="1"/>
           </p:cNvPicPr>
@@ -8229,17 +9442,30 @@
         </p:blipFill>
         <p:spPr>
           <a:xfrm>
-            <a:off x="3755687" y="3742536"/>
-            <a:ext cx="1727289" cy="273064"/>
+            <a:off x="490752" y="6501463"/>
+            <a:ext cx="1638594" cy="329553"/>
           </a:xfrm>
           <a:prstGeom prst="rect">
             <a:avLst/>
           </a:prstGeom>
+          <a:ln>
+            <a:solidFill>
+              <a:schemeClr val="bg1">
+                <a:lumMod val="85000"/>
+              </a:schemeClr>
+            </a:solidFill>
+          </a:ln>
         </p:spPr>
       </p:pic>
       <p:pic>
         <p:nvPicPr>
-          <p:cNvPr id="17" name="Grafik 16"/>
+          <p:cNvPr id="36" name="Grafik 35">
+            <a:extLst>
+              <a:ext uri="{FF2B5EF4-FFF2-40B4-BE49-F238E27FC236}">
+                <a16:creationId xmlns:a16="http://schemas.microsoft.com/office/drawing/2014/main" id="{75B0B659-1EDE-4D28-8396-841646F0E3D0}"/>
+              </a:ext>
+            </a:extLst>
+          </p:cNvPr>
           <p:cNvPicPr>
             <a:picLocks noChangeAspect="1"/>
           </p:cNvPicPr>
@@ -8259,38 +9485,44 @@
         </p:blipFill>
         <p:spPr>
           <a:xfrm>
-            <a:off x="496417" y="5181467"/>
-            <a:ext cx="1727289" cy="273064"/>
+            <a:off x="490752" y="8146048"/>
+            <a:ext cx="1638594" cy="320557"/>
           </a:xfrm>
           <a:prstGeom prst="rect">
             <a:avLst/>
           </a:prstGeom>
+          <a:ln>
+            <a:solidFill>
+              <a:schemeClr val="bg1">
+                <a:lumMod val="85000"/>
+              </a:schemeClr>
+            </a:solidFill>
+          </a:ln>
         </p:spPr>
       </p:pic>
       <p:pic>
         <p:nvPicPr>
-          <p:cNvPr id="18" name="Grafik 17"/>
+          <p:cNvPr id="39" name="Grafik 38">
+            <a:extLst>
+              <a:ext uri="{FF2B5EF4-FFF2-40B4-BE49-F238E27FC236}">
+                <a16:creationId xmlns:a16="http://schemas.microsoft.com/office/drawing/2014/main" id="{8FFB6B23-79B0-460B-9550-11BC6280A3B1}"/>
+              </a:ext>
+            </a:extLst>
+          </p:cNvPr>
           <p:cNvPicPr>
             <a:picLocks noChangeAspect="1"/>
           </p:cNvPicPr>
           <p:nvPr/>
         </p:nvPicPr>
-        <p:blipFill>
-          <a:blip r:embed="rId12">
-            <a:extLst>
-              <a:ext uri="{28A0092B-C50C-407E-A947-70E740481C1C}">
-                <a14:useLocalDpi xmlns:a14="http://schemas.microsoft.com/office/drawing/2010/main" val="0"/>
-              </a:ext>
-            </a:extLst>
-          </a:blip>
-          <a:stretch>
-            <a:fillRect/>
-          </a:stretch>
+        <p:blipFill rotWithShape="1">
+          <a:blip r:embed="rId12"/>
+          <a:srcRect t="932" b="1494"/>
+          <a:stretch/>
         </p:blipFill>
         <p:spPr>
           <a:xfrm>
-            <a:off x="490753" y="6508148"/>
-            <a:ext cx="1727289" cy="273064"/>
+            <a:off x="321371" y="1389847"/>
+            <a:ext cx="3399411" cy="3236922"/>
           </a:xfrm>
           <a:prstGeom prst="rect">
             <a:avLst/>
@@ -8310,7 +9542,7 @@
 </p:sld>
 </file>
 
-<file path=ppt/slides/slide15.xml><?xml version="1.0" encoding="utf-8"?>
+<file path=ppt/slides/slide16.xml><?xml version="1.0" encoding="utf-8"?>
 <p:sld xmlns:a="http://schemas.openxmlformats.org/drawingml/2006/main" xmlns:r="http://schemas.openxmlformats.org/officeDocument/2006/relationships" xmlns:p="http://schemas.openxmlformats.org/presentationml/2006/main">
   <p:cSld>
     <p:spTree>
@@ -14100,11 +15332,19 @@
             </a:r>
             <a:r>
               <a:rPr lang="de-DE" sz="1400" b="1" dirty="0"/>
-              <a:t>makecode.calliope.cc </a:t>
+              <a:t>makecode.calliope.cc/</a:t>
+            </a:r>
+            <a:r>
+              <a:rPr lang="de-DE" sz="1400" b="1" dirty="0" err="1"/>
+              <a:t>beta</a:t>
+            </a:r>
+            <a:r>
+              <a:rPr lang="de-DE" sz="1400" b="1" dirty="0"/>
+              <a:t> </a:t>
             </a:r>
             <a:r>
               <a:rPr lang="de-DE" sz="1400" dirty="0"/>
-              <a:t>in Web-Browser.</a:t>
+              <a:t>im Web-Browser.</a:t>
             </a:r>
           </a:p>
           <a:p>
@@ -14121,46 +15361,81 @@
             </a:pPr>
             <a:r>
               <a:rPr lang="de-DE" sz="1400" dirty="0"/>
-              <a:t>Der PXT-Editor teilt sich in 3 Bereiche </a:t>
-            </a:r>
-          </a:p>
-          <a:p>
-            <a:pPr marL="742950" lvl="1" indent="-400050">
+              <a:t>Auf der Startseite kann ein neues Projekt erstellt werden. Klicke dazu auf das große Symbol mit dem „+“</a:t>
+            </a:r>
+          </a:p>
+          <a:p>
+            <a:pPr marL="228600" lvl="0" indent="-228600">
               <a:buFont typeface="+mj-lt"/>
-              <a:buAutoNum type="romanUcPeriod"/>
+              <a:buAutoNum type="arabicPeriod"/>
             </a:pPr>
+            <a:endParaRPr lang="de-DE" sz="1400" dirty="0"/>
+          </a:p>
+          <a:p>
+            <a:pPr marL="228600" lvl="0" indent="-228600">
+              <a:buFont typeface="+mj-lt"/>
+              <a:buAutoNum type="arabicPeriod"/>
+            </a:pPr>
+            <a:endParaRPr lang="de-DE" sz="1400" dirty="0"/>
+          </a:p>
+          <a:p>
+            <a:pPr marL="228600" lvl="0" indent="-228600">
+              <a:buFont typeface="+mj-lt"/>
+              <a:buAutoNum type="arabicPeriod"/>
+            </a:pPr>
+            <a:endParaRPr lang="de-DE" sz="1400" dirty="0"/>
+          </a:p>
+          <a:p>
+            <a:pPr marL="228600" lvl="0" indent="-228600">
+              <a:buFont typeface="+mj-lt"/>
+              <a:buAutoNum type="arabicPeriod"/>
+            </a:pPr>
+            <a:endParaRPr lang="de-DE" sz="1400" dirty="0"/>
+          </a:p>
+          <a:p>
+            <a:pPr marL="228600" lvl="0" indent="-228600">
+              <a:buFont typeface="+mj-lt"/>
+              <a:buAutoNum type="arabicPeriod"/>
+            </a:pPr>
+            <a:endParaRPr lang="de-DE" sz="1400" dirty="0"/>
+          </a:p>
+          <a:p>
+            <a:pPr marL="228600" lvl="0" indent="-228600">
+              <a:buFont typeface="+mj-lt"/>
+              <a:buAutoNum type="arabicPeriod"/>
+            </a:pPr>
+            <a:endParaRPr lang="de-DE" sz="1400" dirty="0"/>
+          </a:p>
+          <a:p>
+            <a:pPr marL="228600" lvl="0" indent="-228600">
+              <a:buFont typeface="+mj-lt"/>
+              <a:buAutoNum type="arabicPeriod"/>
+            </a:pPr>
+            <a:endParaRPr lang="de-DE" sz="1400" dirty="0"/>
+          </a:p>
+          <a:p>
+            <a:pPr marL="228600" lvl="0" indent="-228600">
+              <a:buFont typeface="+mj-lt"/>
+              <a:buAutoNum type="arabicPeriod"/>
+            </a:pPr>
             <a:r>
               <a:rPr lang="de-DE" sz="1400" dirty="0"/>
-              <a:t>Voransicht &amp; Simulation (hier sieht man eine Simulation des Programmes ohne es vorher auf den </a:t>
-            </a:r>
-            <a:r>
-              <a:rPr lang="de-DE" sz="1400" dirty="0" err="1"/>
-              <a:t>Calliope</a:t>
-            </a:r>
-            <a:r>
-              <a:rPr lang="de-DE" sz="1400" dirty="0"/>
-              <a:t> Mini laden zu müssen)</a:t>
-            </a:r>
-          </a:p>
-          <a:p>
-            <a:pPr marL="742950" lvl="1" indent="-400050">
+              <a:t>Anschließend öffnet sich ein Fenster hier kannst du deinem Projekt schonmal einen Namen geben z.B. „mein-Code“.</a:t>
+            </a:r>
+          </a:p>
+          <a:p>
+            <a:pPr marL="228600" lvl="0" indent="-228600">
               <a:buFont typeface="+mj-lt"/>
-              <a:buAutoNum type="romanUcPeriod"/>
+              <a:buAutoNum type="arabicPeriod"/>
             </a:pPr>
-            <a:r>
-              <a:rPr lang="de-DE" sz="1400" dirty="0"/>
-              <a:t>Blockbereich (hier findet man die Programmblöcke mit denen man ein Programm schreiben kann)</a:t>
-            </a:r>
-          </a:p>
-          <a:p>
-            <a:pPr marL="742950" lvl="1" indent="-400050">
+            <a:endParaRPr lang="de-DE" sz="1400" dirty="0"/>
+          </a:p>
+          <a:p>
+            <a:pPr marL="228600" lvl="0" indent="-228600">
               <a:buFont typeface="+mj-lt"/>
-              <a:buAutoNum type="romanUcPeriod"/>
+              <a:buAutoNum type="arabicPeriod"/>
             </a:pPr>
-            <a:r>
-              <a:rPr lang="de-DE" sz="1400" dirty="0"/>
-              <a:t>Arbeitsbereich (hier schreibt man das Programm in dem man die Programmblöcke zusammenschiebt)</a:t>
-            </a:r>
+            <a:endParaRPr lang="de-DE" sz="1400" dirty="0"/>
           </a:p>
           <a:p>
             <a:pPr marL="228600" indent="-228600">
@@ -14173,32 +15448,67 @@
       </p:sp>
       <p:pic>
         <p:nvPicPr>
-          <p:cNvPr id="14" name="Grafik 13"/>
+          <p:cNvPr id="18" name="Grafik 17">
+            <a:extLst>
+              <a:ext uri="{FF2B5EF4-FFF2-40B4-BE49-F238E27FC236}">
+                <a16:creationId xmlns:a16="http://schemas.microsoft.com/office/drawing/2014/main" id="{2764BD61-AD4D-4518-8ABB-169F4C44AB89}"/>
+              </a:ext>
+            </a:extLst>
+          </p:cNvPr>
           <p:cNvPicPr>
             <a:picLocks noChangeAspect="1"/>
           </p:cNvPicPr>
           <p:nvPr/>
         </p:nvPicPr>
         <p:blipFill>
-          <a:blip r:embed="rId2">
-            <a:extLst>
-              <a:ext uri="{28A0092B-C50C-407E-A947-70E740481C1C}">
-                <a14:useLocalDpi xmlns:a14="http://schemas.microsoft.com/office/drawing/2010/main" val="0"/>
-              </a:ext>
-            </a:extLst>
-          </a:blip>
+          <a:blip r:embed="rId2"/>
           <a:stretch>
             <a:fillRect/>
           </a:stretch>
         </p:blipFill>
         <p:spPr>
           <a:xfrm>
-            <a:off x="468000" y="4082958"/>
-            <a:ext cx="5918512" cy="4898888"/>
+            <a:off x="1573604" y="2852648"/>
+            <a:ext cx="2354436" cy="1585050"/>
           </a:xfrm>
           <a:prstGeom prst="rect">
             <a:avLst/>
           </a:prstGeom>
+        </p:spPr>
+      </p:pic>
+      <p:pic>
+        <p:nvPicPr>
+          <p:cNvPr id="19" name="Grafik 18">
+            <a:extLst>
+              <a:ext uri="{FF2B5EF4-FFF2-40B4-BE49-F238E27FC236}">
+                <a16:creationId xmlns:a16="http://schemas.microsoft.com/office/drawing/2014/main" id="{7B4CF9CE-2FC2-4B38-8190-6950EE6EC6A1}"/>
+              </a:ext>
+            </a:extLst>
+          </p:cNvPr>
+          <p:cNvPicPr>
+            <a:picLocks noChangeAspect="1"/>
+          </p:cNvPicPr>
+          <p:nvPr/>
+        </p:nvPicPr>
+        <p:blipFill>
+          <a:blip r:embed="rId3"/>
+          <a:stretch>
+            <a:fillRect/>
+          </a:stretch>
+        </p:blipFill>
+        <p:spPr>
+          <a:xfrm>
+            <a:off x="1343982" y="5066342"/>
+            <a:ext cx="2620009" cy="1773369"/>
+          </a:xfrm>
+          <a:prstGeom prst="rect">
+            <a:avLst/>
+          </a:prstGeom>
+          <a:ln>
+            <a:solidFill>
+              <a:schemeClr val="tx1"/>
+            </a:solidFill>
+          </a:ln>
         </p:spPr>
       </p:pic>
     </p:spTree>
